--- a/07 - Neural Fitted Q/slides.pptx
+++ b/07 - Neural Fitted Q/slides.pptx
@@ -5,7 +5,7 @@
     <p:sldMasterId id="2147483659" r:id="rId1"/>
   </p:sldMasterIdLst>
   <p:notesMasterIdLst>
-    <p:notesMasterId r:id="rId35"/>
+    <p:notesMasterId r:id="rId22"/>
   </p:notesMasterIdLst>
   <p:sldIdLst>
     <p:sldId id="256" r:id="rId2"/>
@@ -28,36 +28,23 @@
     <p:sldId id="294" r:id="rId19"/>
     <p:sldId id="295" r:id="rId20"/>
     <p:sldId id="299" r:id="rId21"/>
-    <p:sldId id="300" r:id="rId22"/>
-    <p:sldId id="301" r:id="rId23"/>
-    <p:sldId id="296" r:id="rId24"/>
-    <p:sldId id="297" r:id="rId25"/>
-    <p:sldId id="303" r:id="rId26"/>
-    <p:sldId id="298" r:id="rId27"/>
-    <p:sldId id="304" r:id="rId28"/>
-    <p:sldId id="305" r:id="rId29"/>
-    <p:sldId id="306" r:id="rId30"/>
-    <p:sldId id="307" r:id="rId31"/>
-    <p:sldId id="308" r:id="rId32"/>
-    <p:sldId id="309" r:id="rId33"/>
-    <p:sldId id="280" r:id="rId34"/>
   </p:sldIdLst>
   <p:sldSz cx="9144000" cy="6858000" type="screen4x3"/>
   <p:notesSz cx="6858000" cy="9144000"/>
   <p:embeddedFontLst>
     <p:embeddedFont>
       <p:font typeface="Economica" panose="02000506040000020004" pitchFamily="2" charset="77"/>
-      <p:regular r:id="rId36"/>
-      <p:bold r:id="rId37"/>
-      <p:italic r:id="rId38"/>
-      <p:boldItalic r:id="rId39"/>
+      <p:regular r:id="rId23"/>
+      <p:bold r:id="rId24"/>
+      <p:italic r:id="rId25"/>
+      <p:boldItalic r:id="rId26"/>
     </p:embeddedFont>
     <p:embeddedFont>
       <p:font typeface="Open Sans" panose="020B0606030504020204" pitchFamily="34" charset="0"/>
-      <p:regular r:id="rId40"/>
-      <p:bold r:id="rId41"/>
-      <p:italic r:id="rId42"/>
-      <p:boldItalic r:id="rId43"/>
+      <p:regular r:id="rId27"/>
+      <p:bold r:id="rId28"/>
+      <p:italic r:id="rId29"/>
+      <p:boldItalic r:id="rId30"/>
     </p:embeddedFont>
   </p:embeddedFontLst>
   <p:defaultTextStyle>
@@ -8062,987 +8049,6 @@
 </p:notes>
 </file>
 
-<file path=ppt/notesSlides/notesSlide21.xml><?xml version="1.0" encoding="utf-8"?>
-<p:notes xmlns:a="http://schemas.openxmlformats.org/drawingml/2006/main" xmlns:r="http://schemas.openxmlformats.org/officeDocument/2006/relationships" xmlns:p="http://schemas.openxmlformats.org/presentationml/2006/main" showMasterSp="0" showMasterPhAnim="0">
-  <p:cSld>
-    <p:spTree>
-      <p:nvGrpSpPr>
-        <p:cNvPr id="1" name="Shape 79"/>
-        <p:cNvGrpSpPr/>
-        <p:nvPr/>
-      </p:nvGrpSpPr>
-      <p:grpSpPr>
-        <a:xfrm>
-          <a:off x="0" y="0"/>
-          <a:ext cx="0" cy="0"/>
-          <a:chOff x="0" y="0"/>
-          <a:chExt cx="0" cy="0"/>
-        </a:xfrm>
-      </p:grpSpPr>
-      <p:sp>
-        <p:nvSpPr>
-          <p:cNvPr id="80" name="Google Shape;80;geed6aedbf_0_0:notes"/>
-          <p:cNvSpPr>
-            <a:spLocks noGrp="1" noRot="1" noChangeAspect="1"/>
-          </p:cNvSpPr>
-          <p:nvPr>
-            <p:ph type="sldImg" idx="2"/>
-          </p:nvPr>
-        </p:nvSpPr>
-        <p:spPr>
-          <a:xfrm>
-            <a:off x="1143000" y="685800"/>
-            <a:ext cx="4572000" cy="3429000"/>
-          </a:xfrm>
-          <a:custGeom>
-            <a:avLst/>
-            <a:gdLst/>
-            <a:ahLst/>
-            <a:cxnLst/>
-            <a:rect l="l" t="t" r="r" b="b"/>
-            <a:pathLst>
-              <a:path w="120000" h="120000" extrusionOk="0">
-                <a:moveTo>
-                  <a:pt x="0" y="0"/>
-                </a:moveTo>
-                <a:lnTo>
-                  <a:pt x="120000" y="0"/>
-                </a:lnTo>
-                <a:lnTo>
-                  <a:pt x="120000" y="120000"/>
-                </a:lnTo>
-                <a:lnTo>
-                  <a:pt x="0" y="120000"/>
-                </a:lnTo>
-                <a:close/>
-              </a:path>
-            </a:pathLst>
-          </a:custGeom>
-        </p:spPr>
-      </p:sp>
-      <p:sp>
-        <p:nvSpPr>
-          <p:cNvPr id="81" name="Google Shape;81;geed6aedbf_0_0:notes"/>
-          <p:cNvSpPr txBox="1">
-            <a:spLocks noGrp="1"/>
-          </p:cNvSpPr>
-          <p:nvPr>
-            <p:ph type="body" idx="1"/>
-          </p:nvPr>
-        </p:nvSpPr>
-        <p:spPr>
-          <a:xfrm>
-            <a:off x="685800" y="4343400"/>
-            <a:ext cx="5486400" cy="4114800"/>
-          </a:xfrm>
-          <a:prstGeom prst="rect">
-            <a:avLst/>
-          </a:prstGeom>
-        </p:spPr>
-        <p:txBody>
-          <a:bodyPr spcFirstLastPara="1" wrap="square" lIns="91425" tIns="91425" rIns="91425" bIns="91425" anchor="t" anchorCtr="0">
-            <a:noAutofit/>
-          </a:bodyPr>
-          <a:lstStyle/>
-          <a:p>
-            <a:pPr marL="0" lvl="0" indent="0" algn="l" rtl="0">
-              <a:spcBef>
-                <a:spcPts val="0"/>
-              </a:spcBef>
-              <a:spcAft>
-                <a:spcPts val="0"/>
-              </a:spcAft>
-              <a:buNone/>
-            </a:pPr>
-            <a:endParaRPr dirty="0"/>
-          </a:p>
-        </p:txBody>
-      </p:sp>
-    </p:spTree>
-    <p:extLst>
-      <p:ext uri="{BB962C8B-B14F-4D97-AF65-F5344CB8AC3E}">
-        <p14:creationId xmlns:p14="http://schemas.microsoft.com/office/powerpoint/2010/main" val="31097736"/>
-      </p:ext>
-    </p:extLst>
-  </p:cSld>
-  <p:clrMapOvr>
-    <a:masterClrMapping/>
-  </p:clrMapOvr>
-</p:notes>
-</file>
-
-<file path=ppt/notesSlides/notesSlide22.xml><?xml version="1.0" encoding="utf-8"?>
-<p:notes xmlns:a="http://schemas.openxmlformats.org/drawingml/2006/main" xmlns:r="http://schemas.openxmlformats.org/officeDocument/2006/relationships" xmlns:p="http://schemas.openxmlformats.org/presentationml/2006/main" showMasterSp="0" showMasterPhAnim="0">
-  <p:cSld>
-    <p:spTree>
-      <p:nvGrpSpPr>
-        <p:cNvPr id="1" name="Shape 79"/>
-        <p:cNvGrpSpPr/>
-        <p:nvPr/>
-      </p:nvGrpSpPr>
-      <p:grpSpPr>
-        <a:xfrm>
-          <a:off x="0" y="0"/>
-          <a:ext cx="0" cy="0"/>
-          <a:chOff x="0" y="0"/>
-          <a:chExt cx="0" cy="0"/>
-        </a:xfrm>
-      </p:grpSpPr>
-      <p:sp>
-        <p:nvSpPr>
-          <p:cNvPr id="80" name="Google Shape;80;geed6aedbf_0_0:notes"/>
-          <p:cNvSpPr>
-            <a:spLocks noGrp="1" noRot="1" noChangeAspect="1"/>
-          </p:cNvSpPr>
-          <p:nvPr>
-            <p:ph type="sldImg" idx="2"/>
-          </p:nvPr>
-        </p:nvSpPr>
-        <p:spPr>
-          <a:xfrm>
-            <a:off x="1143000" y="685800"/>
-            <a:ext cx="4572000" cy="3429000"/>
-          </a:xfrm>
-          <a:custGeom>
-            <a:avLst/>
-            <a:gdLst/>
-            <a:ahLst/>
-            <a:cxnLst/>
-            <a:rect l="l" t="t" r="r" b="b"/>
-            <a:pathLst>
-              <a:path w="120000" h="120000" extrusionOk="0">
-                <a:moveTo>
-                  <a:pt x="0" y="0"/>
-                </a:moveTo>
-                <a:lnTo>
-                  <a:pt x="120000" y="0"/>
-                </a:lnTo>
-                <a:lnTo>
-                  <a:pt x="120000" y="120000"/>
-                </a:lnTo>
-                <a:lnTo>
-                  <a:pt x="0" y="120000"/>
-                </a:lnTo>
-                <a:close/>
-              </a:path>
-            </a:pathLst>
-          </a:custGeom>
-        </p:spPr>
-      </p:sp>
-      <p:sp>
-        <p:nvSpPr>
-          <p:cNvPr id="81" name="Google Shape;81;geed6aedbf_0_0:notes"/>
-          <p:cNvSpPr txBox="1">
-            <a:spLocks noGrp="1"/>
-          </p:cNvSpPr>
-          <p:nvPr>
-            <p:ph type="body" idx="1"/>
-          </p:nvPr>
-        </p:nvSpPr>
-        <p:spPr>
-          <a:xfrm>
-            <a:off x="685800" y="4343400"/>
-            <a:ext cx="5486400" cy="4114800"/>
-          </a:xfrm>
-          <a:prstGeom prst="rect">
-            <a:avLst/>
-          </a:prstGeom>
-        </p:spPr>
-        <p:txBody>
-          <a:bodyPr spcFirstLastPara="1" wrap="square" lIns="91425" tIns="91425" rIns="91425" bIns="91425" anchor="t" anchorCtr="0">
-            <a:noAutofit/>
-          </a:bodyPr>
-          <a:lstStyle/>
-          <a:p>
-            <a:pPr marL="0" lvl="0" indent="0" algn="l" rtl="0">
-              <a:spcBef>
-                <a:spcPts val="0"/>
-              </a:spcBef>
-              <a:spcAft>
-                <a:spcPts val="0"/>
-              </a:spcAft>
-              <a:buNone/>
-            </a:pPr>
-            <a:endParaRPr dirty="0"/>
-          </a:p>
-        </p:txBody>
-      </p:sp>
-    </p:spTree>
-    <p:extLst>
-      <p:ext uri="{BB962C8B-B14F-4D97-AF65-F5344CB8AC3E}">
-        <p14:creationId xmlns:p14="http://schemas.microsoft.com/office/powerpoint/2010/main" val="3963377905"/>
-      </p:ext>
-    </p:extLst>
-  </p:cSld>
-  <p:clrMapOvr>
-    <a:masterClrMapping/>
-  </p:clrMapOvr>
-</p:notes>
-</file>
-
-<file path=ppt/notesSlides/notesSlide23.xml><?xml version="1.0" encoding="utf-8"?>
-<p:notes xmlns:a="http://schemas.openxmlformats.org/drawingml/2006/main" xmlns:r="http://schemas.openxmlformats.org/officeDocument/2006/relationships" xmlns:p="http://schemas.openxmlformats.org/presentationml/2006/main" showMasterSp="0" showMasterPhAnim="0">
-  <p:cSld>
-    <p:spTree>
-      <p:nvGrpSpPr>
-        <p:cNvPr id="1" name="Shape 79"/>
-        <p:cNvGrpSpPr/>
-        <p:nvPr/>
-      </p:nvGrpSpPr>
-      <p:grpSpPr>
-        <a:xfrm>
-          <a:off x="0" y="0"/>
-          <a:ext cx="0" cy="0"/>
-          <a:chOff x="0" y="0"/>
-          <a:chExt cx="0" cy="0"/>
-        </a:xfrm>
-      </p:grpSpPr>
-      <p:sp>
-        <p:nvSpPr>
-          <p:cNvPr id="80" name="Google Shape;80;geed6aedbf_0_0:notes"/>
-          <p:cNvSpPr>
-            <a:spLocks noGrp="1" noRot="1" noChangeAspect="1"/>
-          </p:cNvSpPr>
-          <p:nvPr>
-            <p:ph type="sldImg" idx="2"/>
-          </p:nvPr>
-        </p:nvSpPr>
-        <p:spPr>
-          <a:xfrm>
-            <a:off x="1143000" y="685800"/>
-            <a:ext cx="4572000" cy="3429000"/>
-          </a:xfrm>
-          <a:custGeom>
-            <a:avLst/>
-            <a:gdLst/>
-            <a:ahLst/>
-            <a:cxnLst/>
-            <a:rect l="l" t="t" r="r" b="b"/>
-            <a:pathLst>
-              <a:path w="120000" h="120000" extrusionOk="0">
-                <a:moveTo>
-                  <a:pt x="0" y="0"/>
-                </a:moveTo>
-                <a:lnTo>
-                  <a:pt x="120000" y="0"/>
-                </a:lnTo>
-                <a:lnTo>
-                  <a:pt x="120000" y="120000"/>
-                </a:lnTo>
-                <a:lnTo>
-                  <a:pt x="0" y="120000"/>
-                </a:lnTo>
-                <a:close/>
-              </a:path>
-            </a:pathLst>
-          </a:custGeom>
-        </p:spPr>
-      </p:sp>
-      <p:sp>
-        <p:nvSpPr>
-          <p:cNvPr id="81" name="Google Shape;81;geed6aedbf_0_0:notes"/>
-          <p:cNvSpPr txBox="1">
-            <a:spLocks noGrp="1"/>
-          </p:cNvSpPr>
-          <p:nvPr>
-            <p:ph type="body" idx="1"/>
-          </p:nvPr>
-        </p:nvSpPr>
-        <p:spPr>
-          <a:xfrm>
-            <a:off x="685800" y="4343400"/>
-            <a:ext cx="5486400" cy="4114800"/>
-          </a:xfrm>
-          <a:prstGeom prst="rect">
-            <a:avLst/>
-          </a:prstGeom>
-        </p:spPr>
-        <p:txBody>
-          <a:bodyPr spcFirstLastPara="1" wrap="square" lIns="91425" tIns="91425" rIns="91425" bIns="91425" anchor="t" anchorCtr="0">
-            <a:noAutofit/>
-          </a:bodyPr>
-          <a:lstStyle/>
-          <a:p>
-            <a:pPr marL="0" lvl="0" indent="0" algn="l" rtl="0">
-              <a:spcBef>
-                <a:spcPts val="0"/>
-              </a:spcBef>
-              <a:spcAft>
-                <a:spcPts val="0"/>
-              </a:spcAft>
-              <a:buNone/>
-            </a:pPr>
-            <a:endParaRPr dirty="0"/>
-          </a:p>
-        </p:txBody>
-      </p:sp>
-    </p:spTree>
-    <p:extLst>
-      <p:ext uri="{BB962C8B-B14F-4D97-AF65-F5344CB8AC3E}">
-        <p14:creationId xmlns:p14="http://schemas.microsoft.com/office/powerpoint/2010/main" val="1800213392"/>
-      </p:ext>
-    </p:extLst>
-  </p:cSld>
-  <p:clrMapOvr>
-    <a:masterClrMapping/>
-  </p:clrMapOvr>
-</p:notes>
-</file>
-
-<file path=ppt/notesSlides/notesSlide24.xml><?xml version="1.0" encoding="utf-8"?>
-<p:notes xmlns:a="http://schemas.openxmlformats.org/drawingml/2006/main" xmlns:r="http://schemas.openxmlformats.org/officeDocument/2006/relationships" xmlns:p="http://schemas.openxmlformats.org/presentationml/2006/main" showMasterSp="0" showMasterPhAnim="0">
-  <p:cSld>
-    <p:spTree>
-      <p:nvGrpSpPr>
-        <p:cNvPr id="1" name="Shape 79"/>
-        <p:cNvGrpSpPr/>
-        <p:nvPr/>
-      </p:nvGrpSpPr>
-      <p:grpSpPr>
-        <a:xfrm>
-          <a:off x="0" y="0"/>
-          <a:ext cx="0" cy="0"/>
-          <a:chOff x="0" y="0"/>
-          <a:chExt cx="0" cy="0"/>
-        </a:xfrm>
-      </p:grpSpPr>
-      <p:sp>
-        <p:nvSpPr>
-          <p:cNvPr id="80" name="Google Shape;80;geed6aedbf_0_0:notes"/>
-          <p:cNvSpPr>
-            <a:spLocks noGrp="1" noRot="1" noChangeAspect="1"/>
-          </p:cNvSpPr>
-          <p:nvPr>
-            <p:ph type="sldImg" idx="2"/>
-          </p:nvPr>
-        </p:nvSpPr>
-        <p:spPr>
-          <a:xfrm>
-            <a:off x="1143000" y="685800"/>
-            <a:ext cx="4572000" cy="3429000"/>
-          </a:xfrm>
-          <a:custGeom>
-            <a:avLst/>
-            <a:gdLst/>
-            <a:ahLst/>
-            <a:cxnLst/>
-            <a:rect l="l" t="t" r="r" b="b"/>
-            <a:pathLst>
-              <a:path w="120000" h="120000" extrusionOk="0">
-                <a:moveTo>
-                  <a:pt x="0" y="0"/>
-                </a:moveTo>
-                <a:lnTo>
-                  <a:pt x="120000" y="0"/>
-                </a:lnTo>
-                <a:lnTo>
-                  <a:pt x="120000" y="120000"/>
-                </a:lnTo>
-                <a:lnTo>
-                  <a:pt x="0" y="120000"/>
-                </a:lnTo>
-                <a:close/>
-              </a:path>
-            </a:pathLst>
-          </a:custGeom>
-        </p:spPr>
-      </p:sp>
-      <p:sp>
-        <p:nvSpPr>
-          <p:cNvPr id="81" name="Google Shape;81;geed6aedbf_0_0:notes"/>
-          <p:cNvSpPr txBox="1">
-            <a:spLocks noGrp="1"/>
-          </p:cNvSpPr>
-          <p:nvPr>
-            <p:ph type="body" idx="1"/>
-          </p:nvPr>
-        </p:nvSpPr>
-        <p:spPr>
-          <a:xfrm>
-            <a:off x="685800" y="4343400"/>
-            <a:ext cx="5486400" cy="4114800"/>
-          </a:xfrm>
-          <a:prstGeom prst="rect">
-            <a:avLst/>
-          </a:prstGeom>
-        </p:spPr>
-        <p:txBody>
-          <a:bodyPr spcFirstLastPara="1" wrap="square" lIns="91425" tIns="91425" rIns="91425" bIns="91425" anchor="t" anchorCtr="0">
-            <a:noAutofit/>
-          </a:bodyPr>
-          <a:lstStyle/>
-          <a:p>
-            <a:pPr marL="0" lvl="0" indent="0" algn="l" rtl="0">
-              <a:spcBef>
-                <a:spcPts val="0"/>
-              </a:spcBef>
-              <a:spcAft>
-                <a:spcPts val="0"/>
-              </a:spcAft>
-              <a:buNone/>
-            </a:pPr>
-            <a:endParaRPr dirty="0"/>
-          </a:p>
-        </p:txBody>
-      </p:sp>
-    </p:spTree>
-    <p:extLst>
-      <p:ext uri="{BB962C8B-B14F-4D97-AF65-F5344CB8AC3E}">
-        <p14:creationId xmlns:p14="http://schemas.microsoft.com/office/powerpoint/2010/main" val="1195183162"/>
-      </p:ext>
-    </p:extLst>
-  </p:cSld>
-  <p:clrMapOvr>
-    <a:masterClrMapping/>
-  </p:clrMapOvr>
-</p:notes>
-</file>
-
-<file path=ppt/notesSlides/notesSlide25.xml><?xml version="1.0" encoding="utf-8"?>
-<p:notes xmlns:a="http://schemas.openxmlformats.org/drawingml/2006/main" xmlns:r="http://schemas.openxmlformats.org/officeDocument/2006/relationships" xmlns:p="http://schemas.openxmlformats.org/presentationml/2006/main" showMasterSp="0" showMasterPhAnim="0">
-  <p:cSld>
-    <p:spTree>
-      <p:nvGrpSpPr>
-        <p:cNvPr id="1" name="Shape 79"/>
-        <p:cNvGrpSpPr/>
-        <p:nvPr/>
-      </p:nvGrpSpPr>
-      <p:grpSpPr>
-        <a:xfrm>
-          <a:off x="0" y="0"/>
-          <a:ext cx="0" cy="0"/>
-          <a:chOff x="0" y="0"/>
-          <a:chExt cx="0" cy="0"/>
-        </a:xfrm>
-      </p:grpSpPr>
-      <p:sp>
-        <p:nvSpPr>
-          <p:cNvPr id="80" name="Google Shape;80;geed6aedbf_0_0:notes"/>
-          <p:cNvSpPr>
-            <a:spLocks noGrp="1" noRot="1" noChangeAspect="1"/>
-          </p:cNvSpPr>
-          <p:nvPr>
-            <p:ph type="sldImg" idx="2"/>
-          </p:nvPr>
-        </p:nvSpPr>
-        <p:spPr>
-          <a:xfrm>
-            <a:off x="1143000" y="685800"/>
-            <a:ext cx="4572000" cy="3429000"/>
-          </a:xfrm>
-          <a:custGeom>
-            <a:avLst/>
-            <a:gdLst/>
-            <a:ahLst/>
-            <a:cxnLst/>
-            <a:rect l="l" t="t" r="r" b="b"/>
-            <a:pathLst>
-              <a:path w="120000" h="120000" extrusionOk="0">
-                <a:moveTo>
-                  <a:pt x="0" y="0"/>
-                </a:moveTo>
-                <a:lnTo>
-                  <a:pt x="120000" y="0"/>
-                </a:lnTo>
-                <a:lnTo>
-                  <a:pt x="120000" y="120000"/>
-                </a:lnTo>
-                <a:lnTo>
-                  <a:pt x="0" y="120000"/>
-                </a:lnTo>
-                <a:close/>
-              </a:path>
-            </a:pathLst>
-          </a:custGeom>
-        </p:spPr>
-      </p:sp>
-      <p:sp>
-        <p:nvSpPr>
-          <p:cNvPr id="81" name="Google Shape;81;geed6aedbf_0_0:notes"/>
-          <p:cNvSpPr txBox="1">
-            <a:spLocks noGrp="1"/>
-          </p:cNvSpPr>
-          <p:nvPr>
-            <p:ph type="body" idx="1"/>
-          </p:nvPr>
-        </p:nvSpPr>
-        <p:spPr>
-          <a:xfrm>
-            <a:off x="685800" y="4343400"/>
-            <a:ext cx="5486400" cy="4114800"/>
-          </a:xfrm>
-          <a:prstGeom prst="rect">
-            <a:avLst/>
-          </a:prstGeom>
-        </p:spPr>
-        <p:txBody>
-          <a:bodyPr spcFirstLastPara="1" wrap="square" lIns="91425" tIns="91425" rIns="91425" bIns="91425" anchor="t" anchorCtr="0">
-            <a:noAutofit/>
-          </a:bodyPr>
-          <a:lstStyle/>
-          <a:p>
-            <a:pPr marL="0" lvl="0" indent="0" algn="l" rtl="0">
-              <a:spcBef>
-                <a:spcPts val="0"/>
-              </a:spcBef>
-              <a:spcAft>
-                <a:spcPts val="0"/>
-              </a:spcAft>
-              <a:buNone/>
-            </a:pPr>
-            <a:endParaRPr dirty="0"/>
-          </a:p>
-        </p:txBody>
-      </p:sp>
-    </p:spTree>
-    <p:extLst>
-      <p:ext uri="{BB962C8B-B14F-4D97-AF65-F5344CB8AC3E}">
-        <p14:creationId xmlns:p14="http://schemas.microsoft.com/office/powerpoint/2010/main" val="2926267031"/>
-      </p:ext>
-    </p:extLst>
-  </p:cSld>
-  <p:clrMapOvr>
-    <a:masterClrMapping/>
-  </p:clrMapOvr>
-</p:notes>
-</file>
-
-<file path=ppt/notesSlides/notesSlide26.xml><?xml version="1.0" encoding="utf-8"?>
-<p:notes xmlns:a="http://schemas.openxmlformats.org/drawingml/2006/main" xmlns:r="http://schemas.openxmlformats.org/officeDocument/2006/relationships" xmlns:p="http://schemas.openxmlformats.org/presentationml/2006/main" showMasterSp="0" showMasterPhAnim="0">
-  <p:cSld>
-    <p:spTree>
-      <p:nvGrpSpPr>
-        <p:cNvPr id="1" name="Shape 79"/>
-        <p:cNvGrpSpPr/>
-        <p:nvPr/>
-      </p:nvGrpSpPr>
-      <p:grpSpPr>
-        <a:xfrm>
-          <a:off x="0" y="0"/>
-          <a:ext cx="0" cy="0"/>
-          <a:chOff x="0" y="0"/>
-          <a:chExt cx="0" cy="0"/>
-        </a:xfrm>
-      </p:grpSpPr>
-      <p:sp>
-        <p:nvSpPr>
-          <p:cNvPr id="80" name="Google Shape;80;geed6aedbf_0_0:notes"/>
-          <p:cNvSpPr>
-            <a:spLocks noGrp="1" noRot="1" noChangeAspect="1"/>
-          </p:cNvSpPr>
-          <p:nvPr>
-            <p:ph type="sldImg" idx="2"/>
-          </p:nvPr>
-        </p:nvSpPr>
-        <p:spPr>
-          <a:xfrm>
-            <a:off x="1143000" y="685800"/>
-            <a:ext cx="4572000" cy="3429000"/>
-          </a:xfrm>
-          <a:custGeom>
-            <a:avLst/>
-            <a:gdLst/>
-            <a:ahLst/>
-            <a:cxnLst/>
-            <a:rect l="l" t="t" r="r" b="b"/>
-            <a:pathLst>
-              <a:path w="120000" h="120000" extrusionOk="0">
-                <a:moveTo>
-                  <a:pt x="0" y="0"/>
-                </a:moveTo>
-                <a:lnTo>
-                  <a:pt x="120000" y="0"/>
-                </a:lnTo>
-                <a:lnTo>
-                  <a:pt x="120000" y="120000"/>
-                </a:lnTo>
-                <a:lnTo>
-                  <a:pt x="0" y="120000"/>
-                </a:lnTo>
-                <a:close/>
-              </a:path>
-            </a:pathLst>
-          </a:custGeom>
-        </p:spPr>
-      </p:sp>
-      <p:sp>
-        <p:nvSpPr>
-          <p:cNvPr id="81" name="Google Shape;81;geed6aedbf_0_0:notes"/>
-          <p:cNvSpPr txBox="1">
-            <a:spLocks noGrp="1"/>
-          </p:cNvSpPr>
-          <p:nvPr>
-            <p:ph type="body" idx="1"/>
-          </p:nvPr>
-        </p:nvSpPr>
-        <p:spPr>
-          <a:xfrm>
-            <a:off x="685800" y="4343400"/>
-            <a:ext cx="5486400" cy="4114800"/>
-          </a:xfrm>
-          <a:prstGeom prst="rect">
-            <a:avLst/>
-          </a:prstGeom>
-        </p:spPr>
-        <p:txBody>
-          <a:bodyPr spcFirstLastPara="1" wrap="square" lIns="91425" tIns="91425" rIns="91425" bIns="91425" anchor="t" anchorCtr="0">
-            <a:noAutofit/>
-          </a:bodyPr>
-          <a:lstStyle/>
-          <a:p>
-            <a:pPr marL="0" lvl="0" indent="0" algn="l" rtl="0">
-              <a:spcBef>
-                <a:spcPts val="0"/>
-              </a:spcBef>
-              <a:spcAft>
-                <a:spcPts val="0"/>
-              </a:spcAft>
-              <a:buNone/>
-            </a:pPr>
-            <a:endParaRPr dirty="0"/>
-          </a:p>
-        </p:txBody>
-      </p:sp>
-    </p:spTree>
-    <p:extLst>
-      <p:ext uri="{BB962C8B-B14F-4D97-AF65-F5344CB8AC3E}">
-        <p14:creationId xmlns:p14="http://schemas.microsoft.com/office/powerpoint/2010/main" val="2152926517"/>
-      </p:ext>
-    </p:extLst>
-  </p:cSld>
-  <p:clrMapOvr>
-    <a:masterClrMapping/>
-  </p:clrMapOvr>
-</p:notes>
-</file>
-
-<file path=ppt/notesSlides/notesSlide27.xml><?xml version="1.0" encoding="utf-8"?>
-<p:notes xmlns:a="http://schemas.openxmlformats.org/drawingml/2006/main" xmlns:r="http://schemas.openxmlformats.org/officeDocument/2006/relationships" xmlns:p="http://schemas.openxmlformats.org/presentationml/2006/main" showMasterSp="0" showMasterPhAnim="0">
-  <p:cSld>
-    <p:spTree>
-      <p:nvGrpSpPr>
-        <p:cNvPr id="1" name="Shape 79"/>
-        <p:cNvGrpSpPr/>
-        <p:nvPr/>
-      </p:nvGrpSpPr>
-      <p:grpSpPr>
-        <a:xfrm>
-          <a:off x="0" y="0"/>
-          <a:ext cx="0" cy="0"/>
-          <a:chOff x="0" y="0"/>
-          <a:chExt cx="0" cy="0"/>
-        </a:xfrm>
-      </p:grpSpPr>
-      <p:sp>
-        <p:nvSpPr>
-          <p:cNvPr id="80" name="Google Shape;80;geed6aedbf_0_0:notes"/>
-          <p:cNvSpPr>
-            <a:spLocks noGrp="1" noRot="1" noChangeAspect="1"/>
-          </p:cNvSpPr>
-          <p:nvPr>
-            <p:ph type="sldImg" idx="2"/>
-          </p:nvPr>
-        </p:nvSpPr>
-        <p:spPr>
-          <a:xfrm>
-            <a:off x="1143000" y="685800"/>
-            <a:ext cx="4572000" cy="3429000"/>
-          </a:xfrm>
-          <a:custGeom>
-            <a:avLst/>
-            <a:gdLst/>
-            <a:ahLst/>
-            <a:cxnLst/>
-            <a:rect l="l" t="t" r="r" b="b"/>
-            <a:pathLst>
-              <a:path w="120000" h="120000" extrusionOk="0">
-                <a:moveTo>
-                  <a:pt x="0" y="0"/>
-                </a:moveTo>
-                <a:lnTo>
-                  <a:pt x="120000" y="0"/>
-                </a:lnTo>
-                <a:lnTo>
-                  <a:pt x="120000" y="120000"/>
-                </a:lnTo>
-                <a:lnTo>
-                  <a:pt x="0" y="120000"/>
-                </a:lnTo>
-                <a:close/>
-              </a:path>
-            </a:pathLst>
-          </a:custGeom>
-        </p:spPr>
-      </p:sp>
-      <p:sp>
-        <p:nvSpPr>
-          <p:cNvPr id="81" name="Google Shape;81;geed6aedbf_0_0:notes"/>
-          <p:cNvSpPr txBox="1">
-            <a:spLocks noGrp="1"/>
-          </p:cNvSpPr>
-          <p:nvPr>
-            <p:ph type="body" idx="1"/>
-          </p:nvPr>
-        </p:nvSpPr>
-        <p:spPr>
-          <a:xfrm>
-            <a:off x="685800" y="4343400"/>
-            <a:ext cx="5486400" cy="4114800"/>
-          </a:xfrm>
-          <a:prstGeom prst="rect">
-            <a:avLst/>
-          </a:prstGeom>
-        </p:spPr>
-        <p:txBody>
-          <a:bodyPr spcFirstLastPara="1" wrap="square" lIns="91425" tIns="91425" rIns="91425" bIns="91425" anchor="t" anchorCtr="0">
-            <a:noAutofit/>
-          </a:bodyPr>
-          <a:lstStyle/>
-          <a:p>
-            <a:pPr marL="0" lvl="0" indent="0" algn="l" rtl="0">
-              <a:spcBef>
-                <a:spcPts val="0"/>
-              </a:spcBef>
-              <a:spcAft>
-                <a:spcPts val="0"/>
-              </a:spcAft>
-              <a:buNone/>
-            </a:pPr>
-            <a:endParaRPr dirty="0"/>
-          </a:p>
-        </p:txBody>
-      </p:sp>
-    </p:spTree>
-    <p:extLst>
-      <p:ext uri="{BB962C8B-B14F-4D97-AF65-F5344CB8AC3E}">
-        <p14:creationId xmlns:p14="http://schemas.microsoft.com/office/powerpoint/2010/main" val="1659493341"/>
-      </p:ext>
-    </p:extLst>
-  </p:cSld>
-  <p:clrMapOvr>
-    <a:masterClrMapping/>
-  </p:clrMapOvr>
-</p:notes>
-</file>
-
-<file path=ppt/notesSlides/notesSlide28.xml><?xml version="1.0" encoding="utf-8"?>
-<p:notes xmlns:a="http://schemas.openxmlformats.org/drawingml/2006/main" xmlns:r="http://schemas.openxmlformats.org/officeDocument/2006/relationships" xmlns:p="http://schemas.openxmlformats.org/presentationml/2006/main" showMasterSp="0" showMasterPhAnim="0">
-  <p:cSld>
-    <p:spTree>
-      <p:nvGrpSpPr>
-        <p:cNvPr id="1" name="Shape 79"/>
-        <p:cNvGrpSpPr/>
-        <p:nvPr/>
-      </p:nvGrpSpPr>
-      <p:grpSpPr>
-        <a:xfrm>
-          <a:off x="0" y="0"/>
-          <a:ext cx="0" cy="0"/>
-          <a:chOff x="0" y="0"/>
-          <a:chExt cx="0" cy="0"/>
-        </a:xfrm>
-      </p:grpSpPr>
-      <p:sp>
-        <p:nvSpPr>
-          <p:cNvPr id="80" name="Google Shape;80;geed6aedbf_0_0:notes"/>
-          <p:cNvSpPr>
-            <a:spLocks noGrp="1" noRot="1" noChangeAspect="1"/>
-          </p:cNvSpPr>
-          <p:nvPr>
-            <p:ph type="sldImg" idx="2"/>
-          </p:nvPr>
-        </p:nvSpPr>
-        <p:spPr>
-          <a:xfrm>
-            <a:off x="1143000" y="685800"/>
-            <a:ext cx="4572000" cy="3429000"/>
-          </a:xfrm>
-          <a:custGeom>
-            <a:avLst/>
-            <a:gdLst/>
-            <a:ahLst/>
-            <a:cxnLst/>
-            <a:rect l="l" t="t" r="r" b="b"/>
-            <a:pathLst>
-              <a:path w="120000" h="120000" extrusionOk="0">
-                <a:moveTo>
-                  <a:pt x="0" y="0"/>
-                </a:moveTo>
-                <a:lnTo>
-                  <a:pt x="120000" y="0"/>
-                </a:lnTo>
-                <a:lnTo>
-                  <a:pt x="120000" y="120000"/>
-                </a:lnTo>
-                <a:lnTo>
-                  <a:pt x="0" y="120000"/>
-                </a:lnTo>
-                <a:close/>
-              </a:path>
-            </a:pathLst>
-          </a:custGeom>
-        </p:spPr>
-      </p:sp>
-      <p:sp>
-        <p:nvSpPr>
-          <p:cNvPr id="81" name="Google Shape;81;geed6aedbf_0_0:notes"/>
-          <p:cNvSpPr txBox="1">
-            <a:spLocks noGrp="1"/>
-          </p:cNvSpPr>
-          <p:nvPr>
-            <p:ph type="body" idx="1"/>
-          </p:nvPr>
-        </p:nvSpPr>
-        <p:spPr>
-          <a:xfrm>
-            <a:off x="685800" y="4343400"/>
-            <a:ext cx="5486400" cy="4114800"/>
-          </a:xfrm>
-          <a:prstGeom prst="rect">
-            <a:avLst/>
-          </a:prstGeom>
-        </p:spPr>
-        <p:txBody>
-          <a:bodyPr spcFirstLastPara="1" wrap="square" lIns="91425" tIns="91425" rIns="91425" bIns="91425" anchor="t" anchorCtr="0">
-            <a:noAutofit/>
-          </a:bodyPr>
-          <a:lstStyle/>
-          <a:p>
-            <a:pPr marL="0" lvl="0" indent="0" algn="l" rtl="0">
-              <a:spcBef>
-                <a:spcPts val="0"/>
-              </a:spcBef>
-              <a:spcAft>
-                <a:spcPts val="0"/>
-              </a:spcAft>
-              <a:buNone/>
-            </a:pPr>
-            <a:endParaRPr dirty="0"/>
-          </a:p>
-        </p:txBody>
-      </p:sp>
-    </p:spTree>
-    <p:extLst>
-      <p:ext uri="{BB962C8B-B14F-4D97-AF65-F5344CB8AC3E}">
-        <p14:creationId xmlns:p14="http://schemas.microsoft.com/office/powerpoint/2010/main" val="1387215689"/>
-      </p:ext>
-    </p:extLst>
-  </p:cSld>
-  <p:clrMapOvr>
-    <a:masterClrMapping/>
-  </p:clrMapOvr>
-</p:notes>
-</file>
-
-<file path=ppt/notesSlides/notesSlide29.xml><?xml version="1.0" encoding="utf-8"?>
-<p:notes xmlns:a="http://schemas.openxmlformats.org/drawingml/2006/main" xmlns:r="http://schemas.openxmlformats.org/officeDocument/2006/relationships" xmlns:p="http://schemas.openxmlformats.org/presentationml/2006/main" showMasterSp="0" showMasterPhAnim="0">
-  <p:cSld>
-    <p:spTree>
-      <p:nvGrpSpPr>
-        <p:cNvPr id="1" name="Shape 79"/>
-        <p:cNvGrpSpPr/>
-        <p:nvPr/>
-      </p:nvGrpSpPr>
-      <p:grpSpPr>
-        <a:xfrm>
-          <a:off x="0" y="0"/>
-          <a:ext cx="0" cy="0"/>
-          <a:chOff x="0" y="0"/>
-          <a:chExt cx="0" cy="0"/>
-        </a:xfrm>
-      </p:grpSpPr>
-      <p:sp>
-        <p:nvSpPr>
-          <p:cNvPr id="80" name="Google Shape;80;geed6aedbf_0_0:notes"/>
-          <p:cNvSpPr>
-            <a:spLocks noGrp="1" noRot="1" noChangeAspect="1"/>
-          </p:cNvSpPr>
-          <p:nvPr>
-            <p:ph type="sldImg" idx="2"/>
-          </p:nvPr>
-        </p:nvSpPr>
-        <p:spPr>
-          <a:xfrm>
-            <a:off x="1143000" y="685800"/>
-            <a:ext cx="4572000" cy="3429000"/>
-          </a:xfrm>
-          <a:custGeom>
-            <a:avLst/>
-            <a:gdLst/>
-            <a:ahLst/>
-            <a:cxnLst/>
-            <a:rect l="l" t="t" r="r" b="b"/>
-            <a:pathLst>
-              <a:path w="120000" h="120000" extrusionOk="0">
-                <a:moveTo>
-                  <a:pt x="0" y="0"/>
-                </a:moveTo>
-                <a:lnTo>
-                  <a:pt x="120000" y="0"/>
-                </a:lnTo>
-                <a:lnTo>
-                  <a:pt x="120000" y="120000"/>
-                </a:lnTo>
-                <a:lnTo>
-                  <a:pt x="0" y="120000"/>
-                </a:lnTo>
-                <a:close/>
-              </a:path>
-            </a:pathLst>
-          </a:custGeom>
-        </p:spPr>
-      </p:sp>
-      <p:sp>
-        <p:nvSpPr>
-          <p:cNvPr id="81" name="Google Shape;81;geed6aedbf_0_0:notes"/>
-          <p:cNvSpPr txBox="1">
-            <a:spLocks noGrp="1"/>
-          </p:cNvSpPr>
-          <p:nvPr>
-            <p:ph type="body" idx="1"/>
-          </p:nvPr>
-        </p:nvSpPr>
-        <p:spPr>
-          <a:xfrm>
-            <a:off x="685800" y="4343400"/>
-            <a:ext cx="5486400" cy="4114800"/>
-          </a:xfrm>
-          <a:prstGeom prst="rect">
-            <a:avLst/>
-          </a:prstGeom>
-        </p:spPr>
-        <p:txBody>
-          <a:bodyPr spcFirstLastPara="1" wrap="square" lIns="91425" tIns="91425" rIns="91425" bIns="91425" anchor="t" anchorCtr="0">
-            <a:noAutofit/>
-          </a:bodyPr>
-          <a:lstStyle/>
-          <a:p>
-            <a:pPr marL="0" lvl="0" indent="0" algn="l" rtl="0">
-              <a:spcBef>
-                <a:spcPts val="0"/>
-              </a:spcBef>
-              <a:spcAft>
-                <a:spcPts val="0"/>
-              </a:spcAft>
-              <a:buNone/>
-            </a:pPr>
-            <a:endParaRPr dirty="0"/>
-          </a:p>
-        </p:txBody>
-      </p:sp>
-    </p:spTree>
-    <p:extLst>
-      <p:ext uri="{BB962C8B-B14F-4D97-AF65-F5344CB8AC3E}">
-        <p14:creationId xmlns:p14="http://schemas.microsoft.com/office/powerpoint/2010/main" val="1033119616"/>
-      </p:ext>
-    </p:extLst>
-  </p:cSld>
-  <p:clrMapOvr>
-    <a:masterClrMapping/>
-  </p:clrMapOvr>
-</p:notes>
-</file>
-
 <file path=ppt/notesSlides/notesSlide3.xml><?xml version="1.0" encoding="utf-8"?>
 <p:notes xmlns:a="http://schemas.openxmlformats.org/drawingml/2006/main" xmlns:r="http://schemas.openxmlformats.org/officeDocument/2006/relationships" xmlns:p="http://schemas.openxmlformats.org/presentationml/2006/main" showMasterSp="0" showMasterPhAnim="0">
   <p:cSld>
@@ -9143,442 +8149,6 @@
     <p:extLst>
       <p:ext uri="{BB962C8B-B14F-4D97-AF65-F5344CB8AC3E}">
         <p14:creationId xmlns:p14="http://schemas.microsoft.com/office/powerpoint/2010/main" val="3153866496"/>
-      </p:ext>
-    </p:extLst>
-  </p:cSld>
-  <p:clrMapOvr>
-    <a:masterClrMapping/>
-  </p:clrMapOvr>
-</p:notes>
-</file>
-
-<file path=ppt/notesSlides/notesSlide30.xml><?xml version="1.0" encoding="utf-8"?>
-<p:notes xmlns:a="http://schemas.openxmlformats.org/drawingml/2006/main" xmlns:r="http://schemas.openxmlformats.org/officeDocument/2006/relationships" xmlns:p="http://schemas.openxmlformats.org/presentationml/2006/main" showMasterSp="0" showMasterPhAnim="0">
-  <p:cSld>
-    <p:spTree>
-      <p:nvGrpSpPr>
-        <p:cNvPr id="1" name="Shape 79"/>
-        <p:cNvGrpSpPr/>
-        <p:nvPr/>
-      </p:nvGrpSpPr>
-      <p:grpSpPr>
-        <a:xfrm>
-          <a:off x="0" y="0"/>
-          <a:ext cx="0" cy="0"/>
-          <a:chOff x="0" y="0"/>
-          <a:chExt cx="0" cy="0"/>
-        </a:xfrm>
-      </p:grpSpPr>
-      <p:sp>
-        <p:nvSpPr>
-          <p:cNvPr id="80" name="Google Shape;80;geed6aedbf_0_0:notes"/>
-          <p:cNvSpPr>
-            <a:spLocks noGrp="1" noRot="1" noChangeAspect="1"/>
-          </p:cNvSpPr>
-          <p:nvPr>
-            <p:ph type="sldImg" idx="2"/>
-          </p:nvPr>
-        </p:nvSpPr>
-        <p:spPr>
-          <a:xfrm>
-            <a:off x="1143000" y="685800"/>
-            <a:ext cx="4572000" cy="3429000"/>
-          </a:xfrm>
-          <a:custGeom>
-            <a:avLst/>
-            <a:gdLst/>
-            <a:ahLst/>
-            <a:cxnLst/>
-            <a:rect l="l" t="t" r="r" b="b"/>
-            <a:pathLst>
-              <a:path w="120000" h="120000" extrusionOk="0">
-                <a:moveTo>
-                  <a:pt x="0" y="0"/>
-                </a:moveTo>
-                <a:lnTo>
-                  <a:pt x="120000" y="0"/>
-                </a:lnTo>
-                <a:lnTo>
-                  <a:pt x="120000" y="120000"/>
-                </a:lnTo>
-                <a:lnTo>
-                  <a:pt x="0" y="120000"/>
-                </a:lnTo>
-                <a:close/>
-              </a:path>
-            </a:pathLst>
-          </a:custGeom>
-        </p:spPr>
-      </p:sp>
-      <p:sp>
-        <p:nvSpPr>
-          <p:cNvPr id="81" name="Google Shape;81;geed6aedbf_0_0:notes"/>
-          <p:cNvSpPr txBox="1">
-            <a:spLocks noGrp="1"/>
-          </p:cNvSpPr>
-          <p:nvPr>
-            <p:ph type="body" idx="1"/>
-          </p:nvPr>
-        </p:nvSpPr>
-        <p:spPr>
-          <a:xfrm>
-            <a:off x="685800" y="4343400"/>
-            <a:ext cx="5486400" cy="4114800"/>
-          </a:xfrm>
-          <a:prstGeom prst="rect">
-            <a:avLst/>
-          </a:prstGeom>
-        </p:spPr>
-        <p:txBody>
-          <a:bodyPr spcFirstLastPara="1" wrap="square" lIns="91425" tIns="91425" rIns="91425" bIns="91425" anchor="t" anchorCtr="0">
-            <a:noAutofit/>
-          </a:bodyPr>
-          <a:lstStyle/>
-          <a:p>
-            <a:pPr marL="0" lvl="0" indent="0" algn="l" rtl="0">
-              <a:spcBef>
-                <a:spcPts val="0"/>
-              </a:spcBef>
-              <a:spcAft>
-                <a:spcPts val="0"/>
-              </a:spcAft>
-              <a:buNone/>
-            </a:pPr>
-            <a:endParaRPr dirty="0"/>
-          </a:p>
-        </p:txBody>
-      </p:sp>
-    </p:spTree>
-    <p:extLst>
-      <p:ext uri="{BB962C8B-B14F-4D97-AF65-F5344CB8AC3E}">
-        <p14:creationId xmlns:p14="http://schemas.microsoft.com/office/powerpoint/2010/main" val="2441870024"/>
-      </p:ext>
-    </p:extLst>
-  </p:cSld>
-  <p:clrMapOvr>
-    <a:masterClrMapping/>
-  </p:clrMapOvr>
-</p:notes>
-</file>
-
-<file path=ppt/notesSlides/notesSlide31.xml><?xml version="1.0" encoding="utf-8"?>
-<p:notes xmlns:a="http://schemas.openxmlformats.org/drawingml/2006/main" xmlns:r="http://schemas.openxmlformats.org/officeDocument/2006/relationships" xmlns:p="http://schemas.openxmlformats.org/presentationml/2006/main" showMasterSp="0" showMasterPhAnim="0">
-  <p:cSld>
-    <p:spTree>
-      <p:nvGrpSpPr>
-        <p:cNvPr id="1" name="Shape 79"/>
-        <p:cNvGrpSpPr/>
-        <p:nvPr/>
-      </p:nvGrpSpPr>
-      <p:grpSpPr>
-        <a:xfrm>
-          <a:off x="0" y="0"/>
-          <a:ext cx="0" cy="0"/>
-          <a:chOff x="0" y="0"/>
-          <a:chExt cx="0" cy="0"/>
-        </a:xfrm>
-      </p:grpSpPr>
-      <p:sp>
-        <p:nvSpPr>
-          <p:cNvPr id="80" name="Google Shape;80;geed6aedbf_0_0:notes"/>
-          <p:cNvSpPr>
-            <a:spLocks noGrp="1" noRot="1" noChangeAspect="1"/>
-          </p:cNvSpPr>
-          <p:nvPr>
-            <p:ph type="sldImg" idx="2"/>
-          </p:nvPr>
-        </p:nvSpPr>
-        <p:spPr>
-          <a:xfrm>
-            <a:off x="1143000" y="685800"/>
-            <a:ext cx="4572000" cy="3429000"/>
-          </a:xfrm>
-          <a:custGeom>
-            <a:avLst/>
-            <a:gdLst/>
-            <a:ahLst/>
-            <a:cxnLst/>
-            <a:rect l="l" t="t" r="r" b="b"/>
-            <a:pathLst>
-              <a:path w="120000" h="120000" extrusionOk="0">
-                <a:moveTo>
-                  <a:pt x="0" y="0"/>
-                </a:moveTo>
-                <a:lnTo>
-                  <a:pt x="120000" y="0"/>
-                </a:lnTo>
-                <a:lnTo>
-                  <a:pt x="120000" y="120000"/>
-                </a:lnTo>
-                <a:lnTo>
-                  <a:pt x="0" y="120000"/>
-                </a:lnTo>
-                <a:close/>
-              </a:path>
-            </a:pathLst>
-          </a:custGeom>
-        </p:spPr>
-      </p:sp>
-      <p:sp>
-        <p:nvSpPr>
-          <p:cNvPr id="81" name="Google Shape;81;geed6aedbf_0_0:notes"/>
-          <p:cNvSpPr txBox="1">
-            <a:spLocks noGrp="1"/>
-          </p:cNvSpPr>
-          <p:nvPr>
-            <p:ph type="body" idx="1"/>
-          </p:nvPr>
-        </p:nvSpPr>
-        <p:spPr>
-          <a:xfrm>
-            <a:off x="685800" y="4343400"/>
-            <a:ext cx="5486400" cy="4114800"/>
-          </a:xfrm>
-          <a:prstGeom prst="rect">
-            <a:avLst/>
-          </a:prstGeom>
-        </p:spPr>
-        <p:txBody>
-          <a:bodyPr spcFirstLastPara="1" wrap="square" lIns="91425" tIns="91425" rIns="91425" bIns="91425" anchor="t" anchorCtr="0">
-            <a:noAutofit/>
-          </a:bodyPr>
-          <a:lstStyle/>
-          <a:p>
-            <a:pPr marL="0" lvl="0" indent="0" algn="l" rtl="0">
-              <a:spcBef>
-                <a:spcPts val="0"/>
-              </a:spcBef>
-              <a:spcAft>
-                <a:spcPts val="0"/>
-              </a:spcAft>
-              <a:buNone/>
-            </a:pPr>
-            <a:endParaRPr dirty="0"/>
-          </a:p>
-        </p:txBody>
-      </p:sp>
-    </p:spTree>
-    <p:extLst>
-      <p:ext uri="{BB962C8B-B14F-4D97-AF65-F5344CB8AC3E}">
-        <p14:creationId xmlns:p14="http://schemas.microsoft.com/office/powerpoint/2010/main" val="3204214019"/>
-      </p:ext>
-    </p:extLst>
-  </p:cSld>
-  <p:clrMapOvr>
-    <a:masterClrMapping/>
-  </p:clrMapOvr>
-</p:notes>
-</file>
-
-<file path=ppt/notesSlides/notesSlide32.xml><?xml version="1.0" encoding="utf-8"?>
-<p:notes xmlns:a="http://schemas.openxmlformats.org/drawingml/2006/main" xmlns:r="http://schemas.openxmlformats.org/officeDocument/2006/relationships" xmlns:p="http://schemas.openxmlformats.org/presentationml/2006/main" showMasterSp="0" showMasterPhAnim="0">
-  <p:cSld>
-    <p:spTree>
-      <p:nvGrpSpPr>
-        <p:cNvPr id="1" name="Shape 79"/>
-        <p:cNvGrpSpPr/>
-        <p:nvPr/>
-      </p:nvGrpSpPr>
-      <p:grpSpPr>
-        <a:xfrm>
-          <a:off x="0" y="0"/>
-          <a:ext cx="0" cy="0"/>
-          <a:chOff x="0" y="0"/>
-          <a:chExt cx="0" cy="0"/>
-        </a:xfrm>
-      </p:grpSpPr>
-      <p:sp>
-        <p:nvSpPr>
-          <p:cNvPr id="80" name="Google Shape;80;geed6aedbf_0_0:notes"/>
-          <p:cNvSpPr>
-            <a:spLocks noGrp="1" noRot="1" noChangeAspect="1"/>
-          </p:cNvSpPr>
-          <p:nvPr>
-            <p:ph type="sldImg" idx="2"/>
-          </p:nvPr>
-        </p:nvSpPr>
-        <p:spPr>
-          <a:xfrm>
-            <a:off x="1143000" y="685800"/>
-            <a:ext cx="4572000" cy="3429000"/>
-          </a:xfrm>
-          <a:custGeom>
-            <a:avLst/>
-            <a:gdLst/>
-            <a:ahLst/>
-            <a:cxnLst/>
-            <a:rect l="l" t="t" r="r" b="b"/>
-            <a:pathLst>
-              <a:path w="120000" h="120000" extrusionOk="0">
-                <a:moveTo>
-                  <a:pt x="0" y="0"/>
-                </a:moveTo>
-                <a:lnTo>
-                  <a:pt x="120000" y="0"/>
-                </a:lnTo>
-                <a:lnTo>
-                  <a:pt x="120000" y="120000"/>
-                </a:lnTo>
-                <a:lnTo>
-                  <a:pt x="0" y="120000"/>
-                </a:lnTo>
-                <a:close/>
-              </a:path>
-            </a:pathLst>
-          </a:custGeom>
-        </p:spPr>
-      </p:sp>
-      <p:sp>
-        <p:nvSpPr>
-          <p:cNvPr id="81" name="Google Shape;81;geed6aedbf_0_0:notes"/>
-          <p:cNvSpPr txBox="1">
-            <a:spLocks noGrp="1"/>
-          </p:cNvSpPr>
-          <p:nvPr>
-            <p:ph type="body" idx="1"/>
-          </p:nvPr>
-        </p:nvSpPr>
-        <p:spPr>
-          <a:xfrm>
-            <a:off x="685800" y="4343400"/>
-            <a:ext cx="5486400" cy="4114800"/>
-          </a:xfrm>
-          <a:prstGeom prst="rect">
-            <a:avLst/>
-          </a:prstGeom>
-        </p:spPr>
-        <p:txBody>
-          <a:bodyPr spcFirstLastPara="1" wrap="square" lIns="91425" tIns="91425" rIns="91425" bIns="91425" anchor="t" anchorCtr="0">
-            <a:noAutofit/>
-          </a:bodyPr>
-          <a:lstStyle/>
-          <a:p>
-            <a:pPr marL="0" lvl="0" indent="0" algn="l" rtl="0">
-              <a:spcBef>
-                <a:spcPts val="0"/>
-              </a:spcBef>
-              <a:spcAft>
-                <a:spcPts val="0"/>
-              </a:spcAft>
-              <a:buNone/>
-            </a:pPr>
-            <a:endParaRPr dirty="0"/>
-          </a:p>
-        </p:txBody>
-      </p:sp>
-    </p:spTree>
-    <p:extLst>
-      <p:ext uri="{BB962C8B-B14F-4D97-AF65-F5344CB8AC3E}">
-        <p14:creationId xmlns:p14="http://schemas.microsoft.com/office/powerpoint/2010/main" val="3117788669"/>
-      </p:ext>
-    </p:extLst>
-  </p:cSld>
-  <p:clrMapOvr>
-    <a:masterClrMapping/>
-  </p:clrMapOvr>
-</p:notes>
-</file>
-
-<file path=ppt/notesSlides/notesSlide33.xml><?xml version="1.0" encoding="utf-8"?>
-<p:notes xmlns:a="http://schemas.openxmlformats.org/drawingml/2006/main" xmlns:r="http://schemas.openxmlformats.org/officeDocument/2006/relationships" xmlns:p="http://schemas.openxmlformats.org/presentationml/2006/main" showMasterSp="0" showMasterPhAnim="0">
-  <p:cSld>
-    <p:spTree>
-      <p:nvGrpSpPr>
-        <p:cNvPr id="1" name="Shape 79"/>
-        <p:cNvGrpSpPr/>
-        <p:nvPr/>
-      </p:nvGrpSpPr>
-      <p:grpSpPr>
-        <a:xfrm>
-          <a:off x="0" y="0"/>
-          <a:ext cx="0" cy="0"/>
-          <a:chOff x="0" y="0"/>
-          <a:chExt cx="0" cy="0"/>
-        </a:xfrm>
-      </p:grpSpPr>
-      <p:sp>
-        <p:nvSpPr>
-          <p:cNvPr id="80" name="Google Shape;80;geed6aedbf_0_0:notes"/>
-          <p:cNvSpPr>
-            <a:spLocks noGrp="1" noRot="1" noChangeAspect="1"/>
-          </p:cNvSpPr>
-          <p:nvPr>
-            <p:ph type="sldImg" idx="2"/>
-          </p:nvPr>
-        </p:nvSpPr>
-        <p:spPr>
-          <a:xfrm>
-            <a:off x="1143000" y="685800"/>
-            <a:ext cx="4572000" cy="3429000"/>
-          </a:xfrm>
-          <a:custGeom>
-            <a:avLst/>
-            <a:gdLst/>
-            <a:ahLst/>
-            <a:cxnLst/>
-            <a:rect l="l" t="t" r="r" b="b"/>
-            <a:pathLst>
-              <a:path w="120000" h="120000" extrusionOk="0">
-                <a:moveTo>
-                  <a:pt x="0" y="0"/>
-                </a:moveTo>
-                <a:lnTo>
-                  <a:pt x="120000" y="0"/>
-                </a:lnTo>
-                <a:lnTo>
-                  <a:pt x="120000" y="120000"/>
-                </a:lnTo>
-                <a:lnTo>
-                  <a:pt x="0" y="120000"/>
-                </a:lnTo>
-                <a:close/>
-              </a:path>
-            </a:pathLst>
-          </a:custGeom>
-        </p:spPr>
-      </p:sp>
-      <p:sp>
-        <p:nvSpPr>
-          <p:cNvPr id="81" name="Google Shape;81;geed6aedbf_0_0:notes"/>
-          <p:cNvSpPr txBox="1">
-            <a:spLocks noGrp="1"/>
-          </p:cNvSpPr>
-          <p:nvPr>
-            <p:ph type="body" idx="1"/>
-          </p:nvPr>
-        </p:nvSpPr>
-        <p:spPr>
-          <a:xfrm>
-            <a:off x="685800" y="4343400"/>
-            <a:ext cx="5486400" cy="4114800"/>
-          </a:xfrm>
-          <a:prstGeom prst="rect">
-            <a:avLst/>
-          </a:prstGeom>
-        </p:spPr>
-        <p:txBody>
-          <a:bodyPr spcFirstLastPara="1" wrap="square" lIns="91425" tIns="91425" rIns="91425" bIns="91425" anchor="t" anchorCtr="0">
-            <a:noAutofit/>
-          </a:bodyPr>
-          <a:lstStyle/>
-          <a:p>
-            <a:pPr marL="0" lvl="0" indent="0" algn="l" rtl="0">
-              <a:spcBef>
-                <a:spcPts val="0"/>
-              </a:spcBef>
-              <a:spcAft>
-                <a:spcPts val="0"/>
-              </a:spcAft>
-              <a:buNone/>
-            </a:pPr>
-            <a:endParaRPr/>
-          </a:p>
-        </p:txBody>
-      </p:sp>
-    </p:spTree>
-    <p:extLst>
-      <p:ext uri="{BB962C8B-B14F-4D97-AF65-F5344CB8AC3E}">
-        <p14:creationId xmlns:p14="http://schemas.microsoft.com/office/powerpoint/2010/main" val="4227644867"/>
       </p:ext>
     </p:extLst>
   </p:cSld>
@@ -17500,8 +16070,8 @@
         </p:nvSpPr>
         <p:spPr>
           <a:xfrm>
-            <a:off x="311700" y="1234697"/>
-            <a:ext cx="8520600" cy="5202070"/>
+            <a:off x="311700" y="1778982"/>
+            <a:ext cx="8520600" cy="3467932"/>
           </a:xfrm>
           <a:prstGeom prst="rect">
             <a:avLst/>
@@ -17573,45 +16143,6 @@
               <a:rPr lang="en-GB" sz="1800" dirty="0"/>
               <a:t>Challenges</a:t>
             </a:r>
-          </a:p>
-          <a:p>
-            <a:pPr lvl="0"/>
-            <a:r>
-              <a:rPr lang="en-GB" sz="1800" dirty="0"/>
-              <a:t>Target Network </a:t>
-            </a:r>
-          </a:p>
-          <a:p>
-            <a:pPr lvl="0"/>
-            <a:r>
-              <a:rPr lang="en-GB" sz="1800" dirty="0"/>
-              <a:t>Experience Replay</a:t>
-            </a:r>
-          </a:p>
-          <a:p>
-            <a:pPr lvl="0"/>
-            <a:r>
-              <a:rPr lang="en-GB" sz="1800" dirty="0"/>
-              <a:t>Better exploration strategies</a:t>
-            </a:r>
-          </a:p>
-          <a:p>
-            <a:pPr lvl="0"/>
-            <a:r>
-              <a:rPr lang="en-GB" sz="1800" dirty="0"/>
-              <a:t>Deep Q-network (DQN)</a:t>
-            </a:r>
-          </a:p>
-          <a:p>
-            <a:pPr lvl="0"/>
-            <a:r>
-              <a:rPr lang="en-GB" sz="1800" dirty="0"/>
-              <a:t>Comparison</a:t>
-            </a:r>
-          </a:p>
-          <a:p>
-            <a:pPr lvl="0"/>
-            <a:endParaRPr lang="en-GB" sz="1800" dirty="0"/>
           </a:p>
           <a:p>
             <a:pPr lvl="0"/>
@@ -17816,1718 +16347,6 @@
 </p:sld>
 </file>
 
-<file path=ppt/slides/slide21.xml><?xml version="1.0" encoding="utf-8"?>
-<p:sld xmlns:a="http://schemas.openxmlformats.org/drawingml/2006/main" xmlns:r="http://schemas.openxmlformats.org/officeDocument/2006/relationships" xmlns:p="http://schemas.openxmlformats.org/presentationml/2006/main">
-  <p:cSld>
-    <p:spTree>
-      <p:nvGrpSpPr>
-        <p:cNvPr id="1" name="Shape 82"/>
-        <p:cNvGrpSpPr/>
-        <p:nvPr/>
-      </p:nvGrpSpPr>
-      <p:grpSpPr>
-        <a:xfrm>
-          <a:off x="0" y="0"/>
-          <a:ext cx="0" cy="0"/>
-          <a:chOff x="0" y="0"/>
-          <a:chExt cx="0" cy="0"/>
-        </a:xfrm>
-      </p:grpSpPr>
-      <p:sp>
-        <p:nvSpPr>
-          <p:cNvPr id="83" name="Google Shape;83;p14"/>
-          <p:cNvSpPr txBox="1">
-            <a:spLocks noGrp="1"/>
-          </p:cNvSpPr>
-          <p:nvPr>
-            <p:ph type="title" idx="4294967295"/>
-          </p:nvPr>
-        </p:nvSpPr>
-        <p:spPr>
-          <a:xfrm>
-            <a:off x="311700" y="421233"/>
-            <a:ext cx="8520600" cy="622500"/>
-          </a:xfrm>
-          <a:prstGeom prst="rect">
-            <a:avLst/>
-          </a:prstGeom>
-        </p:spPr>
-        <p:txBody>
-          <a:bodyPr spcFirstLastPara="1" wrap="square" lIns="91425" tIns="91425" rIns="91425" bIns="91425" anchor="b" anchorCtr="0">
-            <a:noAutofit/>
-          </a:bodyPr>
-          <a:lstStyle/>
-          <a:p>
-            <a:pPr lvl="0"/>
-            <a:r>
-              <a:rPr lang="en-GB" sz="4000" dirty="0"/>
-              <a:t>Target Network (1)</a:t>
-            </a:r>
-            <a:endParaRPr sz="4000" dirty="0"/>
-          </a:p>
-        </p:txBody>
-      </p:sp>
-      <p:sp>
-        <p:nvSpPr>
-          <p:cNvPr id="84" name="Google Shape;84;p14"/>
-          <p:cNvSpPr txBox="1">
-            <a:spLocks noGrp="1"/>
-          </p:cNvSpPr>
-          <p:nvPr>
-            <p:ph type="body" idx="1"/>
-          </p:nvPr>
-        </p:nvSpPr>
-        <p:spPr>
-          <a:xfrm>
-            <a:off x="162750" y="1212537"/>
-            <a:ext cx="8818500" cy="5224230"/>
-          </a:xfrm>
-          <a:prstGeom prst="rect">
-            <a:avLst/>
-          </a:prstGeom>
-        </p:spPr>
-        <p:txBody>
-          <a:bodyPr spcFirstLastPara="1" wrap="square" lIns="91425" tIns="91425" rIns="91425" bIns="91425" anchor="t" anchorCtr="0">
-            <a:noAutofit/>
-          </a:bodyPr>
-          <a:lstStyle/>
-          <a:p>
-            <a:endParaRPr lang="en-GB" sz="1050" dirty="0"/>
-          </a:p>
-          <a:p>
-            <a:r>
-              <a:rPr lang="en-GB" dirty="0"/>
-              <a:t>A way to make target values more stationary is to have a separate </a:t>
-            </a:r>
-            <a:r>
-              <a:rPr lang="en-GB" b="1" dirty="0"/>
-              <a:t>target network</a:t>
-            </a:r>
-            <a:r>
-              <a:rPr lang="en-GB" dirty="0"/>
-              <a:t> </a:t>
-            </a:r>
-          </a:p>
-          <a:p>
-            <a:r>
-              <a:rPr lang="en-GB" dirty="0"/>
-              <a:t>We can fix it for multiple steps and reserve it for calculating more stationary targets</a:t>
-            </a:r>
-          </a:p>
-        </p:txBody>
-      </p:sp>
-      <p:pic>
-        <p:nvPicPr>
-          <p:cNvPr id="3" name="Immagine 2">
-            <a:extLst>
-              <a:ext uri="{FF2B5EF4-FFF2-40B4-BE49-F238E27FC236}">
-                <a16:creationId xmlns:a16="http://schemas.microsoft.com/office/drawing/2014/main" id="{E42632F4-13BB-1A14-0971-4857317CF830}"/>
-              </a:ext>
-            </a:extLst>
-          </p:cNvPr>
-          <p:cNvPicPr>
-            <a:picLocks noChangeAspect="1"/>
-          </p:cNvPicPr>
-          <p:nvPr/>
-        </p:nvPicPr>
-        <p:blipFill>
-          <a:blip r:embed="rId3"/>
-          <a:stretch>
-            <a:fillRect/>
-          </a:stretch>
-        </p:blipFill>
-        <p:spPr>
-          <a:xfrm>
-            <a:off x="117695" y="2986122"/>
-            <a:ext cx="4454306" cy="2921382"/>
-          </a:xfrm>
-          <a:prstGeom prst="rect">
-            <a:avLst/>
-          </a:prstGeom>
-        </p:spPr>
-      </p:pic>
-      <p:pic>
-        <p:nvPicPr>
-          <p:cNvPr id="5" name="Immagine 4" descr="Immagine che contiene tavolo&#10;&#10;Descrizione generata automaticamente">
-            <a:extLst>
-              <a:ext uri="{FF2B5EF4-FFF2-40B4-BE49-F238E27FC236}">
-                <a16:creationId xmlns:a16="http://schemas.microsoft.com/office/drawing/2014/main" id="{E1C50335-B222-0491-921D-32AB905C25D9}"/>
-              </a:ext>
-            </a:extLst>
-          </p:cNvPr>
-          <p:cNvPicPr>
-            <a:picLocks noChangeAspect="1"/>
-          </p:cNvPicPr>
-          <p:nvPr/>
-        </p:nvPicPr>
-        <p:blipFill>
-          <a:blip r:embed="rId4"/>
-          <a:stretch>
-            <a:fillRect/>
-          </a:stretch>
-        </p:blipFill>
-        <p:spPr>
-          <a:xfrm>
-            <a:off x="4572000" y="2893739"/>
-            <a:ext cx="4409249" cy="3025797"/>
-          </a:xfrm>
-          <a:prstGeom prst="rect">
-            <a:avLst/>
-          </a:prstGeom>
-        </p:spPr>
-      </p:pic>
-    </p:spTree>
-    <p:extLst>
-      <p:ext uri="{BB962C8B-B14F-4D97-AF65-F5344CB8AC3E}">
-        <p14:creationId xmlns:p14="http://schemas.microsoft.com/office/powerpoint/2010/main" val="3650906499"/>
-      </p:ext>
-    </p:extLst>
-  </p:cSld>
-  <p:clrMapOvr>
-    <a:masterClrMapping/>
-  </p:clrMapOvr>
-</p:sld>
-</file>
-
-<file path=ppt/slides/slide22.xml><?xml version="1.0" encoding="utf-8"?>
-<p:sld xmlns:a="http://schemas.openxmlformats.org/drawingml/2006/main" xmlns:r="http://schemas.openxmlformats.org/officeDocument/2006/relationships" xmlns:p="http://schemas.openxmlformats.org/presentationml/2006/main">
-  <p:cSld>
-    <p:spTree>
-      <p:nvGrpSpPr>
-        <p:cNvPr id="1" name="Shape 82"/>
-        <p:cNvGrpSpPr/>
-        <p:nvPr/>
-      </p:nvGrpSpPr>
-      <p:grpSpPr>
-        <a:xfrm>
-          <a:off x="0" y="0"/>
-          <a:ext cx="0" cy="0"/>
-          <a:chOff x="0" y="0"/>
-          <a:chExt cx="0" cy="0"/>
-        </a:xfrm>
-      </p:grpSpPr>
-      <p:sp>
-        <p:nvSpPr>
-          <p:cNvPr id="83" name="Google Shape;83;p14"/>
-          <p:cNvSpPr txBox="1">
-            <a:spLocks noGrp="1"/>
-          </p:cNvSpPr>
-          <p:nvPr>
-            <p:ph type="title" idx="4294967295"/>
-          </p:nvPr>
-        </p:nvSpPr>
-        <p:spPr>
-          <a:xfrm>
-            <a:off x="311700" y="421233"/>
-            <a:ext cx="8520600" cy="622500"/>
-          </a:xfrm>
-          <a:prstGeom prst="rect">
-            <a:avLst/>
-          </a:prstGeom>
-        </p:spPr>
-        <p:txBody>
-          <a:bodyPr spcFirstLastPara="1" wrap="square" lIns="91425" tIns="91425" rIns="91425" bIns="91425" anchor="b" anchorCtr="0">
-            <a:noAutofit/>
-          </a:bodyPr>
-          <a:lstStyle/>
-          <a:p>
-            <a:pPr lvl="0"/>
-            <a:r>
-              <a:rPr lang="en-GB" sz="4000" dirty="0"/>
-              <a:t>Target Network (2)</a:t>
-            </a:r>
-            <a:endParaRPr sz="4000" dirty="0"/>
-          </a:p>
-        </p:txBody>
-      </p:sp>
-      <p:sp>
-        <p:nvSpPr>
-          <p:cNvPr id="84" name="Google Shape;84;p14"/>
-          <p:cNvSpPr txBox="1">
-            <a:spLocks noGrp="1"/>
-          </p:cNvSpPr>
-          <p:nvPr>
-            <p:ph type="body" idx="1"/>
-          </p:nvPr>
-        </p:nvSpPr>
-        <p:spPr>
-          <a:xfrm>
-            <a:off x="162750" y="1212537"/>
-            <a:ext cx="8818500" cy="5224230"/>
-          </a:xfrm>
-          <a:prstGeom prst="rect">
-            <a:avLst/>
-          </a:prstGeom>
-        </p:spPr>
-        <p:txBody>
-          <a:bodyPr spcFirstLastPara="1" wrap="square" lIns="91425" tIns="91425" rIns="91425" bIns="91425" anchor="t" anchorCtr="0">
-            <a:noAutofit/>
-          </a:bodyPr>
-          <a:lstStyle/>
-          <a:p>
-            <a:pPr lvl="0"/>
-            <a:r>
-              <a:rPr lang="en-GB" dirty="0"/>
-              <a:t>We create several small supervised learning problems presented sequentially to the agent</a:t>
-            </a:r>
-          </a:p>
-          <a:p>
-            <a:pPr lvl="1"/>
-            <a:r>
-              <a:rPr lang="en-GB" dirty="0"/>
-              <a:t>targets are fixed for as many steps as we fix our target network</a:t>
-            </a:r>
-          </a:p>
-          <a:p>
-            <a:pPr lvl="1"/>
-            <a:r>
-              <a:rPr lang="en-GB" dirty="0"/>
-              <a:t>substantially reduces the chance of </a:t>
-            </a:r>
-            <a:r>
-              <a:rPr lang="en-GB" dirty="0" err="1"/>
-              <a:t>divergenge</a:t>
-            </a:r>
-            <a:endParaRPr lang="en-GB" dirty="0"/>
-          </a:p>
-          <a:p>
-            <a:r>
-              <a:rPr lang="en-GB" dirty="0"/>
-              <a:t>The only difference with NFQ is the age of the neural network weights</a:t>
-            </a:r>
-          </a:p>
-          <a:p>
-            <a:endParaRPr lang="en-GB" dirty="0"/>
-          </a:p>
-          <a:p>
-            <a:endParaRPr lang="en-GB" sz="1050" dirty="0"/>
-          </a:p>
-          <a:p>
-            <a:endParaRPr lang="en-GB" dirty="0"/>
-          </a:p>
-          <a:p>
-            <a:endParaRPr lang="en-GB" dirty="0"/>
-          </a:p>
-          <a:p>
-            <a:pPr marL="120650" indent="0">
-              <a:buNone/>
-            </a:pPr>
-            <a:endParaRPr lang="en-GB" dirty="0"/>
-          </a:p>
-          <a:p>
-            <a:pPr lvl="1"/>
-            <a:r>
-              <a:rPr lang="en-GB" dirty="0"/>
-              <a:t>notice that we don’t have two different networks</a:t>
-            </a:r>
-          </a:p>
-          <a:p>
-            <a:pPr lvl="1"/>
-            <a:r>
-              <a:rPr lang="en-GB" dirty="0"/>
-              <a:t>target network is a previous instance of the network that we freeze</a:t>
-            </a:r>
-          </a:p>
-          <a:p>
-            <a:pPr lvl="1"/>
-            <a:endParaRPr lang="en-GB" sz="600" dirty="0"/>
-          </a:p>
-          <a:p>
-            <a:r>
-              <a:rPr lang="en-GB" dirty="0"/>
-              <a:t>It’s essential to </a:t>
-            </a:r>
-            <a:r>
-              <a:rPr lang="en-GB" b="1" dirty="0"/>
-              <a:t>balance stability and speed </a:t>
-            </a:r>
-            <a:r>
-              <a:rPr lang="en-GB" dirty="0"/>
-              <a:t>by tuning this hyperparameter</a:t>
-            </a:r>
-          </a:p>
-          <a:p>
-            <a:pPr lvl="1"/>
-            <a:r>
-              <a:rPr lang="en-GB" dirty="0"/>
-              <a:t>the gradient update has time to catch up to the target: which is stable</a:t>
-            </a:r>
-          </a:p>
-          <a:p>
-            <a:pPr lvl="1"/>
-            <a:r>
-              <a:rPr lang="en-GB" dirty="0"/>
-              <a:t>we slow down learning because you’re no longer training on up-to-date values</a:t>
-            </a:r>
-          </a:p>
-        </p:txBody>
-      </p:sp>
-      <p:pic>
-        <p:nvPicPr>
-          <p:cNvPr id="3" name="Immagine 2" descr="Immagine che contiene testo&#10;&#10;Descrizione generata automaticamente">
-            <a:extLst>
-              <a:ext uri="{FF2B5EF4-FFF2-40B4-BE49-F238E27FC236}">
-                <a16:creationId xmlns:a16="http://schemas.microsoft.com/office/drawing/2014/main" id="{8F3E9BAD-DD95-A9D6-E3F9-4CFD3A678B44}"/>
-              </a:ext>
-            </a:extLst>
-          </p:cNvPr>
-          <p:cNvPicPr>
-            <a:picLocks noChangeAspect="1"/>
-          </p:cNvPicPr>
-          <p:nvPr/>
-        </p:nvPicPr>
-        <p:blipFill>
-          <a:blip r:embed="rId3"/>
-          <a:stretch>
-            <a:fillRect/>
-          </a:stretch>
-        </p:blipFill>
-        <p:spPr>
-          <a:xfrm>
-            <a:off x="724568" y="2958712"/>
-            <a:ext cx="5796548" cy="1361971"/>
-          </a:xfrm>
-          <a:prstGeom prst="rect">
-            <a:avLst/>
-          </a:prstGeom>
-        </p:spPr>
-      </p:pic>
-    </p:spTree>
-    <p:extLst>
-      <p:ext uri="{BB962C8B-B14F-4D97-AF65-F5344CB8AC3E}">
-        <p14:creationId xmlns:p14="http://schemas.microsoft.com/office/powerpoint/2010/main" val="626844690"/>
-      </p:ext>
-    </p:extLst>
-  </p:cSld>
-  <p:clrMapOvr>
-    <a:masterClrMapping/>
-  </p:clrMapOvr>
-</p:sld>
-</file>
-
-<file path=ppt/slides/slide23.xml><?xml version="1.0" encoding="utf-8"?>
-<p:sld xmlns:a="http://schemas.openxmlformats.org/drawingml/2006/main" xmlns:r="http://schemas.openxmlformats.org/officeDocument/2006/relationships" xmlns:p="http://schemas.openxmlformats.org/presentationml/2006/main">
-  <p:cSld>
-    <p:spTree>
-      <p:nvGrpSpPr>
-        <p:cNvPr id="1" name="Shape 82"/>
-        <p:cNvGrpSpPr/>
-        <p:nvPr/>
-      </p:nvGrpSpPr>
-      <p:grpSpPr>
-        <a:xfrm>
-          <a:off x="0" y="0"/>
-          <a:ext cx="0" cy="0"/>
-          <a:chOff x="0" y="0"/>
-          <a:chExt cx="0" cy="0"/>
-        </a:xfrm>
-      </p:grpSpPr>
-      <p:sp>
-        <p:nvSpPr>
-          <p:cNvPr id="83" name="Google Shape;83;p14"/>
-          <p:cNvSpPr txBox="1">
-            <a:spLocks noGrp="1"/>
-          </p:cNvSpPr>
-          <p:nvPr>
-            <p:ph type="title" idx="4294967295"/>
-          </p:nvPr>
-        </p:nvSpPr>
-        <p:spPr>
-          <a:xfrm>
-            <a:off x="311700" y="421233"/>
-            <a:ext cx="8520600" cy="622500"/>
-          </a:xfrm>
-          <a:prstGeom prst="rect">
-            <a:avLst/>
-          </a:prstGeom>
-        </p:spPr>
-        <p:txBody>
-          <a:bodyPr spcFirstLastPara="1" wrap="square" lIns="91425" tIns="91425" rIns="91425" bIns="91425" anchor="b" anchorCtr="0">
-            <a:noAutofit/>
-          </a:bodyPr>
-          <a:lstStyle/>
-          <a:p>
-            <a:pPr lvl="0"/>
-            <a:r>
-              <a:rPr lang="en-GB" sz="4000" dirty="0"/>
-              <a:t>Experience Replay (1)</a:t>
-            </a:r>
-            <a:endParaRPr sz="4000" dirty="0"/>
-          </a:p>
-        </p:txBody>
-      </p:sp>
-      <p:sp>
-        <p:nvSpPr>
-          <p:cNvPr id="84" name="Google Shape;84;p14"/>
-          <p:cNvSpPr txBox="1">
-            <a:spLocks noGrp="1"/>
-          </p:cNvSpPr>
-          <p:nvPr>
-            <p:ph type="body" idx="1"/>
-          </p:nvPr>
-        </p:nvSpPr>
-        <p:spPr>
-          <a:xfrm>
-            <a:off x="162750" y="971542"/>
-            <a:ext cx="8818500" cy="5224230"/>
-          </a:xfrm>
-          <a:prstGeom prst="rect">
-            <a:avLst/>
-          </a:prstGeom>
-        </p:spPr>
-        <p:txBody>
-          <a:bodyPr spcFirstLastPara="1" wrap="square" lIns="91425" tIns="91425" rIns="91425" bIns="91425" anchor="t" anchorCtr="0">
-            <a:noAutofit/>
-          </a:bodyPr>
-          <a:lstStyle/>
-          <a:p>
-            <a:pPr lvl="0"/>
-            <a:r>
-              <a:rPr lang="en-GB" dirty="0"/>
-              <a:t>A data structure D to hold experience samples e</a:t>
-            </a:r>
-            <a:r>
-              <a:rPr lang="en-GB" baseline="-25000" dirty="0"/>
-              <a:t>𝑡</a:t>
-            </a:r>
-            <a:r>
-              <a:rPr lang="en-GB" dirty="0"/>
-              <a:t>=(𝑆</a:t>
-            </a:r>
-            <a:r>
-              <a:rPr lang="en-GB" baseline="-25000" dirty="0"/>
-              <a:t>𝑡</a:t>
-            </a:r>
-            <a:r>
-              <a:rPr lang="en-GB" dirty="0"/>
-              <a:t>,𝐴</a:t>
-            </a:r>
-            <a:r>
-              <a:rPr lang="en-GB" baseline="-25000" dirty="0"/>
-              <a:t>𝑡</a:t>
-            </a:r>
-            <a:r>
-              <a:rPr lang="en-GB" dirty="0"/>
-              <a:t>,𝑅</a:t>
-            </a:r>
-            <a:r>
-              <a:rPr lang="en-GB" baseline="-25000" dirty="0"/>
-              <a:t>𝑡+1</a:t>
-            </a:r>
-            <a:r>
-              <a:rPr lang="en-GB" dirty="0"/>
-              <a:t>,𝑆</a:t>
-            </a:r>
-            <a:r>
-              <a:rPr lang="en-GB" baseline="-25000" dirty="0"/>
-              <a:t>𝑡+1</a:t>
-            </a:r>
-            <a:r>
-              <a:rPr lang="en-GB" dirty="0"/>
-              <a:t>)  for several steps </a:t>
-            </a:r>
-          </a:p>
-          <a:p>
-            <a:pPr lvl="1"/>
-            <a:r>
-              <a:rPr lang="en-GB" dirty="0"/>
-              <a:t>D=e</a:t>
-            </a:r>
-            <a:r>
-              <a:rPr lang="en-GB" baseline="-25000" dirty="0"/>
-              <a:t>1</a:t>
-            </a:r>
-            <a:r>
-              <a:rPr lang="en-GB" dirty="0"/>
-              <a:t>,e</a:t>
-            </a:r>
-            <a:r>
-              <a:rPr lang="en-GB" baseline="-25000" dirty="0"/>
-              <a:t>2</a:t>
-            </a:r>
-            <a:r>
-              <a:rPr lang="en-GB" dirty="0"/>
-              <a:t>,...,e</a:t>
-            </a:r>
-            <a:r>
-              <a:rPr lang="en-GB" baseline="-25000" dirty="0"/>
-              <a:t>𝑀</a:t>
-            </a:r>
-            <a:r>
-              <a:rPr lang="en-GB" dirty="0"/>
-              <a:t> , 𝑀: size of the replay memory </a:t>
-            </a:r>
-          </a:p>
-          <a:p>
-            <a:r>
-              <a:rPr lang="en-GB" dirty="0"/>
-              <a:t>If 𝑁&lt;&lt;𝑀, sampling of mini-batches comes from a broad set of past experiences</a:t>
-            </a:r>
-          </a:p>
-          <a:p>
-            <a:pPr lvl="1"/>
-            <a:r>
-              <a:rPr lang="en-GB" dirty="0"/>
-              <a:t>training can use more diverse mini-batch for performing updates</a:t>
-            </a:r>
-          </a:p>
-          <a:p>
-            <a:pPr lvl="1"/>
-            <a:r>
-              <a:rPr lang="en-GB" dirty="0"/>
-              <a:t>gives the impression data are IID (sampling from multiple trajectories)</a:t>
-            </a:r>
-          </a:p>
-          <a:p>
-            <a:pPr lvl="1"/>
-            <a:r>
-              <a:rPr lang="en-GB" dirty="0"/>
-              <a:t>agent no longer has to fit the model to the same mini-batch for multiple iterations</a:t>
-            </a:r>
-          </a:p>
-          <a:p>
-            <a:pPr marL="120650" lvl="0" indent="0">
-              <a:buNone/>
-            </a:pPr>
-            <a:endParaRPr lang="en-GB" dirty="0"/>
-          </a:p>
-        </p:txBody>
-      </p:sp>
-      <p:grpSp>
-        <p:nvGrpSpPr>
-          <p:cNvPr id="9" name="Gruppo 8">
-            <a:extLst>
-              <a:ext uri="{FF2B5EF4-FFF2-40B4-BE49-F238E27FC236}">
-                <a16:creationId xmlns:a16="http://schemas.microsoft.com/office/drawing/2014/main" id="{932A8A73-3F05-C198-76CD-013DB40BA0FE}"/>
-              </a:ext>
-            </a:extLst>
-          </p:cNvPr>
-          <p:cNvGrpSpPr/>
-          <p:nvPr/>
-        </p:nvGrpSpPr>
-        <p:grpSpPr>
-          <a:xfrm>
-            <a:off x="1389646" y="3306803"/>
-            <a:ext cx="6364707" cy="2888969"/>
-            <a:chOff x="393700" y="1391094"/>
-            <a:chExt cx="7772400" cy="3803507"/>
-          </a:xfrm>
-        </p:grpSpPr>
-        <p:pic>
-          <p:nvPicPr>
-            <p:cNvPr id="3" name="Immagine 2">
-              <a:extLst>
-                <a:ext uri="{FF2B5EF4-FFF2-40B4-BE49-F238E27FC236}">
-                  <a16:creationId xmlns:a16="http://schemas.microsoft.com/office/drawing/2014/main" id="{CF2E5AD7-3DCC-9E76-CF55-FB45CBB66D5D}"/>
-                </a:ext>
-              </a:extLst>
-            </p:cNvPr>
-            <p:cNvPicPr>
-              <a:picLocks noChangeAspect="1"/>
-            </p:cNvPicPr>
-            <p:nvPr/>
-          </p:nvPicPr>
-          <p:blipFill>
-            <a:blip r:embed="rId3"/>
-            <a:stretch>
-              <a:fillRect/>
-            </a:stretch>
-          </p:blipFill>
-          <p:spPr>
-            <a:xfrm>
-              <a:off x="393700" y="1568450"/>
-              <a:ext cx="7772400" cy="3460962"/>
-            </a:xfrm>
-            <a:prstGeom prst="rect">
-              <a:avLst/>
-            </a:prstGeom>
-          </p:spPr>
-        </p:pic>
-        <p:pic>
-          <p:nvPicPr>
-            <p:cNvPr id="7" name="Immagine 6">
-              <a:extLst>
-                <a:ext uri="{FF2B5EF4-FFF2-40B4-BE49-F238E27FC236}">
-                  <a16:creationId xmlns:a16="http://schemas.microsoft.com/office/drawing/2014/main" id="{C6EF5E85-A56C-E0B4-62BF-E7CC9D227C76}"/>
-                </a:ext>
-              </a:extLst>
-            </p:cNvPr>
-            <p:cNvPicPr>
-              <a:picLocks noChangeAspect="1"/>
-            </p:cNvPicPr>
-            <p:nvPr/>
-          </p:nvPicPr>
-          <p:blipFill>
-            <a:blip r:embed="rId4"/>
-            <a:stretch>
-              <a:fillRect/>
-            </a:stretch>
-          </p:blipFill>
-          <p:spPr>
-            <a:xfrm>
-              <a:off x="405732" y="5017380"/>
-              <a:ext cx="4406899" cy="177221"/>
-            </a:xfrm>
-            <a:prstGeom prst="rect">
-              <a:avLst/>
-            </a:prstGeom>
-          </p:spPr>
-        </p:pic>
-        <p:pic>
-          <p:nvPicPr>
-            <p:cNvPr id="8" name="Immagine 7">
-              <a:extLst>
-                <a:ext uri="{FF2B5EF4-FFF2-40B4-BE49-F238E27FC236}">
-                  <a16:creationId xmlns:a16="http://schemas.microsoft.com/office/drawing/2014/main" id="{C9C27711-19AF-C121-929B-973A55DC5A46}"/>
-                </a:ext>
-              </a:extLst>
-            </p:cNvPr>
-            <p:cNvPicPr>
-              <a:picLocks noChangeAspect="1"/>
-            </p:cNvPicPr>
-            <p:nvPr/>
-          </p:nvPicPr>
-          <p:blipFill>
-            <a:blip r:embed="rId4"/>
-            <a:stretch>
-              <a:fillRect/>
-            </a:stretch>
-          </p:blipFill>
-          <p:spPr>
-            <a:xfrm rot="10800000">
-              <a:off x="417764" y="1391094"/>
-              <a:ext cx="4406899" cy="177221"/>
-            </a:xfrm>
-            <a:prstGeom prst="rect">
-              <a:avLst/>
-            </a:prstGeom>
-          </p:spPr>
-        </p:pic>
-      </p:grpSp>
-    </p:spTree>
-    <p:extLst>
-      <p:ext uri="{BB962C8B-B14F-4D97-AF65-F5344CB8AC3E}">
-        <p14:creationId xmlns:p14="http://schemas.microsoft.com/office/powerpoint/2010/main" val="3393540272"/>
-      </p:ext>
-    </p:extLst>
-  </p:cSld>
-  <p:clrMapOvr>
-    <a:masterClrMapping/>
-  </p:clrMapOvr>
-</p:sld>
-</file>
-
-<file path=ppt/slides/slide24.xml><?xml version="1.0" encoding="utf-8"?>
-<p:sld xmlns:a="http://schemas.openxmlformats.org/drawingml/2006/main" xmlns:r="http://schemas.openxmlformats.org/officeDocument/2006/relationships" xmlns:p="http://schemas.openxmlformats.org/presentationml/2006/main">
-  <p:cSld>
-    <p:spTree>
-      <p:nvGrpSpPr>
-        <p:cNvPr id="1" name="Shape 82"/>
-        <p:cNvGrpSpPr/>
-        <p:nvPr/>
-      </p:nvGrpSpPr>
-      <p:grpSpPr>
-        <a:xfrm>
-          <a:off x="0" y="0"/>
-          <a:ext cx="0" cy="0"/>
-          <a:chOff x="0" y="0"/>
-          <a:chExt cx="0" cy="0"/>
-        </a:xfrm>
-      </p:grpSpPr>
-      <p:sp>
-        <p:nvSpPr>
-          <p:cNvPr id="83" name="Google Shape;83;p14"/>
-          <p:cNvSpPr txBox="1">
-            <a:spLocks noGrp="1"/>
-          </p:cNvSpPr>
-          <p:nvPr>
-            <p:ph type="title" idx="4294967295"/>
-          </p:nvPr>
-        </p:nvSpPr>
-        <p:spPr>
-          <a:xfrm>
-            <a:off x="311700" y="421233"/>
-            <a:ext cx="8520600" cy="622500"/>
-          </a:xfrm>
-          <a:prstGeom prst="rect">
-            <a:avLst/>
-          </a:prstGeom>
-        </p:spPr>
-        <p:txBody>
-          <a:bodyPr spcFirstLastPara="1" wrap="square" lIns="91425" tIns="91425" rIns="91425" bIns="91425" anchor="b" anchorCtr="0">
-            <a:noAutofit/>
-          </a:bodyPr>
-          <a:lstStyle/>
-          <a:p>
-            <a:pPr lvl="0"/>
-            <a:r>
-              <a:rPr lang="en-GB" sz="4000" dirty="0"/>
-              <a:t>Experience Replay (2)</a:t>
-            </a:r>
-            <a:endParaRPr sz="4000" dirty="0"/>
-          </a:p>
-        </p:txBody>
-      </p:sp>
-      <p:sp>
-        <p:nvSpPr>
-          <p:cNvPr id="84" name="Google Shape;84;p14"/>
-          <p:cNvSpPr txBox="1">
-            <a:spLocks noGrp="1"/>
-          </p:cNvSpPr>
-          <p:nvPr>
-            <p:ph type="body" idx="1"/>
-          </p:nvPr>
-        </p:nvSpPr>
-        <p:spPr>
-          <a:xfrm>
-            <a:off x="162750" y="1212537"/>
-            <a:ext cx="8818500" cy="5224230"/>
-          </a:xfrm>
-          <a:prstGeom prst="rect">
-            <a:avLst/>
-          </a:prstGeom>
-        </p:spPr>
-        <p:txBody>
-          <a:bodyPr spcFirstLastPara="1" wrap="square" lIns="91425" tIns="91425" rIns="91425" bIns="91425" anchor="t" anchorCtr="0">
-            <a:noAutofit/>
-          </a:bodyPr>
-          <a:lstStyle/>
-          <a:p>
-            <a:pPr lvl="0"/>
-            <a:r>
-              <a:rPr lang="en-GB" dirty="0"/>
-              <a:t>A sufficiently large replay memory yields a slow-moving target</a:t>
-            </a:r>
-          </a:p>
-          <a:p>
-            <a:pPr lvl="1"/>
-            <a:r>
-              <a:rPr lang="en-GB" dirty="0"/>
-              <a:t>lower risk of divergence</a:t>
-            </a:r>
-          </a:p>
-          <a:p>
-            <a:pPr lvl="0"/>
-            <a:endParaRPr lang="en-GB" dirty="0"/>
-          </a:p>
-          <a:p>
-            <a:pPr lvl="0"/>
-            <a:r>
-              <a:rPr lang="en-GB" dirty="0"/>
-              <a:t>Unfortunately, implementation Is a challenge with high-dimensional observations</a:t>
-            </a:r>
-          </a:p>
-          <a:p>
-            <a:pPr lvl="1"/>
-            <a:r>
-              <a:rPr lang="en-GB" dirty="0"/>
-              <a:t>replay buffers hit a hardware memory limit quickly </a:t>
-            </a:r>
-          </a:p>
-          <a:p>
-            <a:pPr lvl="1"/>
-            <a:r>
-              <a:rPr lang="en-GB" dirty="0"/>
-              <a:t>e.g. image-based environments (each state representation is a stack of the latest image frames)</a:t>
-            </a:r>
-          </a:p>
-          <a:p>
-            <a:pPr lvl="1"/>
-            <a:endParaRPr lang="en-GB" dirty="0"/>
-          </a:p>
-          <a:p>
-            <a:pPr lvl="0"/>
-            <a:r>
-              <a:rPr lang="en-GB" dirty="0"/>
-              <a:t>The difference with previous equation is that we’re now obtaining experiences by sampling D, instead of using the online experiences</a:t>
-            </a:r>
-          </a:p>
-        </p:txBody>
-      </p:sp>
-      <p:pic>
-        <p:nvPicPr>
-          <p:cNvPr id="3" name="Immagine 2" descr="Immagine che contiene testo&#10;&#10;Descrizione generata automaticamente">
-            <a:extLst>
-              <a:ext uri="{FF2B5EF4-FFF2-40B4-BE49-F238E27FC236}">
-                <a16:creationId xmlns:a16="http://schemas.microsoft.com/office/drawing/2014/main" id="{99BB3AAA-C0E7-BCDD-6770-7A2D88965D76}"/>
-              </a:ext>
-            </a:extLst>
-          </p:cNvPr>
-          <p:cNvPicPr>
-            <a:picLocks noChangeAspect="1"/>
-          </p:cNvPicPr>
-          <p:nvPr/>
-        </p:nvPicPr>
-        <p:blipFill>
-          <a:blip r:embed="rId3"/>
-          <a:stretch>
-            <a:fillRect/>
-          </a:stretch>
-        </p:blipFill>
-        <p:spPr>
-          <a:xfrm>
-            <a:off x="697832" y="4704348"/>
-            <a:ext cx="6509085" cy="1401261"/>
-          </a:xfrm>
-          <a:prstGeom prst="rect">
-            <a:avLst/>
-          </a:prstGeom>
-        </p:spPr>
-      </p:pic>
-    </p:spTree>
-    <p:extLst>
-      <p:ext uri="{BB962C8B-B14F-4D97-AF65-F5344CB8AC3E}">
-        <p14:creationId xmlns:p14="http://schemas.microsoft.com/office/powerpoint/2010/main" val="4247091244"/>
-      </p:ext>
-    </p:extLst>
-  </p:cSld>
-  <p:clrMapOvr>
-    <a:masterClrMapping/>
-  </p:clrMapOvr>
-</p:sld>
-</file>
-
-<file path=ppt/slides/slide25.xml><?xml version="1.0" encoding="utf-8"?>
-<p:sld xmlns:a="http://schemas.openxmlformats.org/drawingml/2006/main" xmlns:r="http://schemas.openxmlformats.org/officeDocument/2006/relationships" xmlns:p="http://schemas.openxmlformats.org/presentationml/2006/main">
-  <p:cSld>
-    <p:spTree>
-      <p:nvGrpSpPr>
-        <p:cNvPr id="1" name="Shape 82"/>
-        <p:cNvGrpSpPr/>
-        <p:nvPr/>
-      </p:nvGrpSpPr>
-      <p:grpSpPr>
-        <a:xfrm>
-          <a:off x="0" y="0"/>
-          <a:ext cx="0" cy="0"/>
-          <a:chOff x="0" y="0"/>
-          <a:chExt cx="0" cy="0"/>
-        </a:xfrm>
-      </p:grpSpPr>
-      <p:sp>
-        <p:nvSpPr>
-          <p:cNvPr id="83" name="Google Shape;83;p14"/>
-          <p:cNvSpPr txBox="1">
-            <a:spLocks noGrp="1"/>
-          </p:cNvSpPr>
-          <p:nvPr>
-            <p:ph type="title" idx="4294967295"/>
-          </p:nvPr>
-        </p:nvSpPr>
-        <p:spPr>
-          <a:xfrm>
-            <a:off x="311700" y="421233"/>
-            <a:ext cx="8520600" cy="622500"/>
-          </a:xfrm>
-          <a:prstGeom prst="rect">
-            <a:avLst/>
-          </a:prstGeom>
-        </p:spPr>
-        <p:txBody>
-          <a:bodyPr spcFirstLastPara="1" wrap="square" lIns="91425" tIns="91425" rIns="91425" bIns="91425" anchor="b" anchorCtr="0">
-            <a:noAutofit/>
-          </a:bodyPr>
-          <a:lstStyle/>
-          <a:p>
-            <a:pPr lvl="0"/>
-            <a:r>
-              <a:rPr lang="en-GB" sz="4000" dirty="0"/>
-              <a:t>Better exploration strategies</a:t>
-            </a:r>
-            <a:endParaRPr sz="4000" dirty="0"/>
-          </a:p>
-        </p:txBody>
-      </p:sp>
-      <p:sp>
-        <p:nvSpPr>
-          <p:cNvPr id="84" name="Google Shape;84;p14"/>
-          <p:cNvSpPr txBox="1">
-            <a:spLocks noGrp="1"/>
-          </p:cNvSpPr>
-          <p:nvPr>
-            <p:ph type="body" idx="1"/>
-          </p:nvPr>
-        </p:nvSpPr>
-        <p:spPr>
-          <a:xfrm>
-            <a:off x="162750" y="1212537"/>
-            <a:ext cx="8818500" cy="5224230"/>
-          </a:xfrm>
-          <a:prstGeom prst="rect">
-            <a:avLst/>
-          </a:prstGeom>
-        </p:spPr>
-        <p:txBody>
-          <a:bodyPr spcFirstLastPara="1" wrap="square" lIns="91425" tIns="91425" rIns="91425" bIns="91425" anchor="t" anchorCtr="0">
-            <a:noAutofit/>
-          </a:bodyPr>
-          <a:lstStyle/>
-          <a:p>
-            <a:pPr lvl="0"/>
-            <a:r>
-              <a:rPr lang="en-GB" dirty="0"/>
-              <a:t>Exploration is a vital component of RL </a:t>
-            </a:r>
-          </a:p>
-          <a:p>
-            <a:pPr lvl="1"/>
-            <a:r>
-              <a:rPr lang="en-GB" dirty="0"/>
-              <a:t>in NFQ, we use an epsilon-greedy exploration strategy </a:t>
-            </a:r>
-          </a:p>
-          <a:p>
-            <a:pPr lvl="2"/>
-            <a:r>
-              <a:rPr lang="en-GB" dirty="0"/>
-              <a:t>acting randomly with epsilon probability</a:t>
-            </a:r>
-          </a:p>
-          <a:p>
-            <a:r>
-              <a:rPr lang="en-GB" dirty="0"/>
-              <a:t>However, this is not the only possible strategies to balance exploration and exploitation</a:t>
-            </a:r>
-          </a:p>
-          <a:p>
-            <a:pPr lvl="1"/>
-            <a:r>
-              <a:rPr lang="en-GB" dirty="0"/>
-              <a:t>exponentially decaying epsilon-greedy exploration strategy</a:t>
-            </a:r>
-          </a:p>
-        </p:txBody>
-      </p:sp>
-      <p:pic>
-        <p:nvPicPr>
-          <p:cNvPr id="3" name="Immagine 2" descr="Immagine che contiene testo&#10;&#10;Descrizione generata automaticamente">
-            <a:extLst>
-              <a:ext uri="{FF2B5EF4-FFF2-40B4-BE49-F238E27FC236}">
-                <a16:creationId xmlns:a16="http://schemas.microsoft.com/office/drawing/2014/main" id="{E9C4211B-6614-C188-6400-E6645F6FC00C}"/>
-              </a:ext>
-            </a:extLst>
-          </p:cNvPr>
-          <p:cNvPicPr>
-            <a:picLocks noChangeAspect="1"/>
-          </p:cNvPicPr>
-          <p:nvPr/>
-        </p:nvPicPr>
-        <p:blipFill>
-          <a:blip r:embed="rId3"/>
-          <a:stretch>
-            <a:fillRect/>
-          </a:stretch>
-        </p:blipFill>
-        <p:spPr>
-          <a:xfrm>
-            <a:off x="870856" y="3429000"/>
-            <a:ext cx="6812523" cy="3176571"/>
-          </a:xfrm>
-          <a:prstGeom prst="rect">
-            <a:avLst/>
-          </a:prstGeom>
-        </p:spPr>
-      </p:pic>
-    </p:spTree>
-    <p:extLst>
-      <p:ext uri="{BB962C8B-B14F-4D97-AF65-F5344CB8AC3E}">
-        <p14:creationId xmlns:p14="http://schemas.microsoft.com/office/powerpoint/2010/main" val="3305673298"/>
-      </p:ext>
-    </p:extLst>
-  </p:cSld>
-  <p:clrMapOvr>
-    <a:masterClrMapping/>
-  </p:clrMapOvr>
-</p:sld>
-</file>
-
-<file path=ppt/slides/slide26.xml><?xml version="1.0" encoding="utf-8"?>
-<p:sld xmlns:a="http://schemas.openxmlformats.org/drawingml/2006/main" xmlns:r="http://schemas.openxmlformats.org/officeDocument/2006/relationships" xmlns:p="http://schemas.openxmlformats.org/presentationml/2006/main">
-  <p:cSld>
-    <p:spTree>
-      <p:nvGrpSpPr>
-        <p:cNvPr id="1" name="Shape 82"/>
-        <p:cNvGrpSpPr/>
-        <p:nvPr/>
-      </p:nvGrpSpPr>
-      <p:grpSpPr>
-        <a:xfrm>
-          <a:off x="0" y="0"/>
-          <a:ext cx="0" cy="0"/>
-          <a:chOff x="0" y="0"/>
-          <a:chExt cx="0" cy="0"/>
-        </a:xfrm>
-      </p:grpSpPr>
-      <p:sp>
-        <p:nvSpPr>
-          <p:cNvPr id="83" name="Google Shape;83;p14"/>
-          <p:cNvSpPr txBox="1">
-            <a:spLocks noGrp="1"/>
-          </p:cNvSpPr>
-          <p:nvPr>
-            <p:ph type="title" idx="4294967295"/>
-          </p:nvPr>
-        </p:nvSpPr>
-        <p:spPr>
-          <a:xfrm>
-            <a:off x="311700" y="421233"/>
-            <a:ext cx="8520600" cy="622500"/>
-          </a:xfrm>
-          <a:prstGeom prst="rect">
-            <a:avLst/>
-          </a:prstGeom>
-        </p:spPr>
-        <p:txBody>
-          <a:bodyPr spcFirstLastPara="1" wrap="square" lIns="91425" tIns="91425" rIns="91425" bIns="91425" anchor="b" anchorCtr="0">
-            <a:noAutofit/>
-          </a:bodyPr>
-          <a:lstStyle/>
-          <a:p>
-            <a:pPr lvl="0"/>
-            <a:r>
-              <a:rPr lang="en-GB" sz="4000" dirty="0"/>
-              <a:t>Deep Q-network (DQN) (1)</a:t>
-            </a:r>
-            <a:endParaRPr sz="4000" dirty="0"/>
-          </a:p>
-        </p:txBody>
-      </p:sp>
-      <p:sp>
-        <p:nvSpPr>
-          <p:cNvPr id="84" name="Google Shape;84;p14"/>
-          <p:cNvSpPr txBox="1">
-            <a:spLocks noGrp="1"/>
-          </p:cNvSpPr>
-          <p:nvPr>
-            <p:ph type="body" idx="1"/>
-          </p:nvPr>
-        </p:nvSpPr>
-        <p:spPr>
-          <a:xfrm>
-            <a:off x="162750" y="1212537"/>
-            <a:ext cx="8818500" cy="5224230"/>
-          </a:xfrm>
-          <a:prstGeom prst="rect">
-            <a:avLst/>
-          </a:prstGeom>
-        </p:spPr>
-        <p:txBody>
-          <a:bodyPr spcFirstLastPara="1" wrap="square" lIns="91425" tIns="91425" rIns="91425" bIns="91425" anchor="t" anchorCtr="0">
-            <a:noAutofit/>
-          </a:bodyPr>
-          <a:lstStyle/>
-          <a:p>
-            <a:pPr lvl="0"/>
-            <a:r>
-              <a:rPr lang="en-GB" dirty="0"/>
-              <a:t>One of the most popular deep RL algorithms and it started a series of research innovations that mark the history of RL </a:t>
-            </a:r>
-          </a:p>
-          <a:p>
-            <a:pPr lvl="1"/>
-            <a:r>
-              <a:rPr lang="en-GB" dirty="0"/>
-              <a:t>DQN claimed for the first time </a:t>
-            </a:r>
-            <a:r>
-              <a:rPr lang="en-GB" b="1" dirty="0"/>
-              <a:t>superhuman level performance </a:t>
-            </a:r>
-            <a:r>
-              <a:rPr lang="en-GB" dirty="0"/>
-              <a:t>on the </a:t>
-            </a:r>
-            <a:r>
-              <a:rPr lang="en-GB" b="1" dirty="0"/>
-              <a:t>Atari benchmark </a:t>
-            </a:r>
-            <a:r>
-              <a:rPr lang="en-GB" dirty="0"/>
-              <a:t>in which agents learned from raw pixel data from mere images </a:t>
-            </a:r>
-          </a:p>
-          <a:p>
-            <a:pPr lvl="1"/>
-            <a:r>
-              <a:rPr lang="en-GB" dirty="0"/>
-              <a:t>V. </a:t>
-            </a:r>
-            <a:r>
-              <a:rPr lang="en-GB" dirty="0" err="1"/>
-              <a:t>Mnih</a:t>
-            </a:r>
-            <a:r>
-              <a:rPr lang="en-GB" dirty="0"/>
-              <a:t>, et al. "</a:t>
-            </a:r>
-            <a:r>
-              <a:rPr lang="en-GB" i="1" dirty="0"/>
-              <a:t>Playing Atari with Deep Reinforcement Learning</a:t>
-            </a:r>
-            <a:r>
-              <a:rPr lang="en-GB" dirty="0"/>
-              <a:t>", NIPS 2013</a:t>
-            </a:r>
-          </a:p>
-          <a:p>
-            <a:r>
-              <a:rPr lang="en-GB" dirty="0"/>
-              <a:t>The main difference with NFQ are </a:t>
-            </a:r>
-          </a:p>
-          <a:p>
-            <a:pPr lvl="1"/>
-            <a:r>
-              <a:rPr lang="en-GB" dirty="0"/>
-              <a:t>use an exponentially decaying epsilon-greedy strategy</a:t>
-            </a:r>
-          </a:p>
-          <a:p>
-            <a:pPr lvl="1"/>
-            <a:r>
-              <a:rPr lang="en-GB" dirty="0"/>
-              <a:t>use a replay buffer </a:t>
-            </a:r>
-          </a:p>
-          <a:p>
-            <a:pPr lvl="1"/>
-            <a:r>
-              <a:rPr lang="en-GB" dirty="0"/>
-              <a:t>use a target network</a:t>
-            </a:r>
-          </a:p>
-          <a:p>
-            <a:pPr lvl="1"/>
-            <a:endParaRPr lang="en-GB" sz="600" dirty="0"/>
-          </a:p>
-          <a:p>
-            <a:r>
-              <a:rPr lang="en-GB" dirty="0"/>
-              <a:t>The algorithm has three main steps:</a:t>
-            </a:r>
-          </a:p>
-          <a:p>
-            <a:pPr marL="920750" lvl="1" indent="-342900">
-              <a:buFont typeface="+mj-lt"/>
-              <a:buAutoNum type="arabicPeriod"/>
-            </a:pPr>
-            <a:r>
-              <a:rPr lang="en-GB" dirty="0"/>
-              <a:t>collect experience and insert it into the replay memory</a:t>
-            </a:r>
-          </a:p>
-          <a:p>
-            <a:pPr marL="920750" lvl="1" indent="-342900">
-              <a:buFont typeface="+mj-lt"/>
-              <a:buAutoNum type="arabicPeriod"/>
-            </a:pPr>
-            <a:r>
-              <a:rPr lang="en-GB" dirty="0"/>
-              <a:t>randomly sample a mini-batch from the replay memory, and calculate the off-policy TD targets for the whole batch</a:t>
-            </a:r>
-          </a:p>
-          <a:p>
-            <a:pPr marL="920750" lvl="1" indent="-342900">
-              <a:buFont typeface="+mj-lt"/>
-              <a:buAutoNum type="arabicPeriod"/>
-            </a:pPr>
-            <a:r>
-              <a:rPr lang="en-GB" dirty="0"/>
-              <a:t>fit the action-value function Q(</a:t>
-            </a:r>
-            <a:r>
-              <a:rPr lang="en-GB" dirty="0" err="1"/>
-              <a:t>s,a</a:t>
-            </a:r>
-            <a:r>
-              <a:rPr lang="en-GB" dirty="0"/>
-              <a:t>; </a:t>
-            </a:r>
-            <a:r>
-              <a:rPr lang="el-GR" dirty="0"/>
-              <a:t>θ) </a:t>
-            </a:r>
-            <a:r>
-              <a:rPr lang="en-GB" dirty="0"/>
-              <a:t>using MSE and RMSprop</a:t>
-            </a:r>
-          </a:p>
-          <a:p>
-            <a:pPr marL="463550" lvl="0" indent="-342900">
-              <a:buFont typeface="+mj-lt"/>
-              <a:buAutoNum type="arabicPeriod"/>
-            </a:pPr>
-            <a:endParaRPr lang="en-GB" dirty="0"/>
-          </a:p>
-        </p:txBody>
-      </p:sp>
-    </p:spTree>
-    <p:extLst>
-      <p:ext uri="{BB962C8B-B14F-4D97-AF65-F5344CB8AC3E}">
-        <p14:creationId xmlns:p14="http://schemas.microsoft.com/office/powerpoint/2010/main" val="70478933"/>
-      </p:ext>
-    </p:extLst>
-  </p:cSld>
-  <p:clrMapOvr>
-    <a:masterClrMapping/>
-  </p:clrMapOvr>
-</p:sld>
-</file>
-
-<file path=ppt/slides/slide27.xml><?xml version="1.0" encoding="utf-8"?>
-<p:sld xmlns:a="http://schemas.openxmlformats.org/drawingml/2006/main" xmlns:r="http://schemas.openxmlformats.org/officeDocument/2006/relationships" xmlns:p="http://schemas.openxmlformats.org/presentationml/2006/main">
-  <p:cSld>
-    <p:spTree>
-      <p:nvGrpSpPr>
-        <p:cNvPr id="1" name="Shape 82"/>
-        <p:cNvGrpSpPr/>
-        <p:nvPr/>
-      </p:nvGrpSpPr>
-      <p:grpSpPr>
-        <a:xfrm>
-          <a:off x="0" y="0"/>
-          <a:ext cx="0" cy="0"/>
-          <a:chOff x="0" y="0"/>
-          <a:chExt cx="0" cy="0"/>
-        </a:xfrm>
-      </p:grpSpPr>
-      <p:sp>
-        <p:nvSpPr>
-          <p:cNvPr id="83" name="Google Shape;83;p14"/>
-          <p:cNvSpPr txBox="1">
-            <a:spLocks noGrp="1"/>
-          </p:cNvSpPr>
-          <p:nvPr>
-            <p:ph type="title" idx="4294967295"/>
-          </p:nvPr>
-        </p:nvSpPr>
-        <p:spPr>
-          <a:xfrm>
-            <a:off x="311700" y="421233"/>
-            <a:ext cx="8520600" cy="622500"/>
-          </a:xfrm>
-          <a:prstGeom prst="rect">
-            <a:avLst/>
-          </a:prstGeom>
-        </p:spPr>
-        <p:txBody>
-          <a:bodyPr spcFirstLastPara="1" wrap="square" lIns="91425" tIns="91425" rIns="91425" bIns="91425" anchor="b" anchorCtr="0">
-            <a:noAutofit/>
-          </a:bodyPr>
-          <a:lstStyle/>
-          <a:p>
-            <a:pPr lvl="0"/>
-            <a:r>
-              <a:rPr lang="en-GB" sz="4000" dirty="0"/>
-              <a:t>Deep Q-network (DQN) (2)</a:t>
-            </a:r>
-            <a:endParaRPr sz="4000" dirty="0"/>
-          </a:p>
-        </p:txBody>
-      </p:sp>
-      <p:sp>
-        <p:nvSpPr>
-          <p:cNvPr id="84" name="Google Shape;84;p14"/>
-          <p:cNvSpPr txBox="1">
-            <a:spLocks noGrp="1"/>
-          </p:cNvSpPr>
-          <p:nvPr>
-            <p:ph type="body" idx="1"/>
-          </p:nvPr>
-        </p:nvSpPr>
-        <p:spPr>
-          <a:xfrm>
-            <a:off x="162750" y="1212537"/>
-            <a:ext cx="8818500" cy="5224230"/>
-          </a:xfrm>
-          <a:prstGeom prst="rect">
-            <a:avLst/>
-          </a:prstGeom>
-        </p:spPr>
-        <p:txBody>
-          <a:bodyPr spcFirstLastPara="1" wrap="square" lIns="91425" tIns="91425" rIns="91425" bIns="91425" anchor="t" anchorCtr="0">
-            <a:noAutofit/>
-          </a:bodyPr>
-          <a:lstStyle/>
-          <a:p>
-            <a:pPr lvl="0"/>
-            <a:r>
-              <a:rPr lang="en-GB" dirty="0"/>
-              <a:t>See “deep-q-</a:t>
-            </a:r>
-            <a:r>
-              <a:rPr lang="en-GB" dirty="0" err="1"/>
-              <a:t>network.ipynb</a:t>
-            </a:r>
-            <a:r>
-              <a:rPr lang="en-GB" dirty="0"/>
-              <a:t>”</a:t>
-            </a:r>
-          </a:p>
-        </p:txBody>
-      </p:sp>
-      <p:pic>
-        <p:nvPicPr>
-          <p:cNvPr id="5" name="Immagine 4">
-            <a:extLst>
-              <a:ext uri="{FF2B5EF4-FFF2-40B4-BE49-F238E27FC236}">
-                <a16:creationId xmlns:a16="http://schemas.microsoft.com/office/drawing/2014/main" id="{6F828ED2-19E9-470F-788C-E2B17693040F}"/>
-              </a:ext>
-            </a:extLst>
-          </p:cNvPr>
-          <p:cNvPicPr>
-            <a:picLocks noChangeAspect="1"/>
-          </p:cNvPicPr>
-          <p:nvPr/>
-        </p:nvPicPr>
-        <p:blipFill>
-          <a:blip r:embed="rId3"/>
-          <a:stretch>
-            <a:fillRect/>
-          </a:stretch>
-        </p:blipFill>
-        <p:spPr>
-          <a:xfrm>
-            <a:off x="173636" y="1945212"/>
-            <a:ext cx="8449831" cy="3802424"/>
-          </a:xfrm>
-          <a:prstGeom prst="rect">
-            <a:avLst/>
-          </a:prstGeom>
-        </p:spPr>
-      </p:pic>
-    </p:spTree>
-    <p:extLst>
-      <p:ext uri="{BB962C8B-B14F-4D97-AF65-F5344CB8AC3E}">
-        <p14:creationId xmlns:p14="http://schemas.microsoft.com/office/powerpoint/2010/main" val="985633978"/>
-      </p:ext>
-    </p:extLst>
-  </p:cSld>
-  <p:clrMapOvr>
-    <a:masterClrMapping/>
-  </p:clrMapOvr>
-</p:sld>
-</file>
-
-<file path=ppt/slides/slide28.xml><?xml version="1.0" encoding="utf-8"?>
-<p:sld xmlns:a="http://schemas.openxmlformats.org/drawingml/2006/main" xmlns:r="http://schemas.openxmlformats.org/officeDocument/2006/relationships" xmlns:p="http://schemas.openxmlformats.org/presentationml/2006/main">
-  <p:cSld>
-    <p:spTree>
-      <p:nvGrpSpPr>
-        <p:cNvPr id="1" name="Shape 82"/>
-        <p:cNvGrpSpPr/>
-        <p:nvPr/>
-      </p:nvGrpSpPr>
-      <p:grpSpPr>
-        <a:xfrm>
-          <a:off x="0" y="0"/>
-          <a:ext cx="0" cy="0"/>
-          <a:chOff x="0" y="0"/>
-          <a:chExt cx="0" cy="0"/>
-        </a:xfrm>
-      </p:grpSpPr>
-      <p:sp>
-        <p:nvSpPr>
-          <p:cNvPr id="83" name="Google Shape;83;p14"/>
-          <p:cNvSpPr txBox="1">
-            <a:spLocks noGrp="1"/>
-          </p:cNvSpPr>
-          <p:nvPr>
-            <p:ph type="title" idx="4294967295"/>
-          </p:nvPr>
-        </p:nvSpPr>
-        <p:spPr>
-          <a:xfrm>
-            <a:off x="311700" y="421233"/>
-            <a:ext cx="8520600" cy="622500"/>
-          </a:xfrm>
-          <a:prstGeom prst="rect">
-            <a:avLst/>
-          </a:prstGeom>
-        </p:spPr>
-        <p:txBody>
-          <a:bodyPr spcFirstLastPara="1" wrap="square" lIns="91425" tIns="91425" rIns="91425" bIns="91425" anchor="b" anchorCtr="0">
-            <a:noAutofit/>
-          </a:bodyPr>
-          <a:lstStyle/>
-          <a:p>
-            <a:pPr lvl="0"/>
-            <a:r>
-              <a:rPr lang="en-GB" sz="4000" dirty="0"/>
-              <a:t>Deep Q-network (DQN) (3)</a:t>
-            </a:r>
-            <a:endParaRPr sz="4000" dirty="0"/>
-          </a:p>
-        </p:txBody>
-      </p:sp>
-      <p:pic>
-        <p:nvPicPr>
-          <p:cNvPr id="5" name="Immagine 4">
-            <a:extLst>
-              <a:ext uri="{FF2B5EF4-FFF2-40B4-BE49-F238E27FC236}">
-                <a16:creationId xmlns:a16="http://schemas.microsoft.com/office/drawing/2014/main" id="{DEC5DBF7-E380-B342-42A7-8BC6F89C7E1D}"/>
-              </a:ext>
-            </a:extLst>
-          </p:cNvPr>
-          <p:cNvPicPr>
-            <a:picLocks noChangeAspect="1"/>
-          </p:cNvPicPr>
-          <p:nvPr/>
-        </p:nvPicPr>
-        <p:blipFill>
-          <a:blip r:embed="rId3"/>
-          <a:stretch>
-            <a:fillRect/>
-          </a:stretch>
-        </p:blipFill>
-        <p:spPr>
-          <a:xfrm>
-            <a:off x="119746" y="1540329"/>
-            <a:ext cx="8791543" cy="3929743"/>
-          </a:xfrm>
-          <a:prstGeom prst="rect">
-            <a:avLst/>
-          </a:prstGeom>
-        </p:spPr>
-      </p:pic>
-    </p:spTree>
-    <p:extLst>
-      <p:ext uri="{BB962C8B-B14F-4D97-AF65-F5344CB8AC3E}">
-        <p14:creationId xmlns:p14="http://schemas.microsoft.com/office/powerpoint/2010/main" val="4282032191"/>
-      </p:ext>
-    </p:extLst>
-  </p:cSld>
-  <p:clrMapOvr>
-    <a:masterClrMapping/>
-  </p:clrMapOvr>
-</p:sld>
-</file>
-
-<file path=ppt/slides/slide29.xml><?xml version="1.0" encoding="utf-8"?>
-<p:sld xmlns:a="http://schemas.openxmlformats.org/drawingml/2006/main" xmlns:r="http://schemas.openxmlformats.org/officeDocument/2006/relationships" xmlns:p="http://schemas.openxmlformats.org/presentationml/2006/main">
-  <p:cSld>
-    <p:spTree>
-      <p:nvGrpSpPr>
-        <p:cNvPr id="1" name="Shape 82"/>
-        <p:cNvGrpSpPr/>
-        <p:nvPr/>
-      </p:nvGrpSpPr>
-      <p:grpSpPr>
-        <a:xfrm>
-          <a:off x="0" y="0"/>
-          <a:ext cx="0" cy="0"/>
-          <a:chOff x="0" y="0"/>
-          <a:chExt cx="0" cy="0"/>
-        </a:xfrm>
-      </p:grpSpPr>
-      <p:sp>
-        <p:nvSpPr>
-          <p:cNvPr id="83" name="Google Shape;83;p14"/>
-          <p:cNvSpPr txBox="1">
-            <a:spLocks noGrp="1"/>
-          </p:cNvSpPr>
-          <p:nvPr>
-            <p:ph type="title" idx="4294967295"/>
-          </p:nvPr>
-        </p:nvSpPr>
-        <p:spPr>
-          <a:xfrm>
-            <a:off x="311700" y="421233"/>
-            <a:ext cx="8520600" cy="622500"/>
-          </a:xfrm>
-          <a:prstGeom prst="rect">
-            <a:avLst/>
-          </a:prstGeom>
-        </p:spPr>
-        <p:txBody>
-          <a:bodyPr spcFirstLastPara="1" wrap="square" lIns="91425" tIns="91425" rIns="91425" bIns="91425" anchor="b" anchorCtr="0">
-            <a:noAutofit/>
-          </a:bodyPr>
-          <a:lstStyle/>
-          <a:p>
-            <a:pPr lvl="0"/>
-            <a:r>
-              <a:rPr lang="en-GB" sz="4000" dirty="0"/>
-              <a:t>Comparison (1)</a:t>
-            </a:r>
-            <a:endParaRPr sz="4000" dirty="0"/>
-          </a:p>
-        </p:txBody>
-      </p:sp>
-      <p:sp>
-        <p:nvSpPr>
-          <p:cNvPr id="84" name="Google Shape;84;p14"/>
-          <p:cNvSpPr txBox="1">
-            <a:spLocks noGrp="1"/>
-          </p:cNvSpPr>
-          <p:nvPr>
-            <p:ph type="body" idx="1"/>
-          </p:nvPr>
-        </p:nvSpPr>
-        <p:spPr>
-          <a:xfrm>
-            <a:off x="162750" y="1212537"/>
-            <a:ext cx="8818500" cy="5224230"/>
-          </a:xfrm>
-          <a:prstGeom prst="rect">
-            <a:avLst/>
-          </a:prstGeom>
-        </p:spPr>
-        <p:txBody>
-          <a:bodyPr spcFirstLastPara="1" wrap="square" lIns="91425" tIns="91425" rIns="91425" bIns="91425" anchor="t" anchorCtr="0">
-            <a:noAutofit/>
-          </a:bodyPr>
-          <a:lstStyle/>
-          <a:p>
-            <a:r>
-              <a:rPr lang="en-GB" dirty="0"/>
-              <a:t>See “</a:t>
-            </a:r>
-            <a:r>
-              <a:rPr lang="en-GB" dirty="0" err="1"/>
-              <a:t>comparison.ipynb</a:t>
-            </a:r>
-            <a:r>
-              <a:rPr lang="en-GB" dirty="0"/>
-              <a:t>”</a:t>
-            </a:r>
-          </a:p>
-          <a:p>
-            <a:endParaRPr lang="en-GB" sz="1100" dirty="0"/>
-          </a:p>
-          <a:p>
-            <a:endParaRPr lang="en-GB" dirty="0"/>
-          </a:p>
-          <a:p>
-            <a:endParaRPr lang="en-GB" sz="2000" dirty="0"/>
-          </a:p>
-          <a:p>
-            <a:endParaRPr lang="en-GB" dirty="0"/>
-          </a:p>
-          <a:p>
-            <a:endParaRPr lang="en-GB" dirty="0"/>
-          </a:p>
-          <a:p>
-            <a:endParaRPr lang="en-GB" dirty="0"/>
-          </a:p>
-          <a:p>
-            <a:endParaRPr lang="en-GB" dirty="0"/>
-          </a:p>
-          <a:p>
-            <a:endParaRPr lang="en-GB" dirty="0"/>
-          </a:p>
-          <a:p>
-            <a:endParaRPr lang="en-GB" dirty="0"/>
-          </a:p>
-          <a:p>
-            <a:endParaRPr lang="en-GB" dirty="0"/>
-          </a:p>
-          <a:p>
-            <a:endParaRPr lang="en-GB" dirty="0"/>
-          </a:p>
-          <a:p>
-            <a:pPr marL="120650" indent="0">
-              <a:buNone/>
-            </a:pPr>
-            <a:endParaRPr lang="en-GB" dirty="0"/>
-          </a:p>
-          <a:p>
-            <a:r>
-              <a:rPr lang="en-GB" dirty="0"/>
-              <a:t>Both pass the cart-pole environment</a:t>
-            </a:r>
-          </a:p>
-          <a:p>
-            <a:pPr lvl="1"/>
-            <a:r>
-              <a:rPr lang="en-GB" dirty="0"/>
-              <a:t>DQN takes approximately 250 episodes while NFQ takes almost 2,500 episodes</a:t>
-            </a:r>
-          </a:p>
-          <a:p>
-            <a:pPr lvl="1"/>
-            <a:r>
-              <a:rPr lang="en-GB" dirty="0"/>
-              <a:t>DQN is more </a:t>
-            </a:r>
-            <a:r>
-              <a:rPr lang="en-GB" b="1" dirty="0"/>
-              <a:t>sample efficient </a:t>
-            </a:r>
-            <a:r>
-              <a:rPr lang="en-GB" dirty="0"/>
-              <a:t>than NFQ</a:t>
-            </a:r>
-          </a:p>
-          <a:p>
-            <a:r>
-              <a:rPr lang="en-GB" dirty="0"/>
-              <a:t>Notice how NFQ is also </a:t>
-            </a:r>
-            <a:r>
-              <a:rPr lang="en-GB" b="1" dirty="0"/>
-              <a:t>noisier</a:t>
-            </a:r>
-            <a:r>
-              <a:rPr lang="en-GB" dirty="0"/>
-              <a:t> than DQN</a:t>
-            </a:r>
-          </a:p>
-          <a:p>
-            <a:pPr marL="120650" indent="0">
-              <a:buNone/>
-            </a:pPr>
-            <a:endParaRPr lang="en-GB" dirty="0"/>
-          </a:p>
-          <a:p>
-            <a:pPr lvl="0"/>
-            <a:endParaRPr lang="en-GB" dirty="0"/>
-          </a:p>
-        </p:txBody>
-      </p:sp>
-      <p:pic>
-        <p:nvPicPr>
-          <p:cNvPr id="5" name="Immagine 4">
-            <a:extLst>
-              <a:ext uri="{FF2B5EF4-FFF2-40B4-BE49-F238E27FC236}">
-                <a16:creationId xmlns:a16="http://schemas.microsoft.com/office/drawing/2014/main" id="{91DA0D2B-DD69-1752-D288-4225897EF423}"/>
-              </a:ext>
-            </a:extLst>
-          </p:cNvPr>
-          <p:cNvPicPr>
-            <a:picLocks noChangeAspect="1"/>
-          </p:cNvPicPr>
-          <p:nvPr/>
-        </p:nvPicPr>
-        <p:blipFill>
-          <a:blip r:embed="rId3"/>
-          <a:stretch>
-            <a:fillRect/>
-          </a:stretch>
-        </p:blipFill>
-        <p:spPr>
-          <a:xfrm>
-            <a:off x="540656" y="1609562"/>
-            <a:ext cx="7772400" cy="3486476"/>
-          </a:xfrm>
-          <a:prstGeom prst="rect">
-            <a:avLst/>
-          </a:prstGeom>
-        </p:spPr>
-      </p:pic>
-    </p:spTree>
-    <p:extLst>
-      <p:ext uri="{BB962C8B-B14F-4D97-AF65-F5344CB8AC3E}">
-        <p14:creationId xmlns:p14="http://schemas.microsoft.com/office/powerpoint/2010/main" val="244155539"/>
-      </p:ext>
-    </p:extLst>
-  </p:cSld>
-  <p:clrMapOvr>
-    <a:masterClrMapping/>
-  </p:clrMapOvr>
-</p:sld>
-</file>
-
 <file path=ppt/slides/slide3.xml><?xml version="1.0" encoding="utf-8"?>
 <p:sld xmlns:a="http://schemas.openxmlformats.org/drawingml/2006/main" xmlns:r="http://schemas.openxmlformats.org/officeDocument/2006/relationships" xmlns:p="http://schemas.openxmlformats.org/presentationml/2006/main">
   <p:cSld>
@@ -19738,756 +16557,6 @@
     <p:extLst>
       <p:ext uri="{BB962C8B-B14F-4D97-AF65-F5344CB8AC3E}">
         <p14:creationId xmlns:p14="http://schemas.microsoft.com/office/powerpoint/2010/main" val="2056707301"/>
-      </p:ext>
-    </p:extLst>
-  </p:cSld>
-  <p:clrMapOvr>
-    <a:masterClrMapping/>
-  </p:clrMapOvr>
-</p:sld>
-</file>
-
-<file path=ppt/slides/slide30.xml><?xml version="1.0" encoding="utf-8"?>
-<p:sld xmlns:a="http://schemas.openxmlformats.org/drawingml/2006/main" xmlns:r="http://schemas.openxmlformats.org/officeDocument/2006/relationships" xmlns:p="http://schemas.openxmlformats.org/presentationml/2006/main">
-  <p:cSld>
-    <p:spTree>
-      <p:nvGrpSpPr>
-        <p:cNvPr id="1" name="Shape 82"/>
-        <p:cNvGrpSpPr/>
-        <p:nvPr/>
-      </p:nvGrpSpPr>
-      <p:grpSpPr>
-        <a:xfrm>
-          <a:off x="0" y="0"/>
-          <a:ext cx="0" cy="0"/>
-          <a:chOff x="0" y="0"/>
-          <a:chExt cx="0" cy="0"/>
-        </a:xfrm>
-      </p:grpSpPr>
-      <p:sp>
-        <p:nvSpPr>
-          <p:cNvPr id="83" name="Google Shape;83;p14"/>
-          <p:cNvSpPr txBox="1">
-            <a:spLocks noGrp="1"/>
-          </p:cNvSpPr>
-          <p:nvPr>
-            <p:ph type="title" idx="4294967295"/>
-          </p:nvPr>
-        </p:nvSpPr>
-        <p:spPr>
-          <a:xfrm>
-            <a:off x="311700" y="421233"/>
-            <a:ext cx="8520600" cy="622500"/>
-          </a:xfrm>
-          <a:prstGeom prst="rect">
-            <a:avLst/>
-          </a:prstGeom>
-        </p:spPr>
-        <p:txBody>
-          <a:bodyPr spcFirstLastPara="1" wrap="square" lIns="91425" tIns="91425" rIns="91425" bIns="91425" anchor="b" anchorCtr="0">
-            <a:noAutofit/>
-          </a:bodyPr>
-          <a:lstStyle/>
-          <a:p>
-            <a:pPr lvl="0"/>
-            <a:r>
-              <a:rPr lang="en-GB" sz="4000" dirty="0"/>
-              <a:t>Comparison (2)</a:t>
-            </a:r>
-            <a:endParaRPr sz="4000" dirty="0"/>
-          </a:p>
-        </p:txBody>
-      </p:sp>
-      <p:sp>
-        <p:nvSpPr>
-          <p:cNvPr id="84" name="Google Shape;84;p14"/>
-          <p:cNvSpPr txBox="1">
-            <a:spLocks noGrp="1"/>
-          </p:cNvSpPr>
-          <p:nvPr>
-            <p:ph type="body" idx="1"/>
-          </p:nvPr>
-        </p:nvSpPr>
-        <p:spPr>
-          <a:xfrm>
-            <a:off x="162750" y="1212537"/>
-            <a:ext cx="8818500" cy="5224230"/>
-          </a:xfrm>
-          <a:prstGeom prst="rect">
-            <a:avLst/>
-          </a:prstGeom>
-        </p:spPr>
-        <p:txBody>
-          <a:bodyPr spcFirstLastPara="1" wrap="square" lIns="91425" tIns="91425" rIns="91425" bIns="91425" anchor="t" anchorCtr="0">
-            <a:noAutofit/>
-          </a:bodyPr>
-          <a:lstStyle/>
-          <a:p>
-            <a:endParaRPr lang="en-GB" dirty="0"/>
-          </a:p>
-          <a:p>
-            <a:endParaRPr lang="en-GB" dirty="0"/>
-          </a:p>
-          <a:p>
-            <a:endParaRPr lang="en-GB" dirty="0"/>
-          </a:p>
-          <a:p>
-            <a:endParaRPr lang="en-GB" dirty="0"/>
-          </a:p>
-          <a:p>
-            <a:endParaRPr lang="en-GB" dirty="0"/>
-          </a:p>
-          <a:p>
-            <a:endParaRPr lang="en-GB" dirty="0"/>
-          </a:p>
-          <a:p>
-            <a:endParaRPr lang="en-GB" dirty="0"/>
-          </a:p>
-          <a:p>
-            <a:endParaRPr lang="en-GB" dirty="0"/>
-          </a:p>
-          <a:p>
-            <a:endParaRPr lang="en-GB" dirty="0"/>
-          </a:p>
-          <a:p>
-            <a:endParaRPr lang="en-GB" dirty="0"/>
-          </a:p>
-          <a:p>
-            <a:endParaRPr lang="en-GB" dirty="0"/>
-          </a:p>
-          <a:p>
-            <a:endParaRPr lang="en-GB" dirty="0"/>
-          </a:p>
-          <a:p>
-            <a:pPr marL="120650" indent="0">
-              <a:buNone/>
-            </a:pPr>
-            <a:endParaRPr lang="en-GB" dirty="0"/>
-          </a:p>
-          <a:p>
-            <a:r>
-              <a:rPr lang="en-GB" dirty="0"/>
-              <a:t>However, DQN takes </a:t>
-            </a:r>
-            <a:r>
-              <a:rPr lang="en-GB" b="1" dirty="0"/>
-              <a:t>more training time </a:t>
-            </a:r>
-            <a:r>
-              <a:rPr lang="en-GB" dirty="0"/>
-              <a:t>than NFQ to pass the environment.</a:t>
-            </a:r>
-          </a:p>
-          <a:p>
-            <a:pPr lvl="0"/>
-            <a:endParaRPr lang="en-GB" dirty="0"/>
-          </a:p>
-        </p:txBody>
-      </p:sp>
-      <p:pic>
-        <p:nvPicPr>
-          <p:cNvPr id="3" name="Immagine 2">
-            <a:extLst>
-              <a:ext uri="{FF2B5EF4-FFF2-40B4-BE49-F238E27FC236}">
-                <a16:creationId xmlns:a16="http://schemas.microsoft.com/office/drawing/2014/main" id="{17D3E889-26E2-9BF8-B53A-C678DB244D8F}"/>
-              </a:ext>
-            </a:extLst>
-          </p:cNvPr>
-          <p:cNvPicPr>
-            <a:picLocks noChangeAspect="1"/>
-          </p:cNvPicPr>
-          <p:nvPr/>
-        </p:nvPicPr>
-        <p:blipFill>
-          <a:blip r:embed="rId3"/>
-          <a:stretch>
-            <a:fillRect/>
-          </a:stretch>
-        </p:blipFill>
-        <p:spPr>
-          <a:xfrm>
-            <a:off x="311699" y="1212537"/>
-            <a:ext cx="8478463" cy="3794892"/>
-          </a:xfrm>
-          <a:prstGeom prst="rect">
-            <a:avLst/>
-          </a:prstGeom>
-        </p:spPr>
-      </p:pic>
-    </p:spTree>
-    <p:extLst>
-      <p:ext uri="{BB962C8B-B14F-4D97-AF65-F5344CB8AC3E}">
-        <p14:creationId xmlns:p14="http://schemas.microsoft.com/office/powerpoint/2010/main" val="1426120087"/>
-      </p:ext>
-    </p:extLst>
-  </p:cSld>
-  <p:clrMapOvr>
-    <a:masterClrMapping/>
-  </p:clrMapOvr>
-</p:sld>
-</file>
-
-<file path=ppt/slides/slide31.xml><?xml version="1.0" encoding="utf-8"?>
-<p:sld xmlns:a="http://schemas.openxmlformats.org/drawingml/2006/main" xmlns:r="http://schemas.openxmlformats.org/officeDocument/2006/relationships" xmlns:p="http://schemas.openxmlformats.org/presentationml/2006/main">
-  <p:cSld>
-    <p:spTree>
-      <p:nvGrpSpPr>
-        <p:cNvPr id="1" name="Shape 82"/>
-        <p:cNvGrpSpPr/>
-        <p:nvPr/>
-      </p:nvGrpSpPr>
-      <p:grpSpPr>
-        <a:xfrm>
-          <a:off x="0" y="0"/>
-          <a:ext cx="0" cy="0"/>
-          <a:chOff x="0" y="0"/>
-          <a:chExt cx="0" cy="0"/>
-        </a:xfrm>
-      </p:grpSpPr>
-      <p:sp>
-        <p:nvSpPr>
-          <p:cNvPr id="83" name="Google Shape;83;p14"/>
-          <p:cNvSpPr txBox="1">
-            <a:spLocks noGrp="1"/>
-          </p:cNvSpPr>
-          <p:nvPr>
-            <p:ph type="title" idx="4294967295"/>
-          </p:nvPr>
-        </p:nvSpPr>
-        <p:spPr>
-          <a:xfrm>
-            <a:off x="311700" y="421233"/>
-            <a:ext cx="8520600" cy="622500"/>
-          </a:xfrm>
-          <a:prstGeom prst="rect">
-            <a:avLst/>
-          </a:prstGeom>
-        </p:spPr>
-        <p:txBody>
-          <a:bodyPr spcFirstLastPara="1" wrap="square" lIns="91425" tIns="91425" rIns="91425" bIns="91425" anchor="b" anchorCtr="0">
-            <a:noAutofit/>
-          </a:bodyPr>
-          <a:lstStyle/>
-          <a:p>
-            <a:pPr lvl="0"/>
-            <a:r>
-              <a:rPr lang="en-GB" sz="4000" dirty="0"/>
-              <a:t>More advanced approaches (1)</a:t>
-            </a:r>
-            <a:endParaRPr sz="4000" dirty="0"/>
-          </a:p>
-        </p:txBody>
-      </p:sp>
-      <p:sp>
-        <p:nvSpPr>
-          <p:cNvPr id="84" name="Google Shape;84;p14"/>
-          <p:cNvSpPr txBox="1">
-            <a:spLocks noGrp="1"/>
-          </p:cNvSpPr>
-          <p:nvPr>
-            <p:ph type="body" idx="1"/>
-          </p:nvPr>
-        </p:nvSpPr>
-        <p:spPr>
-          <a:xfrm>
-            <a:off x="162750" y="1136334"/>
-            <a:ext cx="8818500" cy="5416863"/>
-          </a:xfrm>
-          <a:prstGeom prst="rect">
-            <a:avLst/>
-          </a:prstGeom>
-        </p:spPr>
-        <p:txBody>
-          <a:bodyPr spcFirstLastPara="1" wrap="square" lIns="91425" tIns="91425" rIns="91425" bIns="91425" anchor="t" anchorCtr="0">
-            <a:noAutofit/>
-          </a:bodyPr>
-          <a:lstStyle/>
-          <a:p>
-            <a:r>
-              <a:rPr lang="en-GB" b="1" dirty="0"/>
-              <a:t>Double DQN </a:t>
-            </a:r>
-            <a:r>
-              <a:rPr lang="en-GB" dirty="0"/>
-              <a:t>(DDQN)</a:t>
-            </a:r>
-          </a:p>
-          <a:p>
-            <a:pPr lvl="1"/>
-            <a:r>
-              <a:rPr lang="en-GB" dirty="0"/>
-              <a:t>like Q-learning, DQN tends to overestimate</a:t>
-            </a:r>
-          </a:p>
-          <a:p>
-            <a:pPr lvl="1"/>
-            <a:r>
-              <a:rPr lang="en-GB" dirty="0"/>
-              <a:t>we’re taking the max of estimated values to estimate the max</a:t>
-            </a:r>
-          </a:p>
-          <a:p>
-            <a:pPr lvl="1"/>
-            <a:r>
-              <a:rPr lang="en-GB" dirty="0"/>
-              <a:t>a way to reduce positive bias is to have two instances of the action-value function</a:t>
-            </a:r>
-          </a:p>
-          <a:p>
-            <a:pPr lvl="1"/>
-            <a:r>
-              <a:rPr lang="en-GB" dirty="0"/>
-              <a:t>we can perform double learning with the other network we already have: the target network</a:t>
-            </a:r>
-          </a:p>
-          <a:p>
-            <a:r>
-              <a:rPr lang="en-GB" b="1" dirty="0" err="1"/>
-              <a:t>Dueling</a:t>
-            </a:r>
-            <a:r>
-              <a:rPr lang="en-GB" b="1" dirty="0"/>
-              <a:t> DDQN</a:t>
-            </a:r>
-          </a:p>
-          <a:p>
-            <a:pPr lvl="1"/>
-            <a:r>
-              <a:rPr lang="en-GB" dirty="0"/>
-              <a:t>RL-aware neural network architecture</a:t>
-            </a:r>
-          </a:p>
-          <a:p>
-            <a:r>
-              <a:rPr lang="en-GB" b="1" dirty="0"/>
-              <a:t>Prioritized Experience Replay </a:t>
-            </a:r>
-            <a:r>
-              <a:rPr lang="en-GB" dirty="0"/>
-              <a:t>(PER)</a:t>
-            </a:r>
-          </a:p>
-          <a:p>
-            <a:pPr lvl="1"/>
-            <a:r>
-              <a:rPr lang="en-GB" dirty="0"/>
-              <a:t>Instead of uniformly sampling reply memory, we draw samples that appear to provide the most information to the agent for actually making improvements</a:t>
-            </a:r>
-          </a:p>
-          <a:p>
-            <a:pPr lvl="0"/>
-            <a:r>
-              <a:rPr lang="en-GB" dirty="0"/>
-              <a:t>Challenges:</a:t>
-            </a:r>
-          </a:p>
-          <a:p>
-            <a:pPr lvl="1"/>
-            <a:r>
-              <a:rPr lang="en-GB" dirty="0"/>
-              <a:t>sensitive to hyperparameters</a:t>
-            </a:r>
-          </a:p>
-          <a:p>
-            <a:pPr lvl="1"/>
-            <a:r>
-              <a:rPr lang="en-GB" dirty="0"/>
-              <a:t>combination of bootstrapping, off-policy learning, and function approximators are known conjointly as the </a:t>
-            </a:r>
-            <a:r>
-              <a:rPr lang="en-GB" b="1" dirty="0"/>
-              <a:t>deadly triad</a:t>
-            </a:r>
-          </a:p>
-          <a:p>
-            <a:pPr lvl="2"/>
-            <a:r>
-              <a:rPr lang="en-GB" dirty="0"/>
-              <a:t>it is known to produce divergence</a:t>
-            </a:r>
-          </a:p>
-          <a:p>
-            <a:pPr lvl="2"/>
-            <a:endParaRPr lang="en-GB" dirty="0"/>
-          </a:p>
-          <a:p>
-            <a:pPr lvl="2"/>
-            <a:endParaRPr lang="en-GB" dirty="0"/>
-          </a:p>
-        </p:txBody>
-      </p:sp>
-    </p:spTree>
-    <p:extLst>
-      <p:ext uri="{BB962C8B-B14F-4D97-AF65-F5344CB8AC3E}">
-        <p14:creationId xmlns:p14="http://schemas.microsoft.com/office/powerpoint/2010/main" val="2112374369"/>
-      </p:ext>
-    </p:extLst>
-  </p:cSld>
-  <p:clrMapOvr>
-    <a:masterClrMapping/>
-  </p:clrMapOvr>
-</p:sld>
-</file>
-
-<file path=ppt/slides/slide32.xml><?xml version="1.0" encoding="utf-8"?>
-<p:sld xmlns:a="http://schemas.openxmlformats.org/drawingml/2006/main" xmlns:r="http://schemas.openxmlformats.org/officeDocument/2006/relationships" xmlns:p="http://schemas.openxmlformats.org/presentationml/2006/main">
-  <p:cSld>
-    <p:spTree>
-      <p:nvGrpSpPr>
-        <p:cNvPr id="1" name="Shape 82"/>
-        <p:cNvGrpSpPr/>
-        <p:nvPr/>
-      </p:nvGrpSpPr>
-      <p:grpSpPr>
-        <a:xfrm>
-          <a:off x="0" y="0"/>
-          <a:ext cx="0" cy="0"/>
-          <a:chOff x="0" y="0"/>
-          <a:chExt cx="0" cy="0"/>
-        </a:xfrm>
-      </p:grpSpPr>
-      <p:sp>
-        <p:nvSpPr>
-          <p:cNvPr id="83" name="Google Shape;83;p14"/>
-          <p:cNvSpPr txBox="1">
-            <a:spLocks noGrp="1"/>
-          </p:cNvSpPr>
-          <p:nvPr>
-            <p:ph type="title" idx="4294967295"/>
-          </p:nvPr>
-        </p:nvSpPr>
-        <p:spPr>
-          <a:xfrm>
-            <a:off x="311700" y="421233"/>
-            <a:ext cx="8520600" cy="622500"/>
-          </a:xfrm>
-          <a:prstGeom prst="rect">
-            <a:avLst/>
-          </a:prstGeom>
-        </p:spPr>
-        <p:txBody>
-          <a:bodyPr spcFirstLastPara="1" wrap="square" lIns="91425" tIns="91425" rIns="91425" bIns="91425" anchor="b" anchorCtr="0">
-            <a:noAutofit/>
-          </a:bodyPr>
-          <a:lstStyle/>
-          <a:p>
-            <a:pPr lvl="0"/>
-            <a:r>
-              <a:rPr lang="en-GB" sz="4000" dirty="0"/>
-              <a:t>More advanced approaches (2)</a:t>
-            </a:r>
-            <a:endParaRPr sz="4000" dirty="0"/>
-          </a:p>
-        </p:txBody>
-      </p:sp>
-      <p:sp>
-        <p:nvSpPr>
-          <p:cNvPr id="84" name="Google Shape;84;p14"/>
-          <p:cNvSpPr txBox="1">
-            <a:spLocks noGrp="1"/>
-          </p:cNvSpPr>
-          <p:nvPr>
-            <p:ph type="body" idx="1"/>
-          </p:nvPr>
-        </p:nvSpPr>
-        <p:spPr>
-          <a:xfrm>
-            <a:off x="162750" y="1212537"/>
-            <a:ext cx="8818500" cy="5224230"/>
-          </a:xfrm>
-          <a:prstGeom prst="rect">
-            <a:avLst/>
-          </a:prstGeom>
-        </p:spPr>
-        <p:txBody>
-          <a:bodyPr spcFirstLastPara="1" wrap="square" lIns="91425" tIns="91425" rIns="91425" bIns="91425" anchor="t" anchorCtr="0">
-            <a:noAutofit/>
-          </a:bodyPr>
-          <a:lstStyle/>
-          <a:p>
-            <a:r>
-              <a:rPr lang="en-GB" dirty="0"/>
-              <a:t>We’ve explored methods that find optimal policies with the help of value functions</a:t>
-            </a:r>
-          </a:p>
-          <a:p>
-            <a:pPr lvl="1"/>
-            <a:r>
-              <a:rPr lang="en-GB" b="1" dirty="0"/>
-              <a:t>value-based methods</a:t>
-            </a:r>
-          </a:p>
-          <a:p>
-            <a:pPr lvl="1"/>
-            <a:r>
-              <a:rPr lang="en-GB" dirty="0"/>
-              <a:t>we learn value functions, however what we need are policies</a:t>
-            </a:r>
-          </a:p>
-          <a:p>
-            <a:r>
-              <a:rPr lang="en-GB" dirty="0"/>
-              <a:t>Methods that optimize policies directly</a:t>
-            </a:r>
-          </a:p>
-          <a:p>
-            <a:pPr lvl="1"/>
-            <a:r>
-              <a:rPr lang="en-GB" b="1" dirty="0"/>
-              <a:t>policy-based methods</a:t>
-            </a:r>
-          </a:p>
-          <a:p>
-            <a:pPr lvl="1"/>
-            <a:r>
-              <a:rPr lang="en-GB" dirty="0"/>
-              <a:t>parameterize a policy and adjust it to maximize expected returns</a:t>
-            </a:r>
-          </a:p>
-          <a:p>
-            <a:pPr lvl="1"/>
-            <a:r>
-              <a:rPr lang="en-GB" dirty="0"/>
-              <a:t>REINFORCE, Vanilla Policy Gradient (VPG)</a:t>
-            </a:r>
-          </a:p>
-          <a:p>
-            <a:r>
-              <a:rPr lang="en-GB" dirty="0"/>
-              <a:t>Methods that learn both policies and value functions</a:t>
-            </a:r>
-          </a:p>
-          <a:p>
-            <a:pPr lvl="1"/>
-            <a:r>
-              <a:rPr lang="en-GB" b="1" dirty="0"/>
-              <a:t>actor-critic methods </a:t>
-            </a:r>
-          </a:p>
-          <a:p>
-            <a:pPr lvl="1"/>
-            <a:r>
-              <a:rPr lang="en-GB" dirty="0"/>
-              <a:t>the policy (selects actions) can be seen as an actor and the value function (evaluates policies) can be seen as a critic</a:t>
-            </a:r>
-          </a:p>
-          <a:p>
-            <a:pPr lvl="1"/>
-            <a:r>
-              <a:rPr lang="en-GB" dirty="0"/>
-              <a:t>often perform better than value-based or policy-based methods alone</a:t>
-            </a:r>
-          </a:p>
-          <a:p>
-            <a:pPr lvl="1"/>
-            <a:r>
-              <a:rPr lang="en-GB" dirty="0"/>
-              <a:t>Deep Deterministic Policy Gradient (DDPG), Twin-Delayed DDPG (TD3), </a:t>
-            </a:r>
-            <a:r>
-              <a:rPr lang="en-GB" dirty="0" err="1"/>
-              <a:t>Doft</a:t>
-            </a:r>
-            <a:r>
-              <a:rPr lang="en-GB" dirty="0"/>
-              <a:t> Actor-Critic (SAC), Proxima Policy Optimization (PPO)</a:t>
-            </a:r>
-          </a:p>
-        </p:txBody>
-      </p:sp>
-    </p:spTree>
-    <p:extLst>
-      <p:ext uri="{BB962C8B-B14F-4D97-AF65-F5344CB8AC3E}">
-        <p14:creationId xmlns:p14="http://schemas.microsoft.com/office/powerpoint/2010/main" val="2093082037"/>
-      </p:ext>
-    </p:extLst>
-  </p:cSld>
-  <p:clrMapOvr>
-    <a:masterClrMapping/>
-  </p:clrMapOvr>
-</p:sld>
-</file>
-
-<file path=ppt/slides/slide33.xml><?xml version="1.0" encoding="utf-8"?>
-<p:sld xmlns:a="http://schemas.openxmlformats.org/drawingml/2006/main" xmlns:r="http://schemas.openxmlformats.org/officeDocument/2006/relationships" xmlns:p="http://schemas.openxmlformats.org/presentationml/2006/main">
-  <p:cSld>
-    <p:spTree>
-      <p:nvGrpSpPr>
-        <p:cNvPr id="1" name="Shape 82"/>
-        <p:cNvGrpSpPr/>
-        <p:nvPr/>
-      </p:nvGrpSpPr>
-      <p:grpSpPr>
-        <a:xfrm>
-          <a:off x="0" y="0"/>
-          <a:ext cx="0" cy="0"/>
-          <a:chOff x="0" y="0"/>
-          <a:chExt cx="0" cy="0"/>
-        </a:xfrm>
-      </p:grpSpPr>
-      <p:sp>
-        <p:nvSpPr>
-          <p:cNvPr id="83" name="Google Shape;83;p14"/>
-          <p:cNvSpPr txBox="1">
-            <a:spLocks noGrp="1"/>
-          </p:cNvSpPr>
-          <p:nvPr>
-            <p:ph type="title" idx="4294967295"/>
-          </p:nvPr>
-        </p:nvSpPr>
-        <p:spPr>
-          <a:xfrm>
-            <a:off x="311700" y="421233"/>
-            <a:ext cx="8520600" cy="622500"/>
-          </a:xfrm>
-          <a:prstGeom prst="rect">
-            <a:avLst/>
-          </a:prstGeom>
-        </p:spPr>
-        <p:txBody>
-          <a:bodyPr spcFirstLastPara="1" wrap="square" lIns="91425" tIns="91425" rIns="91425" bIns="91425" anchor="b" anchorCtr="0">
-            <a:noAutofit/>
-          </a:bodyPr>
-          <a:lstStyle/>
-          <a:p>
-            <a:pPr marL="0" lvl="0" indent="0" algn="l" rtl="0">
-              <a:spcBef>
-                <a:spcPts val="0"/>
-              </a:spcBef>
-              <a:spcAft>
-                <a:spcPts val="0"/>
-              </a:spcAft>
-              <a:buNone/>
-            </a:pPr>
-            <a:r>
-              <a:rPr lang="en-GB" dirty="0"/>
-              <a:t>Exercise</a:t>
-            </a:r>
-            <a:endParaRPr dirty="0"/>
-          </a:p>
-        </p:txBody>
-      </p:sp>
-      <p:sp>
-        <p:nvSpPr>
-          <p:cNvPr id="84" name="Google Shape;84;p14"/>
-          <p:cNvSpPr txBox="1">
-            <a:spLocks noGrp="1"/>
-          </p:cNvSpPr>
-          <p:nvPr>
-            <p:ph type="body" idx="1"/>
-          </p:nvPr>
-        </p:nvSpPr>
-        <p:spPr>
-          <a:xfrm>
-            <a:off x="311700" y="1408864"/>
-            <a:ext cx="8520600" cy="4284365"/>
-          </a:xfrm>
-          <a:prstGeom prst="rect">
-            <a:avLst/>
-          </a:prstGeom>
-        </p:spPr>
-        <p:txBody>
-          <a:bodyPr spcFirstLastPara="1" wrap="square" lIns="91425" tIns="91425" rIns="91425" bIns="91425" anchor="t" anchorCtr="0">
-            <a:noAutofit/>
-          </a:bodyPr>
-          <a:lstStyle/>
-          <a:p>
-            <a:pPr lvl="0"/>
-            <a:r>
-              <a:rPr lang="en-GB" sz="1800" dirty="0"/>
-              <a:t>1 - import the </a:t>
-            </a:r>
-            <a:r>
-              <a:rPr lang="en-GB" sz="1800" dirty="0">
-                <a:hlinkClick r:id="rId3"/>
-              </a:rPr>
-              <a:t>pendulum environment </a:t>
-            </a:r>
-            <a:r>
-              <a:rPr lang="en-GB" sz="1800" dirty="0"/>
-              <a:t>and show it with a random policy (hint: use the action </a:t>
-            </a:r>
-            <a:r>
-              <a:rPr lang="en-GB" sz="1800" dirty="0" err="1"/>
-              <a:t>space.sample</a:t>
-            </a:r>
-            <a:r>
-              <a:rPr lang="en-GB" sz="1800" dirty="0"/>
-              <a:t>() method of the environment)</a:t>
-            </a:r>
-          </a:p>
-          <a:p>
-            <a:pPr lvl="0"/>
-            <a:endParaRPr lang="en-GB" sz="1800" dirty="0"/>
-          </a:p>
-          <a:p>
-            <a:pPr lvl="0"/>
-            <a:r>
-              <a:rPr lang="en-GB" sz="1800" dirty="0"/>
-              <a:t>2 - train a NFQ agent to solve the control problem</a:t>
-            </a:r>
-          </a:p>
-          <a:p>
-            <a:pPr lvl="0"/>
-            <a:endParaRPr lang="en-GB" sz="1800" dirty="0"/>
-          </a:p>
-          <a:p>
-            <a:pPr lvl="0"/>
-            <a:r>
-              <a:rPr lang="en-GB" sz="1800" dirty="0"/>
-              <a:t>3 - show the learning curves</a:t>
-            </a:r>
-          </a:p>
-          <a:p>
-            <a:pPr lvl="0"/>
-            <a:endParaRPr lang="en-GB" sz="1800" dirty="0"/>
-          </a:p>
-          <a:p>
-            <a:pPr lvl="0"/>
-            <a:r>
-              <a:rPr lang="en-GB" sz="1800" dirty="0"/>
-              <a:t>4 - show the policy behaviour</a:t>
-            </a:r>
-          </a:p>
-          <a:p>
-            <a:pPr marL="120650" indent="0">
-              <a:buNone/>
-            </a:pPr>
-            <a:endParaRPr lang="en-GB" sz="1800" dirty="0"/>
-          </a:p>
-          <a:p>
-            <a:r>
-              <a:rPr lang="en-GB" sz="1800" dirty="0"/>
-              <a:t>See “notebook – exercise-</a:t>
-            </a:r>
-            <a:r>
-              <a:rPr lang="en-GB" sz="1800" dirty="0" err="1"/>
-              <a:t>solution.ipynb</a:t>
-            </a:r>
-            <a:r>
-              <a:rPr lang="en-GB" sz="1800" dirty="0"/>
-              <a:t>”</a:t>
-            </a:r>
-          </a:p>
-          <a:p>
-            <a:endParaRPr lang="en-GB" sz="1800" dirty="0"/>
-          </a:p>
-          <a:p>
-            <a:r>
-              <a:rPr lang="en-GB" sz="1800" dirty="0"/>
-              <a:t>5 – try other algorithms (e.g. DQN)</a:t>
-            </a:r>
-          </a:p>
-          <a:p>
-            <a:pPr lvl="0"/>
-            <a:endParaRPr lang="en-GB" dirty="0"/>
-          </a:p>
-        </p:txBody>
-      </p:sp>
-    </p:spTree>
-    <p:extLst>
-      <p:ext uri="{BB962C8B-B14F-4D97-AF65-F5344CB8AC3E}">
-        <p14:creationId xmlns:p14="http://schemas.microsoft.com/office/powerpoint/2010/main" val="1073505695"/>
       </p:ext>
     </p:extLst>
   </p:cSld>

--- a/07 - Neural Fitted Q/slides.pptx
+++ b/07 - Neural Fitted Q/slides.pptx
@@ -5,46 +5,47 @@
     <p:sldMasterId id="2147483659" r:id="rId1"/>
   </p:sldMasterIdLst>
   <p:notesMasterIdLst>
-    <p:notesMasterId r:id="rId22"/>
+    <p:notesMasterId r:id="rId23"/>
   </p:notesMasterIdLst>
   <p:sldIdLst>
     <p:sldId id="256" r:id="rId2"/>
     <p:sldId id="264" r:id="rId3"/>
-    <p:sldId id="265" r:id="rId4"/>
-    <p:sldId id="281" r:id="rId5"/>
-    <p:sldId id="282" r:id="rId6"/>
-    <p:sldId id="283" r:id="rId7"/>
-    <p:sldId id="284" r:id="rId8"/>
+    <p:sldId id="281" r:id="rId4"/>
+    <p:sldId id="282" r:id="rId5"/>
+    <p:sldId id="283" r:id="rId6"/>
+    <p:sldId id="284" r:id="rId7"/>
+    <p:sldId id="265" r:id="rId8"/>
     <p:sldId id="302" r:id="rId9"/>
-    <p:sldId id="285" r:id="rId10"/>
-    <p:sldId id="286" r:id="rId11"/>
-    <p:sldId id="287" r:id="rId12"/>
-    <p:sldId id="288" r:id="rId13"/>
-    <p:sldId id="289" r:id="rId14"/>
-    <p:sldId id="290" r:id="rId15"/>
-    <p:sldId id="291" r:id="rId16"/>
-    <p:sldId id="292" r:id="rId17"/>
-    <p:sldId id="293" r:id="rId18"/>
-    <p:sldId id="294" r:id="rId19"/>
-    <p:sldId id="295" r:id="rId20"/>
-    <p:sldId id="299" r:id="rId21"/>
+    <p:sldId id="303" r:id="rId10"/>
+    <p:sldId id="285" r:id="rId11"/>
+    <p:sldId id="286" r:id="rId12"/>
+    <p:sldId id="287" r:id="rId13"/>
+    <p:sldId id="288" r:id="rId14"/>
+    <p:sldId id="289" r:id="rId15"/>
+    <p:sldId id="290" r:id="rId16"/>
+    <p:sldId id="291" r:id="rId17"/>
+    <p:sldId id="292" r:id="rId18"/>
+    <p:sldId id="293" r:id="rId19"/>
+    <p:sldId id="294" r:id="rId20"/>
+    <p:sldId id="295" r:id="rId21"/>
+    <p:sldId id="299" r:id="rId22"/>
   </p:sldIdLst>
   <p:sldSz cx="9144000" cy="6858000" type="screen4x3"/>
   <p:notesSz cx="6858000" cy="9144000"/>
   <p:embeddedFontLst>
     <p:embeddedFont>
       <p:font typeface="Economica" panose="02000506040000020004" pitchFamily="2" charset="77"/>
-      <p:regular r:id="rId23"/>
-      <p:bold r:id="rId24"/>
-      <p:italic r:id="rId25"/>
-      <p:boldItalic r:id="rId26"/>
+      <p:regular r:id="rId24"/>
+      <p:bold r:id="rId25"/>
+      <p:italic r:id="rId26"/>
+      <p:boldItalic r:id="rId27"/>
     </p:embeddedFont>
     <p:embeddedFont>
       <p:font typeface="Open Sans" panose="020B0606030504020204" pitchFamily="34" charset="0"/>
-      <p:regular r:id="rId27"/>
-      <p:bold r:id="rId28"/>
-      <p:italic r:id="rId29"/>
-      <p:boldItalic r:id="rId30"/>
+      <p:regular r:id="rId28"/>
+      <p:bold r:id="rId29"/>
+      <p:italic r:id="rId30"/>
+      <p:boldItalic r:id="rId31"/>
     </p:embeddedFont>
   </p:embeddedFontLst>
   <p:defaultTextStyle>
@@ -6845,7 +6846,7 @@
     </p:spTree>
     <p:extLst>
       <p:ext uri="{BB962C8B-B14F-4D97-AF65-F5344CB8AC3E}">
-        <p14:creationId xmlns:p14="http://schemas.microsoft.com/office/powerpoint/2010/main" val="4113606265"/>
+        <p14:creationId xmlns:p14="http://schemas.microsoft.com/office/powerpoint/2010/main" val="2898382341"/>
       </p:ext>
     </p:extLst>
   </p:cSld>
@@ -6954,7 +6955,7 @@
     </p:spTree>
     <p:extLst>
       <p:ext uri="{BB962C8B-B14F-4D97-AF65-F5344CB8AC3E}">
-        <p14:creationId xmlns:p14="http://schemas.microsoft.com/office/powerpoint/2010/main" val="4116126642"/>
+        <p14:creationId xmlns:p14="http://schemas.microsoft.com/office/powerpoint/2010/main" val="4113606265"/>
       </p:ext>
     </p:extLst>
   </p:cSld>
@@ -7063,7 +7064,7 @@
     </p:spTree>
     <p:extLst>
       <p:ext uri="{BB962C8B-B14F-4D97-AF65-F5344CB8AC3E}">
-        <p14:creationId xmlns:p14="http://schemas.microsoft.com/office/powerpoint/2010/main" val="1080297534"/>
+        <p14:creationId xmlns:p14="http://schemas.microsoft.com/office/powerpoint/2010/main" val="4116126642"/>
       </p:ext>
     </p:extLst>
   </p:cSld>
@@ -7172,7 +7173,7 @@
     </p:spTree>
     <p:extLst>
       <p:ext uri="{BB962C8B-B14F-4D97-AF65-F5344CB8AC3E}">
-        <p14:creationId xmlns:p14="http://schemas.microsoft.com/office/powerpoint/2010/main" val="492636862"/>
+        <p14:creationId xmlns:p14="http://schemas.microsoft.com/office/powerpoint/2010/main" val="1080297534"/>
       </p:ext>
     </p:extLst>
   </p:cSld>
@@ -7281,7 +7282,7 @@
     </p:spTree>
     <p:extLst>
       <p:ext uri="{BB962C8B-B14F-4D97-AF65-F5344CB8AC3E}">
-        <p14:creationId xmlns:p14="http://schemas.microsoft.com/office/powerpoint/2010/main" val="1586770759"/>
+        <p14:creationId xmlns:p14="http://schemas.microsoft.com/office/powerpoint/2010/main" val="492636862"/>
       </p:ext>
     </p:extLst>
   </p:cSld>
@@ -7390,7 +7391,7 @@
     </p:spTree>
     <p:extLst>
       <p:ext uri="{BB962C8B-B14F-4D97-AF65-F5344CB8AC3E}">
-        <p14:creationId xmlns:p14="http://schemas.microsoft.com/office/powerpoint/2010/main" val="3891101402"/>
+        <p14:creationId xmlns:p14="http://schemas.microsoft.com/office/powerpoint/2010/main" val="1586770759"/>
       </p:ext>
     </p:extLst>
   </p:cSld>
@@ -7499,7 +7500,7 @@
     </p:spTree>
     <p:extLst>
       <p:ext uri="{BB962C8B-B14F-4D97-AF65-F5344CB8AC3E}">
-        <p14:creationId xmlns:p14="http://schemas.microsoft.com/office/powerpoint/2010/main" val="1643084855"/>
+        <p14:creationId xmlns:p14="http://schemas.microsoft.com/office/powerpoint/2010/main" val="3891101402"/>
       </p:ext>
     </p:extLst>
   </p:cSld>
@@ -7608,7 +7609,7 @@
     </p:spTree>
     <p:extLst>
       <p:ext uri="{BB962C8B-B14F-4D97-AF65-F5344CB8AC3E}">
-        <p14:creationId xmlns:p14="http://schemas.microsoft.com/office/powerpoint/2010/main" val="4240092752"/>
+        <p14:creationId xmlns:p14="http://schemas.microsoft.com/office/powerpoint/2010/main" val="1643084855"/>
       </p:ext>
     </p:extLst>
   </p:cSld>
@@ -7717,7 +7718,7 @@
     </p:spTree>
     <p:extLst>
       <p:ext uri="{BB962C8B-B14F-4D97-AF65-F5344CB8AC3E}">
-        <p14:creationId xmlns:p14="http://schemas.microsoft.com/office/powerpoint/2010/main" val="3478210661"/>
+        <p14:creationId xmlns:p14="http://schemas.microsoft.com/office/powerpoint/2010/main" val="4240092752"/>
       </p:ext>
     </p:extLst>
   </p:cSld>
@@ -7826,7 +7827,7 @@
     </p:spTree>
     <p:extLst>
       <p:ext uri="{BB962C8B-B14F-4D97-AF65-F5344CB8AC3E}">
-        <p14:creationId xmlns:p14="http://schemas.microsoft.com/office/powerpoint/2010/main" val="4123411195"/>
+        <p14:creationId xmlns:p14="http://schemas.microsoft.com/office/powerpoint/2010/main" val="3478210661"/>
       </p:ext>
     </p:extLst>
   </p:cSld>
@@ -7941,6 +7942,115 @@
 </file>
 
 <file path=ppt/notesSlides/notesSlide20.xml><?xml version="1.0" encoding="utf-8"?>
+<p:notes xmlns:a="http://schemas.openxmlformats.org/drawingml/2006/main" xmlns:r="http://schemas.openxmlformats.org/officeDocument/2006/relationships" xmlns:p="http://schemas.openxmlformats.org/presentationml/2006/main" showMasterSp="0" showMasterPhAnim="0">
+  <p:cSld>
+    <p:spTree>
+      <p:nvGrpSpPr>
+        <p:cNvPr id="1" name="Shape 79"/>
+        <p:cNvGrpSpPr/>
+        <p:nvPr/>
+      </p:nvGrpSpPr>
+      <p:grpSpPr>
+        <a:xfrm>
+          <a:off x="0" y="0"/>
+          <a:ext cx="0" cy="0"/>
+          <a:chOff x="0" y="0"/>
+          <a:chExt cx="0" cy="0"/>
+        </a:xfrm>
+      </p:grpSpPr>
+      <p:sp>
+        <p:nvSpPr>
+          <p:cNvPr id="80" name="Google Shape;80;geed6aedbf_0_0:notes"/>
+          <p:cNvSpPr>
+            <a:spLocks noGrp="1" noRot="1" noChangeAspect="1"/>
+          </p:cNvSpPr>
+          <p:nvPr>
+            <p:ph type="sldImg" idx="2"/>
+          </p:nvPr>
+        </p:nvSpPr>
+        <p:spPr>
+          <a:xfrm>
+            <a:off x="1143000" y="685800"/>
+            <a:ext cx="4572000" cy="3429000"/>
+          </a:xfrm>
+          <a:custGeom>
+            <a:avLst/>
+            <a:gdLst/>
+            <a:ahLst/>
+            <a:cxnLst/>
+            <a:rect l="l" t="t" r="r" b="b"/>
+            <a:pathLst>
+              <a:path w="120000" h="120000" extrusionOk="0">
+                <a:moveTo>
+                  <a:pt x="0" y="0"/>
+                </a:moveTo>
+                <a:lnTo>
+                  <a:pt x="120000" y="0"/>
+                </a:lnTo>
+                <a:lnTo>
+                  <a:pt x="120000" y="120000"/>
+                </a:lnTo>
+                <a:lnTo>
+                  <a:pt x="0" y="120000"/>
+                </a:lnTo>
+                <a:close/>
+              </a:path>
+            </a:pathLst>
+          </a:custGeom>
+        </p:spPr>
+      </p:sp>
+      <p:sp>
+        <p:nvSpPr>
+          <p:cNvPr id="81" name="Google Shape;81;geed6aedbf_0_0:notes"/>
+          <p:cNvSpPr txBox="1">
+            <a:spLocks noGrp="1"/>
+          </p:cNvSpPr>
+          <p:nvPr>
+            <p:ph type="body" idx="1"/>
+          </p:nvPr>
+        </p:nvSpPr>
+        <p:spPr>
+          <a:xfrm>
+            <a:off x="685800" y="4343400"/>
+            <a:ext cx="5486400" cy="4114800"/>
+          </a:xfrm>
+          <a:prstGeom prst="rect">
+            <a:avLst/>
+          </a:prstGeom>
+        </p:spPr>
+        <p:txBody>
+          <a:bodyPr spcFirstLastPara="1" wrap="square" lIns="91425" tIns="91425" rIns="91425" bIns="91425" anchor="t" anchorCtr="0">
+            <a:noAutofit/>
+          </a:bodyPr>
+          <a:lstStyle/>
+          <a:p>
+            <a:pPr marL="0" lvl="0" indent="0" algn="l" rtl="0">
+              <a:spcBef>
+                <a:spcPts val="0"/>
+              </a:spcBef>
+              <a:spcAft>
+                <a:spcPts val="0"/>
+              </a:spcAft>
+              <a:buNone/>
+            </a:pPr>
+            <a:endParaRPr dirty="0"/>
+          </a:p>
+        </p:txBody>
+      </p:sp>
+    </p:spTree>
+    <p:extLst>
+      <p:ext uri="{BB962C8B-B14F-4D97-AF65-F5344CB8AC3E}">
+        <p14:creationId xmlns:p14="http://schemas.microsoft.com/office/powerpoint/2010/main" val="4123411195"/>
+      </p:ext>
+    </p:extLst>
+  </p:cSld>
+  <p:clrMapOvr>
+    <a:masterClrMapping/>
+  </p:clrMapOvr>
+</p:notes>
+</file>
+
+<file path=ppt/notesSlides/notesSlide21.xml><?xml version="1.0" encoding="utf-8"?>
 <p:notes xmlns:a="http://schemas.openxmlformats.org/drawingml/2006/main" xmlns:r="http://schemas.openxmlformats.org/officeDocument/2006/relationships" xmlns:p="http://schemas.openxmlformats.org/presentationml/2006/main" showMasterSp="0" showMasterPhAnim="0">
   <p:cSld>
     <p:spTree>
@@ -8148,7 +8258,7 @@
     </p:spTree>
     <p:extLst>
       <p:ext uri="{BB962C8B-B14F-4D97-AF65-F5344CB8AC3E}">
-        <p14:creationId xmlns:p14="http://schemas.microsoft.com/office/powerpoint/2010/main" val="3153866496"/>
+        <p14:creationId xmlns:p14="http://schemas.microsoft.com/office/powerpoint/2010/main" val="2129131425"/>
       </p:ext>
     </p:extLst>
   </p:cSld>
@@ -8257,7 +8367,7 @@
     </p:spTree>
     <p:extLst>
       <p:ext uri="{BB962C8B-B14F-4D97-AF65-F5344CB8AC3E}">
-        <p14:creationId xmlns:p14="http://schemas.microsoft.com/office/powerpoint/2010/main" val="2129131425"/>
+        <p14:creationId xmlns:p14="http://schemas.microsoft.com/office/powerpoint/2010/main" val="1365029271"/>
       </p:ext>
     </p:extLst>
   </p:cSld>
@@ -8366,7 +8476,7 @@
     </p:spTree>
     <p:extLst>
       <p:ext uri="{BB962C8B-B14F-4D97-AF65-F5344CB8AC3E}">
-        <p14:creationId xmlns:p14="http://schemas.microsoft.com/office/powerpoint/2010/main" val="1365029271"/>
+        <p14:creationId xmlns:p14="http://schemas.microsoft.com/office/powerpoint/2010/main" val="268705387"/>
       </p:ext>
     </p:extLst>
   </p:cSld>
@@ -8475,7 +8585,7 @@
     </p:spTree>
     <p:extLst>
       <p:ext uri="{BB962C8B-B14F-4D97-AF65-F5344CB8AC3E}">
-        <p14:creationId xmlns:p14="http://schemas.microsoft.com/office/powerpoint/2010/main" val="268705387"/>
+        <p14:creationId xmlns:p14="http://schemas.microsoft.com/office/powerpoint/2010/main" val="3644939635"/>
       </p:ext>
     </p:extLst>
   </p:cSld>
@@ -8584,7 +8694,7 @@
     </p:spTree>
     <p:extLst>
       <p:ext uri="{BB962C8B-B14F-4D97-AF65-F5344CB8AC3E}">
-        <p14:creationId xmlns:p14="http://schemas.microsoft.com/office/powerpoint/2010/main" val="3644939635"/>
+        <p14:creationId xmlns:p14="http://schemas.microsoft.com/office/powerpoint/2010/main" val="3153866496"/>
       </p:ext>
     </p:extLst>
   </p:cSld>
@@ -8802,7 +8912,7 @@
     </p:spTree>
     <p:extLst>
       <p:ext uri="{BB962C8B-B14F-4D97-AF65-F5344CB8AC3E}">
-        <p14:creationId xmlns:p14="http://schemas.microsoft.com/office/powerpoint/2010/main" val="2898382341"/>
+        <p14:creationId xmlns:p14="http://schemas.microsoft.com/office/powerpoint/2010/main" val="3884344275"/>
       </p:ext>
     </p:extLst>
   </p:cSld>
@@ -14040,131 +14150,18 @@
             <a:pPr lvl="0"/>
             <a:r>
               <a:rPr lang="en-GB" sz="4000" dirty="0"/>
-              <a:t>Select what to optimize (1)</a:t>
-            </a:r>
-          </a:p>
-        </p:txBody>
-      </p:sp>
-      <p:sp>
-        <p:nvSpPr>
-          <p:cNvPr id="84" name="Google Shape;84;p14"/>
-          <p:cNvSpPr txBox="1">
-            <a:spLocks noGrp="1"/>
-          </p:cNvSpPr>
-          <p:nvPr>
-            <p:ph type="body" idx="1"/>
-          </p:nvPr>
-        </p:nvSpPr>
-        <p:spPr>
-          <a:xfrm>
-            <a:off x="162750" y="1051896"/>
-            <a:ext cx="8818500" cy="5435398"/>
-          </a:xfrm>
-          <a:prstGeom prst="rect">
-            <a:avLst/>
-          </a:prstGeom>
-        </p:spPr>
-        <p:txBody>
-          <a:bodyPr spcFirstLastPara="1" wrap="square" lIns="91425" tIns="91425" rIns="91425" bIns="91425" anchor="t" anchorCtr="0">
-            <a:noAutofit/>
-          </a:bodyPr>
-          <a:lstStyle/>
-          <a:p>
-            <a:pPr lvl="0"/>
-            <a:r>
-              <a:rPr lang="en-GB" b="1" dirty="0"/>
-              <a:t>Loss function</a:t>
-            </a:r>
-            <a:r>
-              <a:rPr lang="en-GB" dirty="0"/>
-              <a:t>: a measure of how well our predictions are</a:t>
-            </a:r>
-          </a:p>
-          <a:p>
-            <a:pPr lvl="1"/>
-            <a:r>
-              <a:rPr lang="en-GB" dirty="0"/>
-              <a:t>MSE (mean squared error, or L2 loss)</a:t>
-            </a:r>
-          </a:p>
-          <a:p>
-            <a:pPr lvl="1"/>
-            <a:r>
-              <a:rPr lang="en-GB" dirty="0"/>
-              <a:t>average squared difference between the "predicted" and "true" values </a:t>
-            </a:r>
-          </a:p>
-          <a:p>
-            <a:pPr lvl="1"/>
-            <a:r>
-              <a:rPr lang="en-GB" dirty="0"/>
-              <a:t>straightforward in supervised learning (training/test set): in RL the "predicted values" are those from the neural network, but the "true values"?</a:t>
-            </a:r>
-          </a:p>
-          <a:p>
-            <a:pPr lvl="1"/>
-            <a:endParaRPr lang="en-GB" dirty="0"/>
-          </a:p>
-          <a:p>
-            <a:pPr lvl="1"/>
-            <a:endParaRPr lang="en-GB" sz="1000" dirty="0"/>
-          </a:p>
-          <a:p>
-            <a:r>
-              <a:rPr lang="en-GB" dirty="0"/>
-              <a:t>We don’t have sample of that optimal values, but remember that</a:t>
-            </a:r>
-          </a:p>
-          <a:p>
-            <a:endParaRPr lang="en-GB" dirty="0"/>
-          </a:p>
-          <a:p>
-            <a:endParaRPr lang="en-GB" dirty="0"/>
-          </a:p>
-          <a:p>
-            <a:pPr lvl="1"/>
-            <a:r>
-              <a:rPr lang="en-GB" dirty="0"/>
-              <a:t>we can use the same principle of generalized policy iteration: alternate between policy-evaluation and policy-improvement</a:t>
-            </a:r>
-          </a:p>
-          <a:p>
-            <a:pPr lvl="1"/>
-            <a:r>
-              <a:rPr lang="en-GB" dirty="0"/>
-              <a:t>however, using non-linear approximation cannot guarantees convergence</a:t>
-            </a:r>
-          </a:p>
-          <a:p>
-            <a:pPr lvl="1"/>
-            <a:endParaRPr lang="en-GB" sz="500" dirty="0"/>
-          </a:p>
-          <a:p>
-            <a:r>
-              <a:rPr lang="en-GB" dirty="0"/>
-              <a:t>We can use as "true values" the TD targets, which depend on a prediction also coming from the network, the value of the next state, in a circular dependency</a:t>
-            </a:r>
-          </a:p>
-          <a:p>
-            <a:endParaRPr lang="en-GB" dirty="0"/>
-          </a:p>
-          <a:p>
-            <a:endParaRPr lang="en-GB" dirty="0"/>
-          </a:p>
-          <a:p>
-            <a:pPr marL="120650" indent="0">
-              <a:buNone/>
-            </a:pPr>
-            <a:endParaRPr lang="en-GB" dirty="0"/>
+              <a:t>Select the neural architecture (2)</a:t>
+            </a:r>
+            <a:endParaRPr sz="4000" dirty="0"/>
           </a:p>
         </p:txBody>
       </p:sp>
       <p:pic>
         <p:nvPicPr>
-          <p:cNvPr id="7" name="Immagine 6">
+          <p:cNvPr id="3" name="Immagine 2">
             <a:extLst>
               <a:ext uri="{FF2B5EF4-FFF2-40B4-BE49-F238E27FC236}">
-                <a16:creationId xmlns:a16="http://schemas.microsoft.com/office/drawing/2014/main" id="{0669E2B1-8308-4DD7-D4D7-E736820EE5EF}"/>
+                <a16:creationId xmlns:a16="http://schemas.microsoft.com/office/drawing/2014/main" id="{FA52161C-69EC-F419-1FFD-E7D89DAE11BF}"/>
               </a:ext>
             </a:extLst>
           </p:cNvPr>
@@ -14181,38 +14178,8 @@
         </p:blipFill>
         <p:spPr>
           <a:xfrm>
-            <a:off x="825500" y="3892375"/>
-            <a:ext cx="3708400" cy="457200"/>
-          </a:xfrm>
-          <a:prstGeom prst="rect">
-            <a:avLst/>
-          </a:prstGeom>
-        </p:spPr>
-      </p:pic>
-      <p:pic>
-        <p:nvPicPr>
-          <p:cNvPr id="8" name="Immagine 7">
-            <a:extLst>
-              <a:ext uri="{FF2B5EF4-FFF2-40B4-BE49-F238E27FC236}">
-                <a16:creationId xmlns:a16="http://schemas.microsoft.com/office/drawing/2014/main" id="{462C2A70-2460-F42A-A06F-B8592540FAA4}"/>
-              </a:ext>
-            </a:extLst>
-          </p:cNvPr>
-          <p:cNvPicPr>
-            <a:picLocks noChangeAspect="1"/>
-          </p:cNvPicPr>
-          <p:nvPr/>
-        </p:nvPicPr>
-        <p:blipFill>
-          <a:blip r:embed="rId4"/>
-          <a:stretch>
-            <a:fillRect/>
-          </a:stretch>
-        </p:blipFill>
-        <p:spPr>
-          <a:xfrm>
-            <a:off x="825500" y="2891484"/>
-            <a:ext cx="3746500" cy="393700"/>
+            <a:off x="311700" y="1540922"/>
+            <a:ext cx="8813069" cy="4091782"/>
           </a:xfrm>
           <a:prstGeom prst="rect">
             <a:avLst/>
@@ -14222,7 +14189,7 @@
     </p:spTree>
     <p:extLst>
       <p:ext uri="{BB962C8B-B14F-4D97-AF65-F5344CB8AC3E}">
-        <p14:creationId xmlns:p14="http://schemas.microsoft.com/office/powerpoint/2010/main" val="1783712705"/>
+        <p14:creationId xmlns:p14="http://schemas.microsoft.com/office/powerpoint/2010/main" val="1139223116"/>
       </p:ext>
     </p:extLst>
   </p:cSld>
@@ -14277,9 +14244,8 @@
             <a:pPr lvl="0"/>
             <a:r>
               <a:rPr lang="en-GB" sz="4000" dirty="0"/>
-              <a:t>Select what to optimize (2)</a:t>
-            </a:r>
-            <a:endParaRPr sz="4000" dirty="0"/>
+              <a:t>Select what to optimize (1)</a:t>
+            </a:r>
           </a:p>
         </p:txBody>
       </p:sp>
@@ -14295,8 +14261,8 @@
         </p:nvSpPr>
         <p:spPr>
           <a:xfrm>
-            <a:off x="162750" y="1212537"/>
-            <a:ext cx="8818500" cy="5224230"/>
+            <a:off x="162750" y="1051896"/>
+            <a:ext cx="8818500" cy="5435398"/>
           </a:xfrm>
           <a:prstGeom prst="rect">
             <a:avLst/>
@@ -14309,79 +14275,100 @@
           <a:lstStyle/>
           <a:p>
             <a:pPr lvl="0"/>
+            <a:r>
+              <a:rPr lang="en-GB" b="1" dirty="0"/>
+              <a:t>Loss function</a:t>
+            </a:r>
+            <a:r>
+              <a:rPr lang="en-GB" dirty="0"/>
+              <a:t>: a measure of how well our predictions are</a:t>
+            </a:r>
+          </a:p>
+          <a:p>
+            <a:pPr lvl="1"/>
+            <a:r>
+              <a:rPr lang="en-GB" dirty="0"/>
+              <a:t>MSE (mean squared error, or L2 loss)</a:t>
+            </a:r>
+          </a:p>
+          <a:p>
+            <a:pPr lvl="1"/>
+            <a:r>
+              <a:rPr lang="en-GB" dirty="0"/>
+              <a:t>average squared difference between the "predicted" and "true" values </a:t>
+            </a:r>
+          </a:p>
+          <a:p>
+            <a:pPr lvl="1"/>
+            <a:r>
+              <a:rPr lang="en-GB" dirty="0"/>
+              <a:t>straightforward in supervised learning (training/test set): in RL the "predicted values" are those from the neural network, but the "true values"?</a:t>
+            </a:r>
+          </a:p>
+          <a:p>
+            <a:pPr lvl="1"/>
             <a:endParaRPr lang="en-GB" dirty="0"/>
           </a:p>
           <a:p>
-            <a:pPr lvl="0"/>
+            <a:pPr lvl="1"/>
+            <a:endParaRPr lang="en-GB" sz="1000" dirty="0"/>
+          </a:p>
+          <a:p>
+            <a:r>
+              <a:rPr lang="en-GB" dirty="0"/>
+              <a:t>We don’t have sample of that optimal values, but remember that</a:t>
+            </a:r>
+          </a:p>
+          <a:p>
             <a:endParaRPr lang="en-GB" dirty="0"/>
           </a:p>
           <a:p>
-            <a:pPr lvl="0"/>
             <a:endParaRPr lang="en-GB" dirty="0"/>
           </a:p>
           <a:p>
-            <a:pPr lvl="0"/>
+            <a:pPr lvl="1"/>
+            <a:r>
+              <a:rPr lang="en-GB" dirty="0"/>
+              <a:t>we can use the same principle of generalized policy iteration: alternate between policy-evaluation and policy-improvement</a:t>
+            </a:r>
+          </a:p>
+          <a:p>
+            <a:pPr lvl="1"/>
+            <a:r>
+              <a:rPr lang="en-GB" dirty="0"/>
+              <a:t>however, using non-linear approximation cannot guarantees convergence</a:t>
+            </a:r>
+          </a:p>
+          <a:p>
+            <a:pPr lvl="1"/>
+            <a:endParaRPr lang="en-GB" sz="500" dirty="0"/>
+          </a:p>
+          <a:p>
+            <a:r>
+              <a:rPr lang="en-GB" dirty="0"/>
+              <a:t>We can use as "true values" the TD targets, which depend on a prediction also coming from the network, the value of the next state, in a circular dependency</a:t>
+            </a:r>
+          </a:p>
+          <a:p>
             <a:endParaRPr lang="en-GB" dirty="0"/>
           </a:p>
           <a:p>
-            <a:pPr lvl="0"/>
             <a:endParaRPr lang="en-GB" dirty="0"/>
           </a:p>
           <a:p>
-            <a:pPr lvl="0"/>
+            <a:pPr marL="120650" indent="0">
+              <a:buNone/>
+            </a:pPr>
             <a:endParaRPr lang="en-GB" dirty="0"/>
-          </a:p>
-          <a:p>
-            <a:pPr lvl="0"/>
-            <a:endParaRPr lang="en-GB" dirty="0"/>
-          </a:p>
-          <a:p>
-            <a:pPr lvl="0"/>
-            <a:endParaRPr lang="en-GB" dirty="0"/>
-          </a:p>
-          <a:p>
-            <a:pPr lvl="0"/>
-            <a:endParaRPr lang="en-GB" dirty="0"/>
-          </a:p>
-          <a:p>
-            <a:pPr lvl="0"/>
-            <a:endParaRPr lang="en-GB" dirty="0"/>
-          </a:p>
-          <a:p>
-            <a:pPr lvl="0"/>
-            <a:endParaRPr lang="en-GB" dirty="0"/>
-          </a:p>
-          <a:p>
-            <a:pPr lvl="0"/>
-            <a:endParaRPr lang="en-GB" dirty="0"/>
-          </a:p>
-          <a:p>
-            <a:pPr lvl="0"/>
-            <a:endParaRPr lang="en-GB" dirty="0"/>
-          </a:p>
-          <a:p>
-            <a:pPr lvl="0"/>
-            <a:endParaRPr lang="en-GB" dirty="0"/>
-          </a:p>
-          <a:p>
-            <a:pPr lvl="0"/>
-            <a:endParaRPr lang="en-GB" dirty="0"/>
-          </a:p>
-          <a:p>
-            <a:pPr lvl="0"/>
-            <a:r>
-              <a:rPr lang="en-GB" dirty="0"/>
-              <a:t>This circular dependency is bad: it’s not well behaved because it doesn’t respect several of the assumptions made in supervised learning problems</a:t>
-            </a:r>
           </a:p>
         </p:txBody>
       </p:sp>
       <p:pic>
         <p:nvPicPr>
-          <p:cNvPr id="4" name="Immagine 3">
+          <p:cNvPr id="7" name="Immagine 6">
             <a:extLst>
               <a:ext uri="{FF2B5EF4-FFF2-40B4-BE49-F238E27FC236}">
-                <a16:creationId xmlns:a16="http://schemas.microsoft.com/office/drawing/2014/main" id="{A813D473-EF1C-C9BF-A3C9-93713B4966E9}"/>
+                <a16:creationId xmlns:a16="http://schemas.microsoft.com/office/drawing/2014/main" id="{0669E2B1-8308-4DD7-D4D7-E736820EE5EF}"/>
               </a:ext>
             </a:extLst>
           </p:cNvPr>
@@ -14398,8 +14385,38 @@
         </p:blipFill>
         <p:spPr>
           <a:xfrm>
-            <a:off x="311700" y="1402663"/>
-            <a:ext cx="8206035" cy="4052673"/>
+            <a:off x="1118463" y="3824597"/>
+            <a:ext cx="3708400" cy="457200"/>
+          </a:xfrm>
+          <a:prstGeom prst="rect">
+            <a:avLst/>
+          </a:prstGeom>
+        </p:spPr>
+      </p:pic>
+      <p:pic>
+        <p:nvPicPr>
+          <p:cNvPr id="8" name="Immagine 7">
+            <a:extLst>
+              <a:ext uri="{FF2B5EF4-FFF2-40B4-BE49-F238E27FC236}">
+                <a16:creationId xmlns:a16="http://schemas.microsoft.com/office/drawing/2014/main" id="{462C2A70-2460-F42A-A06F-B8592540FAA4}"/>
+              </a:ext>
+            </a:extLst>
+          </p:cNvPr>
+          <p:cNvPicPr>
+            <a:picLocks noChangeAspect="1"/>
+          </p:cNvPicPr>
+          <p:nvPr/>
+        </p:nvPicPr>
+        <p:blipFill>
+          <a:blip r:embed="rId4"/>
+          <a:stretch>
+            <a:fillRect/>
+          </a:stretch>
+        </p:blipFill>
+        <p:spPr>
+          <a:xfrm>
+            <a:off x="1118463" y="2900361"/>
+            <a:ext cx="3746500" cy="393700"/>
           </a:xfrm>
           <a:prstGeom prst="rect">
             <a:avLst/>
@@ -14409,7 +14426,7 @@
     </p:spTree>
     <p:extLst>
       <p:ext uri="{BB962C8B-B14F-4D97-AF65-F5344CB8AC3E}">
-        <p14:creationId xmlns:p14="http://schemas.microsoft.com/office/powerpoint/2010/main" val="301428442"/>
+        <p14:creationId xmlns:p14="http://schemas.microsoft.com/office/powerpoint/2010/main" val="1783712705"/>
       </p:ext>
     </p:extLst>
   </p:cSld>
@@ -14464,7 +14481,7 @@
             <a:pPr lvl="0"/>
             <a:r>
               <a:rPr lang="en-GB" sz="4000" dirty="0"/>
-              <a:t>Select what to optimize (3)</a:t>
+              <a:t>Select what to optimize (2)</a:t>
             </a:r>
             <a:endParaRPr sz="4000" dirty="0"/>
           </a:p>
@@ -14496,19 +14513,79 @@
           <a:lstStyle/>
           <a:p>
             <a:pPr lvl="0"/>
+            <a:endParaRPr lang="en-GB" dirty="0"/>
+          </a:p>
+          <a:p>
+            <a:pPr lvl="0"/>
+            <a:endParaRPr lang="en-GB" dirty="0"/>
+          </a:p>
+          <a:p>
+            <a:pPr lvl="0"/>
+            <a:endParaRPr lang="en-GB" dirty="0"/>
+          </a:p>
+          <a:p>
+            <a:pPr lvl="0"/>
+            <a:endParaRPr lang="en-GB" dirty="0"/>
+          </a:p>
+          <a:p>
+            <a:pPr lvl="0"/>
+            <a:endParaRPr lang="en-GB" dirty="0"/>
+          </a:p>
+          <a:p>
+            <a:pPr lvl="0"/>
+            <a:endParaRPr lang="en-GB" dirty="0"/>
+          </a:p>
+          <a:p>
+            <a:pPr lvl="0"/>
+            <a:endParaRPr lang="en-GB" dirty="0"/>
+          </a:p>
+          <a:p>
+            <a:pPr lvl="0"/>
+            <a:endParaRPr lang="en-GB" dirty="0"/>
+          </a:p>
+          <a:p>
+            <a:pPr lvl="0"/>
+            <a:endParaRPr lang="en-GB" dirty="0"/>
+          </a:p>
+          <a:p>
+            <a:pPr lvl="0"/>
+            <a:endParaRPr lang="en-GB" dirty="0"/>
+          </a:p>
+          <a:p>
+            <a:pPr lvl="0"/>
+            <a:endParaRPr lang="en-GB" dirty="0"/>
+          </a:p>
+          <a:p>
+            <a:pPr lvl="0"/>
+            <a:endParaRPr lang="en-GB" dirty="0"/>
+          </a:p>
+          <a:p>
+            <a:pPr lvl="0"/>
+            <a:endParaRPr lang="en-GB" dirty="0"/>
+          </a:p>
+          <a:p>
+            <a:pPr lvl="0"/>
+            <a:endParaRPr lang="en-GB" dirty="0"/>
+          </a:p>
+          <a:p>
+            <a:pPr lvl="0"/>
+            <a:endParaRPr lang="en-GB" dirty="0"/>
+          </a:p>
+          <a:p>
+            <a:pPr lvl="0"/>
             <a:r>
               <a:rPr lang="en-GB" dirty="0"/>
-              <a:t>There are multiple ways we can evaluate a policy:</a:t>
+              <a:t>This circular dependency is bad: it’s not well behaved because it doesn’t respect several of the assumptions made in supervised learning problems</a:t>
             </a:r>
           </a:p>
         </p:txBody>
       </p:sp>
       <p:pic>
         <p:nvPicPr>
-          <p:cNvPr id="3" name="Immagine 2">
+          <p:cNvPr id="4" name="Immagine 3">
             <a:extLst>
               <a:ext uri="{FF2B5EF4-FFF2-40B4-BE49-F238E27FC236}">
-                <a16:creationId xmlns:a16="http://schemas.microsoft.com/office/drawing/2014/main" id="{2D426960-D26F-8A21-A69B-68C77E97483B}"/>
+                <a16:creationId xmlns:a16="http://schemas.microsoft.com/office/drawing/2014/main" id="{A813D473-EF1C-C9BF-A3C9-93713B4966E9}"/>
               </a:ext>
             </a:extLst>
           </p:cNvPr>
@@ -14525,8 +14602,8 @@
         </p:blipFill>
         <p:spPr>
           <a:xfrm>
-            <a:off x="468184" y="1860907"/>
-            <a:ext cx="8364116" cy="4386060"/>
+            <a:off x="311700" y="1402663"/>
+            <a:ext cx="8206035" cy="4052673"/>
           </a:xfrm>
           <a:prstGeom prst="rect">
             <a:avLst/>
@@ -14536,7 +14613,7 @@
     </p:spTree>
     <p:extLst>
       <p:ext uri="{BB962C8B-B14F-4D97-AF65-F5344CB8AC3E}">
-        <p14:creationId xmlns:p14="http://schemas.microsoft.com/office/powerpoint/2010/main" val="1438984981"/>
+        <p14:creationId xmlns:p14="http://schemas.microsoft.com/office/powerpoint/2010/main" val="301428442"/>
       </p:ext>
     </p:extLst>
   </p:cSld>
@@ -14591,7 +14668,7 @@
             <a:pPr lvl="0"/>
             <a:r>
               <a:rPr lang="en-GB" sz="4000" dirty="0"/>
-              <a:t>Select what to optimize (4)</a:t>
+              <a:t>Select what to optimize (3)</a:t>
             </a:r>
             <a:endParaRPr sz="4000" dirty="0"/>
           </a:p>
@@ -14625,51 +14702,7 @@
             <a:pPr lvl="0"/>
             <a:r>
               <a:rPr lang="en-GB" dirty="0"/>
-              <a:t>We can use any of these targets and get solid results, however we keep things simple and use the off-policy TD target (Q-learning): </a:t>
-            </a:r>
-          </a:p>
-          <a:p>
-            <a:pPr lvl="0"/>
-            <a:endParaRPr lang="en-GB" dirty="0"/>
-          </a:p>
-          <a:p>
-            <a:pPr lvl="0"/>
-            <a:endParaRPr lang="en-GB" dirty="0"/>
-          </a:p>
-          <a:p>
-            <a:pPr marL="120650" lvl="0" indent="0">
-              <a:buNone/>
-            </a:pPr>
-            <a:endParaRPr lang="en-GB" dirty="0"/>
-          </a:p>
-          <a:p>
-            <a:pPr lvl="0"/>
-            <a:r>
-              <a:rPr lang="en-GB" dirty="0"/>
-              <a:t>Now, we can substitute in the loss function definition:</a:t>
-            </a:r>
-          </a:p>
-          <a:p>
-            <a:pPr lvl="0"/>
-            <a:endParaRPr lang="en-GB" dirty="0"/>
-          </a:p>
-          <a:p>
-            <a:pPr lvl="0"/>
-            <a:endParaRPr lang="en-GB" dirty="0"/>
-          </a:p>
-          <a:p>
-            <a:pPr lvl="0"/>
-            <a:endParaRPr lang="en-GB" dirty="0"/>
-          </a:p>
-          <a:p>
-            <a:pPr lvl="0"/>
-            <a:endParaRPr lang="en-GB" dirty="0"/>
-          </a:p>
-          <a:p>
-            <a:pPr lvl="0"/>
-            <a:r>
-              <a:rPr lang="en-GB" dirty="0"/>
-              <a:t>Notice that in RL, the "true values" depend on predicted values themselves: they come from the model.</a:t>
+              <a:t>There are multiple ways we can evaluate a policy:</a:t>
             </a:r>
           </a:p>
         </p:txBody>
@@ -14679,7 +14712,7 @@
           <p:cNvPr id="3" name="Immagine 2">
             <a:extLst>
               <a:ext uri="{FF2B5EF4-FFF2-40B4-BE49-F238E27FC236}">
-                <a16:creationId xmlns:a16="http://schemas.microsoft.com/office/drawing/2014/main" id="{C6FC2CA8-512A-321B-1839-8CDB3BA8FE46}"/>
+                <a16:creationId xmlns:a16="http://schemas.microsoft.com/office/drawing/2014/main" id="{2D426960-D26F-8A21-A69B-68C77E97483B}"/>
               </a:ext>
             </a:extLst>
           </p:cNvPr>
@@ -14696,38 +14729,8 @@
         </p:blipFill>
         <p:spPr>
           <a:xfrm>
-            <a:off x="738144" y="1999392"/>
-            <a:ext cx="7099300" cy="635000"/>
-          </a:xfrm>
-          <a:prstGeom prst="rect">
-            <a:avLst/>
-          </a:prstGeom>
-        </p:spPr>
-      </p:pic>
-      <p:pic>
-        <p:nvPicPr>
-          <p:cNvPr id="5" name="Immagine 4" descr="Immagine che contiene testo&#10;&#10;Descrizione generata automaticamente">
-            <a:extLst>
-              <a:ext uri="{FF2B5EF4-FFF2-40B4-BE49-F238E27FC236}">
-                <a16:creationId xmlns:a16="http://schemas.microsoft.com/office/drawing/2014/main" id="{33CEF329-48B2-D779-0CE4-CD756CF96C98}"/>
-              </a:ext>
-            </a:extLst>
-          </p:cNvPr>
-          <p:cNvPicPr>
-            <a:picLocks noChangeAspect="1"/>
-          </p:cNvPicPr>
-          <p:nvPr/>
-        </p:nvPicPr>
-        <p:blipFill>
-          <a:blip r:embed="rId4"/>
-          <a:stretch>
-            <a:fillRect/>
-          </a:stretch>
-        </p:blipFill>
-        <p:spPr>
-          <a:xfrm>
-            <a:off x="738144" y="3278279"/>
-            <a:ext cx="5156200" cy="838200"/>
+            <a:off x="468184" y="1860907"/>
+            <a:ext cx="8364116" cy="4386060"/>
           </a:xfrm>
           <a:prstGeom prst="rect">
             <a:avLst/>
@@ -14737,7 +14740,7 @@
     </p:spTree>
     <p:extLst>
       <p:ext uri="{BB962C8B-B14F-4D97-AF65-F5344CB8AC3E}">
-        <p14:creationId xmlns:p14="http://schemas.microsoft.com/office/powerpoint/2010/main" val="771520974"/>
+        <p14:creationId xmlns:p14="http://schemas.microsoft.com/office/powerpoint/2010/main" val="1438984981"/>
       </p:ext>
     </p:extLst>
   </p:cSld>
@@ -14792,7 +14795,7 @@
             <a:pPr lvl="0"/>
             <a:r>
               <a:rPr lang="en-GB" sz="4000" dirty="0"/>
-              <a:t>Select the exploration strategy</a:t>
+              <a:t>Select what to optimize (4)</a:t>
             </a:r>
             <a:endParaRPr sz="4000" dirty="0"/>
           </a:p>
@@ -14810,7 +14813,7 @@
         </p:nvSpPr>
         <p:spPr>
           <a:xfrm>
-            <a:off x="162750" y="1212537"/>
+            <a:off x="162750" y="1043733"/>
             <a:ext cx="8818500" cy="5224230"/>
           </a:xfrm>
           <a:prstGeom prst="rect">
@@ -14826,62 +14829,206 @@
             <a:pPr lvl="0"/>
             <a:r>
               <a:rPr lang="en-GB" dirty="0"/>
-              <a:t>We need to balance the exploration-exploitation trade-off</a:t>
-            </a:r>
-          </a:p>
-          <a:p>
-            <a:pPr lvl="1"/>
+              <a:t>We can use any of these targets and get solid results, however we keep things simple and use the off-policy TD target (Q-learning): </a:t>
+            </a:r>
+          </a:p>
+          <a:p>
+            <a:pPr lvl="0"/>
+            <a:endParaRPr lang="en-GB" sz="600" dirty="0"/>
+          </a:p>
+          <a:p>
+            <a:pPr lvl="0"/>
+            <a:endParaRPr lang="en-GB" dirty="0"/>
+          </a:p>
+          <a:p>
+            <a:pPr lvl="0"/>
+            <a:endParaRPr lang="en-GB" sz="1400" dirty="0"/>
+          </a:p>
+          <a:p>
+            <a:pPr lvl="0"/>
+            <a:endParaRPr lang="en-GB" dirty="0"/>
+          </a:p>
+          <a:p>
+            <a:pPr marL="120650" lvl="0" indent="0">
+              <a:buNone/>
+            </a:pPr>
+            <a:endParaRPr lang="en-GB" dirty="0"/>
+          </a:p>
+          <a:p>
+            <a:pPr lvl="0"/>
             <a:r>
               <a:rPr lang="en-GB" dirty="0"/>
-              <a:t>almost any technique would work fine</a:t>
-            </a:r>
-          </a:p>
-          <a:p>
-            <a:pPr lvl="1"/>
+              <a:t>Now, we can substitute in the loss function definition:</a:t>
+            </a:r>
+          </a:p>
+          <a:p>
+            <a:pPr lvl="0"/>
+            <a:endParaRPr lang="en-GB" dirty="0"/>
+          </a:p>
+          <a:p>
+            <a:pPr lvl="0"/>
+            <a:endParaRPr lang="en-GB" dirty="0"/>
+          </a:p>
+          <a:p>
+            <a:pPr lvl="0"/>
+            <a:endParaRPr lang="en-GB" dirty="0"/>
+          </a:p>
+          <a:p>
+            <a:pPr lvl="0"/>
             <a:r>
               <a:rPr lang="en-GB" dirty="0"/>
-              <a:t>to keep things simple, we’re going to use an epsilon-greedy strategy </a:t>
-            </a:r>
-          </a:p>
-          <a:p>
-            <a:pPr lvl="1"/>
+              <a:t>In ML we have </a:t>
+            </a:r>
+            <a:r>
+              <a:rPr lang="en-GB" b="1" dirty="0"/>
+              <a:t>predicted values</a:t>
+            </a:r>
+            <a:r>
+              <a:rPr lang="en-GB" dirty="0"/>
+              <a:t> (from the learning model) and </a:t>
+            </a:r>
+            <a:r>
+              <a:rPr lang="en-GB" b="1" dirty="0"/>
+              <a:t>true values </a:t>
+            </a:r>
+            <a:r>
+              <a:rPr lang="en-GB" dirty="0"/>
+              <a:t>(commonly constants and provided in advance)</a:t>
+            </a:r>
+          </a:p>
+          <a:p>
+            <a:pPr lvl="0"/>
+            <a:r>
+              <a:rPr lang="en-GB" dirty="0"/>
+              <a:t>In RL, the "true values" </a:t>
+            </a:r>
+            <a:r>
+              <a:rPr lang="en-GB" b="1" dirty="0"/>
+              <a:t>depend on predicted values themselves</a:t>
+            </a:r>
+            <a:r>
+              <a:rPr lang="en-GB" dirty="0"/>
+              <a:t>: they come from the model, however </a:t>
+            </a:r>
+            <a:r>
+              <a:rPr lang="en-GB" b="1" dirty="0"/>
+              <a:t>they should be treated as a constant</a:t>
+            </a:r>
+            <a:r>
+              <a:rPr lang="en-GB" dirty="0"/>
+              <a:t>. </a:t>
+            </a:r>
+          </a:p>
+          <a:p>
+            <a:pPr lvl="0"/>
             <a:endParaRPr lang="en-GB" dirty="0"/>
           </a:p>
           <a:p>
-            <a:r>
-              <a:rPr lang="en-GB" dirty="0"/>
-              <a:t>Remember that the implication of the off-policy learning: two policies</a:t>
-            </a:r>
-          </a:p>
-          <a:p>
-            <a:pPr lvl="1"/>
-            <a:r>
-              <a:rPr lang="en-GB" dirty="0"/>
-              <a:t>a policy that generates behaviour (in this case is an epsilon-greedy policy) </a:t>
-            </a:r>
-          </a:p>
-          <a:p>
-            <a:pPr lvl="1"/>
-            <a:r>
-              <a:rPr lang="en-GB" dirty="0"/>
-              <a:t>a policy that we’re learning about </a:t>
-            </a:r>
-          </a:p>
-          <a:p>
+            <a:pPr lvl="0"/>
             <a:endParaRPr lang="en-GB" dirty="0"/>
           </a:p>
           <a:p>
-            <a:r>
-              <a:rPr lang="en-GB" dirty="0"/>
-              <a:t>However, when evaluating the agent, we will use the action greedy with respect to the learned action-value function.</a:t>
-            </a:r>
+            <a:pPr marL="120650" lvl="0" indent="0">
+              <a:buNone/>
+            </a:pPr>
+            <a:endParaRPr lang="en-GB" dirty="0"/>
           </a:p>
         </p:txBody>
       </p:sp>
+      <p:pic>
+        <p:nvPicPr>
+          <p:cNvPr id="4" name="Immagine 3" descr="Immagine che contiene testo, Carattere, calligrafia, bianco&#10;&#10;Descrizione generata automaticamente">
+            <a:extLst>
+              <a:ext uri="{FF2B5EF4-FFF2-40B4-BE49-F238E27FC236}">
+                <a16:creationId xmlns:a16="http://schemas.microsoft.com/office/drawing/2014/main" id="{7475F5FE-5F7A-3ABD-955C-C453823C1969}"/>
+              </a:ext>
+            </a:extLst>
+          </p:cNvPr>
+          <p:cNvPicPr>
+            <a:picLocks noChangeAspect="1"/>
+          </p:cNvPicPr>
+          <p:nvPr/>
+        </p:nvPicPr>
+        <p:blipFill>
+          <a:blip r:embed="rId3"/>
+          <a:stretch>
+            <a:fillRect/>
+          </a:stretch>
+        </p:blipFill>
+        <p:spPr>
+          <a:xfrm>
+            <a:off x="685800" y="1890793"/>
+            <a:ext cx="7772400" cy="1013791"/>
+          </a:xfrm>
+          <a:prstGeom prst="rect">
+            <a:avLst/>
+          </a:prstGeom>
+        </p:spPr>
+      </p:pic>
+      <p:pic>
+        <p:nvPicPr>
+          <p:cNvPr id="7" name="Immagine 6" descr="Immagine che contiene Carattere, testo, tipografia, calligrafia&#10;&#10;Descrizione generata automaticamente">
+            <a:extLst>
+              <a:ext uri="{FF2B5EF4-FFF2-40B4-BE49-F238E27FC236}">
+                <a16:creationId xmlns:a16="http://schemas.microsoft.com/office/drawing/2014/main" id="{F922FECF-5B36-AA15-5C47-216E3070C83F}"/>
+              </a:ext>
+            </a:extLst>
+          </p:cNvPr>
+          <p:cNvPicPr>
+            <a:picLocks noChangeAspect="1"/>
+          </p:cNvPicPr>
+          <p:nvPr/>
+        </p:nvPicPr>
+        <p:blipFill>
+          <a:blip r:embed="rId4"/>
+          <a:stretch>
+            <a:fillRect/>
+          </a:stretch>
+        </p:blipFill>
+        <p:spPr>
+          <a:xfrm>
+            <a:off x="685800" y="3376994"/>
+            <a:ext cx="6019800" cy="749300"/>
+          </a:xfrm>
+          <a:prstGeom prst="rect">
+            <a:avLst/>
+          </a:prstGeom>
+        </p:spPr>
+      </p:pic>
+      <p:pic>
+        <p:nvPicPr>
+          <p:cNvPr id="9" name="Immagine 8">
+            <a:extLst>
+              <a:ext uri="{FF2B5EF4-FFF2-40B4-BE49-F238E27FC236}">
+                <a16:creationId xmlns:a16="http://schemas.microsoft.com/office/drawing/2014/main" id="{300A28DF-6901-60DB-343D-1CB16F74EF67}"/>
+              </a:ext>
+            </a:extLst>
+          </p:cNvPr>
+          <p:cNvPicPr>
+            <a:picLocks noChangeAspect="1"/>
+          </p:cNvPicPr>
+          <p:nvPr/>
+        </p:nvPicPr>
+        <p:blipFill>
+          <a:blip r:embed="rId5"/>
+          <a:stretch>
+            <a:fillRect/>
+          </a:stretch>
+        </p:blipFill>
+        <p:spPr>
+          <a:xfrm>
+            <a:off x="685800" y="5542039"/>
+            <a:ext cx="7772400" cy="725924"/>
+          </a:xfrm>
+          <a:prstGeom prst="rect">
+            <a:avLst/>
+          </a:prstGeom>
+        </p:spPr>
+      </p:pic>
     </p:spTree>
     <p:extLst>
       <p:ext uri="{BB962C8B-B14F-4D97-AF65-F5344CB8AC3E}">
-        <p14:creationId xmlns:p14="http://schemas.microsoft.com/office/powerpoint/2010/main" val="2069157773"/>
+        <p14:creationId xmlns:p14="http://schemas.microsoft.com/office/powerpoint/2010/main" val="771520974"/>
       </p:ext>
     </p:extLst>
   </p:cSld>
@@ -14936,6 +15083,150 @@
             <a:pPr lvl="0"/>
             <a:r>
               <a:rPr lang="en-GB" sz="4000" dirty="0"/>
+              <a:t>Select the exploration strategy</a:t>
+            </a:r>
+            <a:endParaRPr sz="4000" dirty="0"/>
+          </a:p>
+        </p:txBody>
+      </p:sp>
+      <p:sp>
+        <p:nvSpPr>
+          <p:cNvPr id="84" name="Google Shape;84;p14"/>
+          <p:cNvSpPr txBox="1">
+            <a:spLocks noGrp="1"/>
+          </p:cNvSpPr>
+          <p:nvPr>
+            <p:ph type="body" idx="1"/>
+          </p:nvPr>
+        </p:nvSpPr>
+        <p:spPr>
+          <a:xfrm>
+            <a:off x="162750" y="1212537"/>
+            <a:ext cx="8818500" cy="5224230"/>
+          </a:xfrm>
+          <a:prstGeom prst="rect">
+            <a:avLst/>
+          </a:prstGeom>
+        </p:spPr>
+        <p:txBody>
+          <a:bodyPr spcFirstLastPara="1" wrap="square" lIns="91425" tIns="91425" rIns="91425" bIns="91425" anchor="t" anchorCtr="0">
+            <a:noAutofit/>
+          </a:bodyPr>
+          <a:lstStyle/>
+          <a:p>
+            <a:pPr lvl="0"/>
+            <a:r>
+              <a:rPr lang="en-GB" dirty="0"/>
+              <a:t>We need to balance the exploration-exploitation trade-off</a:t>
+            </a:r>
+          </a:p>
+          <a:p>
+            <a:pPr lvl="1"/>
+            <a:r>
+              <a:rPr lang="en-GB" dirty="0"/>
+              <a:t>almost any technique would work fine</a:t>
+            </a:r>
+          </a:p>
+          <a:p>
+            <a:pPr lvl="1"/>
+            <a:r>
+              <a:rPr lang="en-GB" dirty="0"/>
+              <a:t>to keep things simple, we’re going to use an epsilon-greedy strategy </a:t>
+            </a:r>
+          </a:p>
+          <a:p>
+            <a:pPr lvl="1"/>
+            <a:endParaRPr lang="en-GB" dirty="0"/>
+          </a:p>
+          <a:p>
+            <a:r>
+              <a:rPr lang="en-GB" dirty="0"/>
+              <a:t>Remember that the implication of the off-policy learning: two policies</a:t>
+            </a:r>
+          </a:p>
+          <a:p>
+            <a:pPr lvl="1"/>
+            <a:r>
+              <a:rPr lang="en-GB" dirty="0"/>
+              <a:t>a policy that generates behaviour (in this case is an epsilon-greedy policy) </a:t>
+            </a:r>
+          </a:p>
+          <a:p>
+            <a:pPr lvl="1"/>
+            <a:r>
+              <a:rPr lang="en-GB" dirty="0"/>
+              <a:t>a policy that we’re learning about </a:t>
+            </a:r>
+          </a:p>
+          <a:p>
+            <a:endParaRPr lang="en-GB" dirty="0"/>
+          </a:p>
+          <a:p>
+            <a:r>
+              <a:rPr lang="en-GB" dirty="0"/>
+              <a:t>However, when evaluating the agent, we will use the action greedy with respect to the learned action-value function</a:t>
+            </a:r>
+          </a:p>
+        </p:txBody>
+      </p:sp>
+    </p:spTree>
+    <p:extLst>
+      <p:ext uri="{BB962C8B-B14F-4D97-AF65-F5344CB8AC3E}">
+        <p14:creationId xmlns:p14="http://schemas.microsoft.com/office/powerpoint/2010/main" val="2069157773"/>
+      </p:ext>
+    </p:extLst>
+  </p:cSld>
+  <p:clrMapOvr>
+    <a:masterClrMapping/>
+  </p:clrMapOvr>
+</p:sld>
+</file>
+
+<file path=ppt/slides/slide16.xml><?xml version="1.0" encoding="utf-8"?>
+<p:sld xmlns:a="http://schemas.openxmlformats.org/drawingml/2006/main" xmlns:r="http://schemas.openxmlformats.org/officeDocument/2006/relationships" xmlns:p="http://schemas.openxmlformats.org/presentationml/2006/main">
+  <p:cSld>
+    <p:spTree>
+      <p:nvGrpSpPr>
+        <p:cNvPr id="1" name="Shape 82"/>
+        <p:cNvGrpSpPr/>
+        <p:nvPr/>
+      </p:nvGrpSpPr>
+      <p:grpSpPr>
+        <a:xfrm>
+          <a:off x="0" y="0"/>
+          <a:ext cx="0" cy="0"/>
+          <a:chOff x="0" y="0"/>
+          <a:chExt cx="0" cy="0"/>
+        </a:xfrm>
+      </p:grpSpPr>
+      <p:sp>
+        <p:nvSpPr>
+          <p:cNvPr id="83" name="Google Shape;83;p14"/>
+          <p:cNvSpPr txBox="1">
+            <a:spLocks noGrp="1"/>
+          </p:cNvSpPr>
+          <p:nvPr>
+            <p:ph type="title" idx="4294967295"/>
+          </p:nvPr>
+        </p:nvSpPr>
+        <p:spPr>
+          <a:xfrm>
+            <a:off x="311700" y="421233"/>
+            <a:ext cx="8520600" cy="622500"/>
+          </a:xfrm>
+          <a:prstGeom prst="rect">
+            <a:avLst/>
+          </a:prstGeom>
+        </p:spPr>
+        <p:txBody>
+          <a:bodyPr spcFirstLastPara="1" wrap="square" lIns="91425" tIns="91425" rIns="91425" bIns="91425" anchor="b" anchorCtr="0">
+            <a:noAutofit/>
+          </a:bodyPr>
+          <a:lstStyle/>
+          <a:p>
+            <a:pPr lvl="0"/>
+            <a:r>
+              <a:rPr lang="en-GB" sz="4000" dirty="0"/>
               <a:t>Select an optimization method</a:t>
             </a:r>
             <a:endParaRPr sz="4000" dirty="0"/>
@@ -15009,7 +15300,7 @@
           <a:p>
             <a:r>
               <a:rPr lang="en-GB" dirty="0"/>
-              <a:t>We need a more robust optimization method</a:t>
+              <a:t>We need a robust optimization method</a:t>
             </a:r>
           </a:p>
           <a:p>
@@ -15387,183 +15678,6 @@
 </p:sld>
 </file>
 
-<file path=ppt/slides/slide16.xml><?xml version="1.0" encoding="utf-8"?>
-<p:sld xmlns:a="http://schemas.openxmlformats.org/drawingml/2006/main" xmlns:r="http://schemas.openxmlformats.org/officeDocument/2006/relationships" xmlns:p="http://schemas.openxmlformats.org/presentationml/2006/main">
-  <p:cSld>
-    <p:spTree>
-      <p:nvGrpSpPr>
-        <p:cNvPr id="1" name="Shape 82"/>
-        <p:cNvGrpSpPr/>
-        <p:nvPr/>
-      </p:nvGrpSpPr>
-      <p:grpSpPr>
-        <a:xfrm>
-          <a:off x="0" y="0"/>
-          <a:ext cx="0" cy="0"/>
-          <a:chOff x="0" y="0"/>
-          <a:chExt cx="0" cy="0"/>
-        </a:xfrm>
-      </p:grpSpPr>
-      <p:sp>
-        <p:nvSpPr>
-          <p:cNvPr id="83" name="Google Shape;83;p14"/>
-          <p:cNvSpPr txBox="1">
-            <a:spLocks noGrp="1"/>
-          </p:cNvSpPr>
-          <p:nvPr>
-            <p:ph type="title" idx="4294967295"/>
-          </p:nvPr>
-        </p:nvSpPr>
-        <p:spPr>
-          <a:xfrm>
-            <a:off x="311700" y="421233"/>
-            <a:ext cx="8520600" cy="622500"/>
-          </a:xfrm>
-          <a:prstGeom prst="rect">
-            <a:avLst/>
-          </a:prstGeom>
-        </p:spPr>
-        <p:txBody>
-          <a:bodyPr spcFirstLastPara="1" wrap="square" lIns="91425" tIns="91425" rIns="91425" bIns="91425" anchor="b" anchorCtr="0">
-            <a:noAutofit/>
-          </a:bodyPr>
-          <a:lstStyle/>
-          <a:p>
-            <a:pPr lvl="0"/>
-            <a:r>
-              <a:rPr lang="en-GB" sz="4000" dirty="0"/>
-              <a:t>Neural Fitted Q (NFQ) (1)</a:t>
-            </a:r>
-            <a:endParaRPr sz="4000" dirty="0"/>
-          </a:p>
-        </p:txBody>
-      </p:sp>
-      <p:sp>
-        <p:nvSpPr>
-          <p:cNvPr id="84" name="Google Shape;84;p14"/>
-          <p:cNvSpPr txBox="1">
-            <a:spLocks noGrp="1"/>
-          </p:cNvSpPr>
-          <p:nvPr>
-            <p:ph type="body" idx="1"/>
-          </p:nvPr>
-        </p:nvSpPr>
-        <p:spPr>
-          <a:xfrm>
-            <a:off x="162750" y="1212537"/>
-            <a:ext cx="8818500" cy="5224230"/>
-          </a:xfrm>
-          <a:prstGeom prst="rect">
-            <a:avLst/>
-          </a:prstGeom>
-        </p:spPr>
-        <p:txBody>
-          <a:bodyPr spcFirstLastPara="1" wrap="square" lIns="91425" tIns="91425" rIns="91425" bIns="91425" anchor="t" anchorCtr="0">
-            <a:noAutofit/>
-          </a:bodyPr>
-          <a:lstStyle/>
-          <a:p>
-            <a:pPr lvl="0"/>
-            <a:r>
-              <a:rPr lang="en-GB" dirty="0"/>
-              <a:t>Now we can put things together: </a:t>
-            </a:r>
-          </a:p>
-          <a:p>
-            <a:pPr lvl="1"/>
-            <a:r>
-              <a:rPr lang="en-GB" dirty="0"/>
-              <a:t>approximate 𝑄(𝑠,𝑎;𝜃) using a fully connected NN </a:t>
-            </a:r>
-          </a:p>
-          <a:p>
-            <a:pPr lvl="1"/>
-            <a:r>
-              <a:rPr lang="en-GB" dirty="0"/>
-              <a:t>use the off-policy TD targets (𝑟 + 𝛾 max</a:t>
-            </a:r>
-            <a:r>
-              <a:rPr lang="en-GB" baseline="-25000" dirty="0"/>
-              <a:t>𝑎</a:t>
-            </a:r>
-            <a:r>
-              <a:rPr lang="en-GB" dirty="0"/>
-              <a:t>𝑄(𝑠′,𝑎;𝜃)) to evaluate policies; </a:t>
-            </a:r>
-          </a:p>
-          <a:p>
-            <a:pPr lvl="1"/>
-            <a:r>
-              <a:rPr lang="en-GB" dirty="0"/>
-              <a:t>use an epsilon-greedy strategy to improve policies; </a:t>
-            </a:r>
-          </a:p>
-          <a:p>
-            <a:pPr lvl="1"/>
-            <a:r>
-              <a:rPr lang="en-GB" dirty="0"/>
-              <a:t>use mean squared error (MSE) for the loss function; </a:t>
-            </a:r>
-          </a:p>
-          <a:p>
-            <a:pPr lvl="1"/>
-            <a:r>
-              <a:rPr lang="en-GB" dirty="0"/>
-              <a:t>and use RMSprop as optimizer</a:t>
-            </a:r>
-          </a:p>
-          <a:p>
-            <a:pPr lvl="0"/>
-            <a:r>
-              <a:rPr lang="en-GB" dirty="0"/>
-              <a:t>The full neural fitted Q-iteration (NFQ) algorithm has three main steps:</a:t>
-            </a:r>
-          </a:p>
-        </p:txBody>
-      </p:sp>
-      <p:pic>
-        <p:nvPicPr>
-          <p:cNvPr id="3" name="Immagine 2">
-            <a:extLst>
-              <a:ext uri="{FF2B5EF4-FFF2-40B4-BE49-F238E27FC236}">
-                <a16:creationId xmlns:a16="http://schemas.microsoft.com/office/drawing/2014/main" id="{4E0A20F3-A8E5-D1A0-849D-FC5BCA364D43}"/>
-              </a:ext>
-            </a:extLst>
-          </p:cNvPr>
-          <p:cNvPicPr>
-            <a:picLocks noChangeAspect="1"/>
-          </p:cNvPicPr>
-          <p:nvPr/>
-        </p:nvPicPr>
-        <p:blipFill>
-          <a:blip r:embed="rId3"/>
-          <a:stretch>
-            <a:fillRect/>
-          </a:stretch>
-        </p:blipFill>
-        <p:spPr>
-          <a:xfrm>
-            <a:off x="684679" y="3870854"/>
-            <a:ext cx="7099753" cy="2565913"/>
-          </a:xfrm>
-          <a:prstGeom prst="rect">
-            <a:avLst/>
-          </a:prstGeom>
-        </p:spPr>
-      </p:pic>
-    </p:spTree>
-    <p:extLst>
-      <p:ext uri="{BB962C8B-B14F-4D97-AF65-F5344CB8AC3E}">
-        <p14:creationId xmlns:p14="http://schemas.microsoft.com/office/powerpoint/2010/main" val="3459842221"/>
-      </p:ext>
-    </p:extLst>
-  </p:cSld>
-  <p:clrMapOvr>
-    <a:masterClrMapping/>
-  </p:clrMapOvr>
-</p:sld>
-</file>
-
 <file path=ppt/slides/slide17.xml><?xml version="1.0" encoding="utf-8"?>
 <p:sld xmlns:a="http://schemas.openxmlformats.org/drawingml/2006/main" xmlns:r="http://schemas.openxmlformats.org/officeDocument/2006/relationships" xmlns:p="http://schemas.openxmlformats.org/presentationml/2006/main">
   <p:cSld>
@@ -15609,7 +15723,7 @@
             <a:pPr lvl="0"/>
             <a:r>
               <a:rPr lang="en-GB" sz="4000" dirty="0"/>
-              <a:t>Neural Fitted Q (NFQ) (2)</a:t>
+              <a:t>Neural Fitted Q (NFQ) (1)</a:t>
             </a:r>
             <a:endParaRPr sz="4000" dirty="0"/>
           </a:p>
@@ -15643,32 +15757,67 @@
             <a:pPr lvl="0"/>
             <a:r>
               <a:rPr lang="en-GB" dirty="0"/>
-              <a:t>NFQ is not a state-of-the-art solution, however in a simple environment as the cart-pole, it shows a decent performance</a:t>
+              <a:t>Now we can put things together: </a:t>
+            </a:r>
+          </a:p>
+          <a:p>
+            <a:pPr lvl="1"/>
+            <a:r>
+              <a:rPr lang="en-GB" dirty="0"/>
+              <a:t>approximate 𝑄(𝑠,𝑎;𝜃) using a fully connected NN </a:t>
+            </a:r>
+          </a:p>
+          <a:p>
+            <a:pPr lvl="1"/>
+            <a:r>
+              <a:rPr lang="en-GB" dirty="0"/>
+              <a:t>use the off-policy TD targets (𝑟 + 𝛾 max</a:t>
+            </a:r>
+            <a:r>
+              <a:rPr lang="en-GB" baseline="-25000" dirty="0"/>
+              <a:t>𝑎</a:t>
+            </a:r>
+            <a:r>
+              <a:rPr lang="en-GB" dirty="0"/>
+              <a:t>𝑄(𝑠′,𝑎;𝜃)) to evaluate policies</a:t>
+            </a:r>
+          </a:p>
+          <a:p>
+            <a:pPr lvl="1"/>
+            <a:r>
+              <a:rPr lang="en-GB" dirty="0"/>
+              <a:t>use an epsilon-greedy strategy to improve policies</a:t>
+            </a:r>
+          </a:p>
+          <a:p>
+            <a:pPr lvl="1"/>
+            <a:r>
+              <a:rPr lang="en-GB" dirty="0"/>
+              <a:t>use mean squared error (MSE) for the loss function </a:t>
+            </a:r>
+          </a:p>
+          <a:p>
+            <a:pPr lvl="1"/>
+            <a:r>
+              <a:rPr lang="en-GB" dirty="0"/>
+              <a:t>and use RMSprop as optimizer</a:t>
             </a:r>
           </a:p>
           <a:p>
             <a:pPr lvl="0"/>
             <a:r>
               <a:rPr lang="en-GB" dirty="0"/>
-              <a:t>See “neural-fitted-</a:t>
-            </a:r>
-            <a:r>
-              <a:rPr lang="en-GB" dirty="0" err="1"/>
-              <a:t>q.ipynb</a:t>
-            </a:r>
-            <a:r>
-              <a:rPr lang="en-GB" dirty="0"/>
-              <a:t>”</a:t>
+              <a:t>The full neural fitted Q-iteration (NFQ) algorithm has three main steps:</a:t>
             </a:r>
           </a:p>
         </p:txBody>
       </p:sp>
       <p:pic>
         <p:nvPicPr>
-          <p:cNvPr id="5" name="Immagine 4">
+          <p:cNvPr id="3" name="Immagine 2">
             <a:extLst>
               <a:ext uri="{FF2B5EF4-FFF2-40B4-BE49-F238E27FC236}">
-                <a16:creationId xmlns:a16="http://schemas.microsoft.com/office/drawing/2014/main" id="{1E174E9C-5FD8-7594-330F-15A68F774BD1}"/>
+                <a16:creationId xmlns:a16="http://schemas.microsoft.com/office/drawing/2014/main" id="{4E0A20F3-A8E5-D1A0-849D-FC5BCA364D43}"/>
               </a:ext>
             </a:extLst>
           </p:cNvPr>
@@ -15685,8 +15834,8 @@
         </p:blipFill>
         <p:spPr>
           <a:xfrm>
-            <a:off x="162749" y="2365207"/>
-            <a:ext cx="8878791" cy="4071559"/>
+            <a:off x="684679" y="3870854"/>
+            <a:ext cx="7099753" cy="2565913"/>
           </a:xfrm>
           <a:prstGeom prst="rect">
             <a:avLst/>
@@ -15696,7 +15845,7 @@
     </p:spTree>
     <p:extLst>
       <p:ext uri="{BB962C8B-B14F-4D97-AF65-F5344CB8AC3E}">
-        <p14:creationId xmlns:p14="http://schemas.microsoft.com/office/powerpoint/2010/main" val="2089974615"/>
+        <p14:creationId xmlns:p14="http://schemas.microsoft.com/office/powerpoint/2010/main" val="3459842221"/>
       </p:ext>
     </p:extLst>
   </p:cSld>
@@ -15751,7 +15900,7 @@
             <a:pPr lvl="0"/>
             <a:r>
               <a:rPr lang="en-GB" sz="4000" dirty="0"/>
-              <a:t>Neural Fitted Q (NFQ) (3)</a:t>
+              <a:t>Neural Fitted Q (NFQ) (2)</a:t>
             </a:r>
             <a:endParaRPr sz="4000" dirty="0"/>
           </a:p>
@@ -15785,36 +15934,44 @@
             <a:pPr lvl="0"/>
             <a:r>
               <a:rPr lang="en-GB" dirty="0"/>
-              <a:t>The main issue with NFQ is that it takes </a:t>
-            </a:r>
-            <a:r>
-              <a:rPr lang="en-GB" b="1" dirty="0"/>
-              <a:t>too many steps </a:t>
-            </a:r>
-            <a:r>
-              <a:rPr lang="en-GB" dirty="0"/>
-              <a:t>to get decent performance</a:t>
-            </a:r>
-          </a:p>
-          <a:p>
-            <a:pPr lvl="1"/>
-            <a:r>
-              <a:rPr lang="en-GB" dirty="0"/>
-              <a:t>NFQ does poorly in terms of </a:t>
-            </a:r>
-            <a:r>
-              <a:rPr lang="en-GB" b="1" dirty="0"/>
-              <a:t>sample efficiency</a:t>
+              <a:t>NFQ is not a state-of-the-art solution, however in a simple environment as the cart-pole, it shows a decent performance</a:t>
+            </a:r>
+          </a:p>
+          <a:p>
+            <a:pPr lvl="0"/>
+            <a:r>
+              <a:rPr lang="en-GB" b="1" dirty="0">
+                <a:highlight>
+                  <a:srgbClr val="FFFF00"/>
+                </a:highlight>
+              </a:rPr>
+              <a:t>See neural-fitted-</a:t>
+            </a:r>
+            <a:r>
+              <a:rPr lang="en-GB" b="1" dirty="0" err="1">
+                <a:highlight>
+                  <a:srgbClr val="FFFF00"/>
+                </a:highlight>
+              </a:rPr>
+              <a:t>q.ipynb</a:t>
+            </a:r>
+            <a:r>
+              <a:rPr lang="en-GB" b="1" dirty="0">
+                <a:highlight>
+                  <a:srgbClr val="FFFF00"/>
+                </a:highlight>
+              </a:rPr>
+              <a:t> notebook</a:t>
             </a:r>
           </a:p>
         </p:txBody>
       </p:sp>
       <p:pic>
         <p:nvPicPr>
-          <p:cNvPr id="3" name="Immagine 2">
+          <p:cNvPr id="4" name="Immagine 3" descr="Immagine che contiene testo, mappa, diagramma, Diagramma&#10;&#10;Descrizione generata automaticamente">
             <a:extLst>
               <a:ext uri="{FF2B5EF4-FFF2-40B4-BE49-F238E27FC236}">
-                <a16:creationId xmlns:a16="http://schemas.microsoft.com/office/drawing/2014/main" id="{5D22A0FD-C696-AF42-EA79-350204FAA838}"/>
+                <a16:creationId xmlns:a16="http://schemas.microsoft.com/office/drawing/2014/main" id="{C4ED255B-D3C0-4C79-691A-9E69A2413CCE}"/>
               </a:ext>
             </a:extLst>
           </p:cNvPr>
@@ -15831,8 +15988,8 @@
         </p:blipFill>
         <p:spPr>
           <a:xfrm>
-            <a:off x="46844" y="2490203"/>
-            <a:ext cx="8934406" cy="3946564"/>
+            <a:off x="428625" y="2335154"/>
+            <a:ext cx="7772400" cy="4175064"/>
           </a:xfrm>
           <a:prstGeom prst="rect">
             <a:avLst/>
@@ -15842,7 +15999,7 @@
     </p:spTree>
     <p:extLst>
       <p:ext uri="{BB962C8B-B14F-4D97-AF65-F5344CB8AC3E}">
-        <p14:creationId xmlns:p14="http://schemas.microsoft.com/office/powerpoint/2010/main" val="3758557650"/>
+        <p14:creationId xmlns:p14="http://schemas.microsoft.com/office/powerpoint/2010/main" val="2089974615"/>
       </p:ext>
     </p:extLst>
   </p:cSld>
@@ -15897,7 +16054,7 @@
             <a:pPr lvl="0"/>
             <a:r>
               <a:rPr lang="en-GB" sz="4000" dirty="0"/>
-              <a:t>Challenges (1)</a:t>
+              <a:t>Neural Fitted Q (NFQ) (3)</a:t>
             </a:r>
             <a:endParaRPr sz="4000" dirty="0"/>
           </a:p>
@@ -15928,40 +16085,39 @@
           </a:bodyPr>
           <a:lstStyle/>
           <a:p>
+            <a:pPr lvl="0"/>
             <a:r>
               <a:rPr lang="en-GB" dirty="0"/>
-              <a:t>Notice that we’re using a </a:t>
+              <a:t>The main issue with NFQ is that it takes </a:t>
             </a:r>
             <a:r>
               <a:rPr lang="en-GB" b="1" dirty="0"/>
-              <a:t>non-stationary target </a:t>
+              <a:t>too many steps </a:t>
             </a:r>
             <a:r>
               <a:rPr lang="en-GB" dirty="0"/>
-              <a:t>for the learning updates</a:t>
+              <a:t>to get decent performance</a:t>
             </a:r>
           </a:p>
           <a:p>
             <a:pPr lvl="1"/>
             <a:r>
               <a:rPr lang="en-GB" dirty="0"/>
-              <a:t>as we update the weights of the approximate Q-function, the targets also move and make our most recent update outdated.</a:t>
-            </a:r>
-          </a:p>
-          <a:p>
-            <a:r>
-              <a:rPr lang="en-GB" dirty="0"/>
-              <a:t>Training becomes unstable quickly</a:t>
+              <a:t>NFQ does poorly in terms of </a:t>
+            </a:r>
+            <a:r>
+              <a:rPr lang="en-GB" b="1" dirty="0"/>
+              <a:t>sample efficiency</a:t>
             </a:r>
           </a:p>
         </p:txBody>
       </p:sp>
       <p:pic>
         <p:nvPicPr>
-          <p:cNvPr id="3" name="Immagine 2">
+          <p:cNvPr id="3" name="Immagine 2" descr="Immagine che contiene Diagramma, schermata, diagramma, linea&#10;&#10;Descrizione generata automaticamente">
             <a:extLst>
               <a:ext uri="{FF2B5EF4-FFF2-40B4-BE49-F238E27FC236}">
-                <a16:creationId xmlns:a16="http://schemas.microsoft.com/office/drawing/2014/main" id="{CE9197F2-F3EB-E660-E15B-ED2156DAFC58}"/>
+                <a16:creationId xmlns:a16="http://schemas.microsoft.com/office/drawing/2014/main" id="{15DB3F41-E116-5E6F-5618-27BD6E4999B0}"/>
               </a:ext>
             </a:extLst>
           </p:cNvPr>
@@ -15978,8 +16134,8 @@
         </p:blipFill>
         <p:spPr>
           <a:xfrm>
-            <a:off x="1004970" y="2575967"/>
-            <a:ext cx="6845300" cy="3860800"/>
+            <a:off x="466725" y="2335297"/>
+            <a:ext cx="7772400" cy="4101470"/>
           </a:xfrm>
           <a:prstGeom prst="rect">
             <a:avLst/>
@@ -15989,7 +16145,7 @@
     </p:spTree>
     <p:extLst>
       <p:ext uri="{BB962C8B-B14F-4D97-AF65-F5344CB8AC3E}">
-        <p14:creationId xmlns:p14="http://schemas.microsoft.com/office/powerpoint/2010/main" val="931677077"/>
+        <p14:creationId xmlns:p14="http://schemas.microsoft.com/office/powerpoint/2010/main" val="3758557650"/>
       </p:ext>
     </p:extLst>
   </p:cSld>
@@ -16083,16 +16239,16 @@
           </a:bodyPr>
           <a:lstStyle/>
           <a:p>
+            <a:pPr lvl="0"/>
+            <a:r>
+              <a:rPr lang="en-GB" sz="1800" dirty="0"/>
+              <a:t>Reinforcement Learning: sequential feedback, evaluative feedback, sampled feedback, tabular representation</a:t>
+            </a:r>
+          </a:p>
+          <a:p>
             <a:r>
               <a:rPr lang="en-GB" sz="1800" dirty="0"/>
               <a:t>Generalization needs</a:t>
-            </a:r>
-          </a:p>
-          <a:p>
-            <a:pPr lvl="0"/>
-            <a:r>
-              <a:rPr lang="en-GB" sz="1800" dirty="0"/>
-              <a:t>Reinforcement Learning: sequential feedback, evaluative feedback, sampled feedback, tabular representation</a:t>
             </a:r>
           </a:p>
           <a:p>
@@ -16159,6 +16315,161 @@
 </file>
 
 <file path=ppt/slides/slide20.xml><?xml version="1.0" encoding="utf-8"?>
+<p:sld xmlns:a="http://schemas.openxmlformats.org/drawingml/2006/main" xmlns:r="http://schemas.openxmlformats.org/officeDocument/2006/relationships" xmlns:p="http://schemas.openxmlformats.org/presentationml/2006/main">
+  <p:cSld>
+    <p:spTree>
+      <p:nvGrpSpPr>
+        <p:cNvPr id="1" name="Shape 82"/>
+        <p:cNvGrpSpPr/>
+        <p:nvPr/>
+      </p:nvGrpSpPr>
+      <p:grpSpPr>
+        <a:xfrm>
+          <a:off x="0" y="0"/>
+          <a:ext cx="0" cy="0"/>
+          <a:chOff x="0" y="0"/>
+          <a:chExt cx="0" cy="0"/>
+        </a:xfrm>
+      </p:grpSpPr>
+      <p:sp>
+        <p:nvSpPr>
+          <p:cNvPr id="83" name="Google Shape;83;p14"/>
+          <p:cNvSpPr txBox="1">
+            <a:spLocks noGrp="1"/>
+          </p:cNvSpPr>
+          <p:nvPr>
+            <p:ph type="title" idx="4294967295"/>
+          </p:nvPr>
+        </p:nvSpPr>
+        <p:spPr>
+          <a:xfrm>
+            <a:off x="311700" y="421233"/>
+            <a:ext cx="8520600" cy="622500"/>
+          </a:xfrm>
+          <a:prstGeom prst="rect">
+            <a:avLst/>
+          </a:prstGeom>
+        </p:spPr>
+        <p:txBody>
+          <a:bodyPr spcFirstLastPara="1" wrap="square" lIns="91425" tIns="91425" rIns="91425" bIns="91425" anchor="b" anchorCtr="0">
+            <a:noAutofit/>
+          </a:bodyPr>
+          <a:lstStyle/>
+          <a:p>
+            <a:pPr lvl="0"/>
+            <a:r>
+              <a:rPr lang="en-GB" sz="4000" dirty="0"/>
+              <a:t>Challenges (1)</a:t>
+            </a:r>
+            <a:endParaRPr sz="4000" dirty="0"/>
+          </a:p>
+        </p:txBody>
+      </p:sp>
+      <p:sp>
+        <p:nvSpPr>
+          <p:cNvPr id="84" name="Google Shape;84;p14"/>
+          <p:cNvSpPr txBox="1">
+            <a:spLocks noGrp="1"/>
+          </p:cNvSpPr>
+          <p:nvPr>
+            <p:ph type="body" idx="1"/>
+          </p:nvPr>
+        </p:nvSpPr>
+        <p:spPr>
+          <a:xfrm>
+            <a:off x="162750" y="1212537"/>
+            <a:ext cx="8818500" cy="5224230"/>
+          </a:xfrm>
+          <a:prstGeom prst="rect">
+            <a:avLst/>
+          </a:prstGeom>
+        </p:spPr>
+        <p:txBody>
+          <a:bodyPr spcFirstLastPara="1" wrap="square" lIns="91425" tIns="91425" rIns="91425" bIns="91425" anchor="t" anchorCtr="0">
+            <a:noAutofit/>
+          </a:bodyPr>
+          <a:lstStyle/>
+          <a:p>
+            <a:r>
+              <a:rPr lang="en-GB" dirty="0"/>
+              <a:t>Notice that we’re using a </a:t>
+            </a:r>
+            <a:r>
+              <a:rPr lang="en-GB" b="1" dirty="0"/>
+              <a:t>non-stationary target </a:t>
+            </a:r>
+            <a:r>
+              <a:rPr lang="en-GB" dirty="0"/>
+              <a:t>for the learning updates</a:t>
+            </a:r>
+          </a:p>
+          <a:p>
+            <a:pPr lvl="1"/>
+            <a:r>
+              <a:rPr lang="en-GB" dirty="0"/>
+              <a:t>as we update the weights of the approximate Q-function, the targets also move and make our most recent update outdated</a:t>
+            </a:r>
+          </a:p>
+          <a:p>
+            <a:r>
+              <a:rPr lang="en-GB" dirty="0"/>
+              <a:t>Training becomes </a:t>
+            </a:r>
+            <a:r>
+              <a:rPr lang="en-GB" b="1" dirty="0"/>
+              <a:t>unstable</a:t>
+            </a:r>
+            <a:r>
+              <a:rPr lang="en-GB" dirty="0"/>
+              <a:t> quickly</a:t>
+            </a:r>
+          </a:p>
+        </p:txBody>
+      </p:sp>
+      <p:pic>
+        <p:nvPicPr>
+          <p:cNvPr id="3" name="Immagine 2">
+            <a:extLst>
+              <a:ext uri="{FF2B5EF4-FFF2-40B4-BE49-F238E27FC236}">
+                <a16:creationId xmlns:a16="http://schemas.microsoft.com/office/drawing/2014/main" id="{CE9197F2-F3EB-E660-E15B-ED2156DAFC58}"/>
+              </a:ext>
+            </a:extLst>
+          </p:cNvPr>
+          <p:cNvPicPr>
+            <a:picLocks noChangeAspect="1"/>
+          </p:cNvPicPr>
+          <p:nvPr/>
+        </p:nvPicPr>
+        <p:blipFill>
+          <a:blip r:embed="rId3"/>
+          <a:stretch>
+            <a:fillRect/>
+          </a:stretch>
+        </p:blipFill>
+        <p:spPr>
+          <a:xfrm>
+            <a:off x="1004970" y="2575967"/>
+            <a:ext cx="6845300" cy="3860800"/>
+          </a:xfrm>
+          <a:prstGeom prst="rect">
+            <a:avLst/>
+          </a:prstGeom>
+        </p:spPr>
+      </p:pic>
+    </p:spTree>
+    <p:extLst>
+      <p:ext uri="{BB962C8B-B14F-4D97-AF65-F5344CB8AC3E}">
+        <p14:creationId xmlns:p14="http://schemas.microsoft.com/office/powerpoint/2010/main" val="931677077"/>
+      </p:ext>
+    </p:extLst>
+  </p:cSld>
+  <p:clrMapOvr>
+    <a:masterClrMapping/>
+  </p:clrMapOvr>
+</p:sld>
+</file>
+
+<file path=ppt/slides/slide21.xml><?xml version="1.0" encoding="utf-8"?>
 <p:sld xmlns:a="http://schemas.openxmlformats.org/drawingml/2006/main" xmlns:r="http://schemas.openxmlformats.org/officeDocument/2006/relationships" xmlns:p="http://schemas.openxmlformats.org/presentationml/2006/main">
   <p:cSld>
     <p:spTree>
@@ -16392,225 +16703,6 @@
             <a:pPr lvl="0"/>
             <a:r>
               <a:rPr lang="en-GB" sz="4000" dirty="0"/>
-              <a:t>Generalization needs</a:t>
-            </a:r>
-            <a:endParaRPr sz="4000" dirty="0"/>
-          </a:p>
-        </p:txBody>
-      </p:sp>
-      <p:sp>
-        <p:nvSpPr>
-          <p:cNvPr id="84" name="Google Shape;84;p14"/>
-          <p:cNvSpPr txBox="1">
-            <a:spLocks noGrp="1"/>
-          </p:cNvSpPr>
-          <p:nvPr>
-            <p:ph type="body" idx="1"/>
-          </p:nvPr>
-        </p:nvSpPr>
-        <p:spPr>
-          <a:xfrm>
-            <a:off x="67815" y="1043733"/>
-            <a:ext cx="8958942" cy="5393034"/>
-          </a:xfrm>
-          <a:prstGeom prst="rect">
-            <a:avLst/>
-          </a:prstGeom>
-        </p:spPr>
-        <p:txBody>
-          <a:bodyPr spcFirstLastPara="1" wrap="square" lIns="91425" tIns="91425" rIns="91425" bIns="91425" anchor="t" anchorCtr="0">
-            <a:noAutofit/>
-          </a:bodyPr>
-          <a:lstStyle/>
-          <a:p>
-            <a:pPr lvl="0"/>
-            <a:r>
-              <a:rPr lang="en-GB" dirty="0"/>
-              <a:t>In real tasks the state space is combinatorial and </a:t>
-            </a:r>
-            <a:r>
-              <a:rPr lang="en-GB" b="1" dirty="0"/>
-              <a:t>enormous</a:t>
-            </a:r>
-            <a:r>
-              <a:rPr lang="en-GB" dirty="0"/>
-              <a:t> </a:t>
-            </a:r>
-          </a:p>
-          <a:p>
-            <a:pPr lvl="1"/>
-            <a:r>
-              <a:rPr lang="en-GB" dirty="0"/>
-              <a:t>we cannot expect to find an optimal policy</a:t>
-            </a:r>
-          </a:p>
-          <a:p>
-            <a:pPr lvl="1"/>
-            <a:r>
-              <a:rPr lang="en-GB" dirty="0"/>
-              <a:t>the goal instead is to find a </a:t>
-            </a:r>
-            <a:r>
-              <a:rPr lang="en-GB" b="1" dirty="0"/>
-              <a:t>good approximate solution </a:t>
-            </a:r>
-          </a:p>
-          <a:p>
-            <a:r>
-              <a:rPr lang="en-GB" dirty="0"/>
-              <a:t>The problem is the </a:t>
-            </a:r>
-            <a:r>
-              <a:rPr lang="en-GB" b="1" dirty="0"/>
-              <a:t>memory needed </a:t>
-            </a:r>
-            <a:r>
-              <a:rPr lang="en-GB" dirty="0"/>
-              <a:t>for large tables and  the </a:t>
-            </a:r>
-            <a:r>
-              <a:rPr lang="en-GB" b="1" dirty="0"/>
-              <a:t>time needed</a:t>
-            </a:r>
-            <a:r>
-              <a:rPr lang="en-GB" dirty="0"/>
-              <a:t> to fill them accurately</a:t>
-            </a:r>
-          </a:p>
-          <a:p>
-            <a:pPr lvl="1"/>
-            <a:r>
-              <a:rPr lang="en-GB" dirty="0"/>
-              <a:t>in real tasks, almost every state encountered will never have been seen before</a:t>
-            </a:r>
-          </a:p>
-          <a:p>
-            <a:pPr lvl="1"/>
-            <a:r>
-              <a:rPr lang="en-GB" dirty="0"/>
-              <a:t>to make sensible decisions it is necessary to </a:t>
-            </a:r>
-            <a:r>
-              <a:rPr lang="en-GB" b="1" dirty="0"/>
-              <a:t>generalize</a:t>
-            </a:r>
-            <a:r>
-              <a:rPr lang="en-GB" dirty="0"/>
-              <a:t> from previous experience with different (but in some sense similar) states</a:t>
-            </a:r>
-          </a:p>
-          <a:p>
-            <a:r>
-              <a:rPr lang="en-GB" dirty="0"/>
-              <a:t>How can experience with a limited subset of the state space be generalized to produce a good approximation over a much larger subset?</a:t>
-            </a:r>
-          </a:p>
-          <a:p>
-            <a:pPr lvl="1"/>
-            <a:r>
-              <a:rPr lang="en-GB" b="1" dirty="0"/>
-              <a:t>generalization from examples </a:t>
-            </a:r>
-            <a:r>
-              <a:rPr lang="en-GB" dirty="0"/>
-              <a:t>has been extensively studied in Machine Learning</a:t>
-            </a:r>
-          </a:p>
-          <a:p>
-            <a:pPr lvl="1"/>
-            <a:r>
-              <a:rPr lang="en-GB" dirty="0"/>
-              <a:t>we need to combine RL methods with existing generalization methods</a:t>
-            </a:r>
-          </a:p>
-          <a:p>
-            <a:pPr lvl="1"/>
-            <a:endParaRPr lang="en-GB" sz="100" dirty="0"/>
-          </a:p>
-          <a:p>
-            <a:r>
-              <a:rPr lang="en-GB" dirty="0"/>
-              <a:t>The kind of generalization is called </a:t>
-            </a:r>
-            <a:r>
-              <a:rPr lang="en-GB" b="1" dirty="0"/>
-              <a:t>function approximation </a:t>
-            </a:r>
-          </a:p>
-          <a:p>
-            <a:pPr lvl="1"/>
-            <a:r>
-              <a:rPr lang="en-GB" dirty="0"/>
-              <a:t>takes examples from a desired function (e.g. value function) </a:t>
-            </a:r>
-          </a:p>
-          <a:p>
-            <a:pPr lvl="1"/>
-            <a:r>
-              <a:rPr lang="en-GB" dirty="0"/>
-              <a:t>attempts to generalize from them to construct an approximation of the entire function. </a:t>
-            </a:r>
-          </a:p>
-        </p:txBody>
-      </p:sp>
-    </p:spTree>
-    <p:extLst>
-      <p:ext uri="{BB962C8B-B14F-4D97-AF65-F5344CB8AC3E}">
-        <p14:creationId xmlns:p14="http://schemas.microsoft.com/office/powerpoint/2010/main" val="2056707301"/>
-      </p:ext>
-    </p:extLst>
-  </p:cSld>
-  <p:clrMapOvr>
-    <a:masterClrMapping/>
-  </p:clrMapOvr>
-</p:sld>
-</file>
-
-<file path=ppt/slides/slide4.xml><?xml version="1.0" encoding="utf-8"?>
-<p:sld xmlns:a="http://schemas.openxmlformats.org/drawingml/2006/main" xmlns:r="http://schemas.openxmlformats.org/officeDocument/2006/relationships" xmlns:p="http://schemas.openxmlformats.org/presentationml/2006/main">
-  <p:cSld>
-    <p:spTree>
-      <p:nvGrpSpPr>
-        <p:cNvPr id="1" name="Shape 82"/>
-        <p:cNvGrpSpPr/>
-        <p:nvPr/>
-      </p:nvGrpSpPr>
-      <p:grpSpPr>
-        <a:xfrm>
-          <a:off x="0" y="0"/>
-          <a:ext cx="0" cy="0"/>
-          <a:chOff x="0" y="0"/>
-          <a:chExt cx="0" cy="0"/>
-        </a:xfrm>
-      </p:grpSpPr>
-      <p:sp>
-        <p:nvSpPr>
-          <p:cNvPr id="83" name="Google Shape;83;p14"/>
-          <p:cNvSpPr txBox="1">
-            <a:spLocks noGrp="1"/>
-          </p:cNvSpPr>
-          <p:nvPr>
-            <p:ph type="title" idx="4294967295"/>
-          </p:nvPr>
-        </p:nvSpPr>
-        <p:spPr>
-          <a:xfrm>
-            <a:off x="311700" y="421233"/>
-            <a:ext cx="8520600" cy="622500"/>
-          </a:xfrm>
-          <a:prstGeom prst="rect">
-            <a:avLst/>
-          </a:prstGeom>
-        </p:spPr>
-        <p:txBody>
-          <a:bodyPr spcFirstLastPara="1" wrap="square" lIns="91425" tIns="91425" rIns="91425" bIns="91425" anchor="b" anchorCtr="0">
-            <a:noAutofit/>
-          </a:bodyPr>
-          <a:lstStyle/>
-          <a:p>
-            <a:pPr lvl="0"/>
-            <a:r>
-              <a:rPr lang="en-GB" sz="4000" dirty="0"/>
               <a:t>Challenges: sequential feedback</a:t>
             </a:r>
             <a:endParaRPr sz="4000" dirty="0"/>
@@ -16712,7 +16804,7 @@
           <a:p>
             <a:r>
               <a:rPr lang="en-GB" dirty="0"/>
-              <a:t>In supervised learning decisions don’t have long-term consequences. </a:t>
+              <a:t>In supervised learning decisions don’t have long-term consequences </a:t>
             </a:r>
           </a:p>
           <a:p>
@@ -16826,7 +16918,7 @@
 </p:sld>
 </file>
 
-<file path=ppt/slides/slide5.xml><?xml version="1.0" encoding="utf-8"?>
+<file path=ppt/slides/slide4.xml><?xml version="1.0" encoding="utf-8"?>
 <p:sld xmlns:a="http://schemas.openxmlformats.org/drawingml/2006/main" xmlns:r="http://schemas.openxmlformats.org/officeDocument/2006/relationships" xmlns:p="http://schemas.openxmlformats.org/presentationml/2006/main">
   <p:cSld>
     <p:spTree>
@@ -17158,6 +17250,151 @@
 </p:sld>
 </file>
 
+<file path=ppt/slides/slide5.xml><?xml version="1.0" encoding="utf-8"?>
+<p:sld xmlns:a="http://schemas.openxmlformats.org/drawingml/2006/main" xmlns:r="http://schemas.openxmlformats.org/officeDocument/2006/relationships" xmlns:p="http://schemas.openxmlformats.org/presentationml/2006/main">
+  <p:cSld>
+    <p:spTree>
+      <p:nvGrpSpPr>
+        <p:cNvPr id="1" name="Shape 82"/>
+        <p:cNvGrpSpPr/>
+        <p:nvPr/>
+      </p:nvGrpSpPr>
+      <p:grpSpPr>
+        <a:xfrm>
+          <a:off x="0" y="0"/>
+          <a:ext cx="0" cy="0"/>
+          <a:chOff x="0" y="0"/>
+          <a:chExt cx="0" cy="0"/>
+        </a:xfrm>
+      </p:grpSpPr>
+      <p:sp>
+        <p:nvSpPr>
+          <p:cNvPr id="83" name="Google Shape;83;p14"/>
+          <p:cNvSpPr txBox="1">
+            <a:spLocks noGrp="1"/>
+          </p:cNvSpPr>
+          <p:nvPr>
+            <p:ph type="title" idx="4294967295"/>
+          </p:nvPr>
+        </p:nvSpPr>
+        <p:spPr>
+          <a:xfrm>
+            <a:off x="311700" y="421233"/>
+            <a:ext cx="8520600" cy="622500"/>
+          </a:xfrm>
+          <a:prstGeom prst="rect">
+            <a:avLst/>
+          </a:prstGeom>
+        </p:spPr>
+        <p:txBody>
+          <a:bodyPr spcFirstLastPara="1" wrap="square" lIns="91425" tIns="91425" rIns="91425" bIns="91425" anchor="b" anchorCtr="0">
+            <a:noAutofit/>
+          </a:bodyPr>
+          <a:lstStyle/>
+          <a:p>
+            <a:pPr lvl="0"/>
+            <a:r>
+              <a:rPr lang="en-GB" sz="4000" dirty="0"/>
+              <a:t>Challenges: sampled feedback</a:t>
+            </a:r>
+            <a:endParaRPr sz="4000" dirty="0"/>
+          </a:p>
+        </p:txBody>
+      </p:sp>
+      <p:sp>
+        <p:nvSpPr>
+          <p:cNvPr id="84" name="Google Shape;84;p14"/>
+          <p:cNvSpPr txBox="1">
+            <a:spLocks noGrp="1"/>
+          </p:cNvSpPr>
+          <p:nvPr>
+            <p:ph type="body" idx="1"/>
+          </p:nvPr>
+        </p:nvSpPr>
+        <p:spPr>
+          <a:xfrm>
+            <a:off x="162750" y="1132637"/>
+            <a:ext cx="8818500" cy="5224230"/>
+          </a:xfrm>
+          <a:prstGeom prst="rect">
+            <a:avLst/>
+          </a:prstGeom>
+        </p:spPr>
+        <p:txBody>
+          <a:bodyPr spcFirstLastPara="1" wrap="square" lIns="91425" tIns="91425" rIns="91425" bIns="91425" anchor="t" anchorCtr="0">
+            <a:noAutofit/>
+          </a:bodyPr>
+          <a:lstStyle/>
+          <a:p>
+            <a:pPr lvl="0"/>
+            <a:r>
+              <a:rPr lang="en-GB" dirty="0"/>
+              <a:t>In real problems, agents are </a:t>
+            </a:r>
+            <a:r>
+              <a:rPr lang="en-GB" b="1" dirty="0"/>
+              <a:t>unlikely to sample all possible feedback exhaustively</a:t>
+            </a:r>
+          </a:p>
+          <a:p>
+            <a:pPr lvl="1"/>
+            <a:r>
+              <a:rPr lang="en-GB" dirty="0"/>
+              <a:t>common assumptions "sampling every state-action pair infinitely often” are reasonable in small grid worlds with finite state and action spaces</a:t>
+            </a:r>
+          </a:p>
+          <a:p>
+            <a:pPr lvl="0"/>
+            <a:r>
+              <a:rPr lang="en-GB" dirty="0"/>
+              <a:t>The core of supervised learning is to learn from sampled feedback in order to be able to generalize to new samples</a:t>
+            </a:r>
+          </a:p>
+        </p:txBody>
+      </p:sp>
+      <p:pic>
+        <p:nvPicPr>
+          <p:cNvPr id="3" name="Immagine 2">
+            <a:extLst>
+              <a:ext uri="{FF2B5EF4-FFF2-40B4-BE49-F238E27FC236}">
+                <a16:creationId xmlns:a16="http://schemas.microsoft.com/office/drawing/2014/main" id="{3CBC2912-19DB-1B09-D929-5CE52DD3D8EB}"/>
+              </a:ext>
+            </a:extLst>
+          </p:cNvPr>
+          <p:cNvPicPr>
+            <a:picLocks noChangeAspect="1"/>
+          </p:cNvPicPr>
+          <p:nvPr/>
+        </p:nvPicPr>
+        <p:blipFill>
+          <a:blip r:embed="rId3"/>
+          <a:stretch>
+            <a:fillRect/>
+          </a:stretch>
+        </p:blipFill>
+        <p:spPr>
+          <a:xfrm>
+            <a:off x="1211001" y="3036775"/>
+            <a:ext cx="6721997" cy="3577674"/>
+          </a:xfrm>
+          <a:prstGeom prst="rect">
+            <a:avLst/>
+          </a:prstGeom>
+        </p:spPr>
+      </p:pic>
+    </p:spTree>
+    <p:extLst>
+      <p:ext uri="{BB962C8B-B14F-4D97-AF65-F5344CB8AC3E}">
+        <p14:creationId xmlns:p14="http://schemas.microsoft.com/office/powerpoint/2010/main" val="3815001471"/>
+      </p:ext>
+    </p:extLst>
+  </p:cSld>
+  <p:clrMapOvr>
+    <a:masterClrMapping/>
+  </p:clrMapOvr>
+</p:sld>
+</file>
+
 <file path=ppt/slides/slide6.xml><?xml version="1.0" encoding="utf-8"?>
 <p:sld xmlns:a="http://schemas.openxmlformats.org/drawingml/2006/main" xmlns:r="http://schemas.openxmlformats.org/officeDocument/2006/relationships" xmlns:p="http://schemas.openxmlformats.org/presentationml/2006/main">
   <p:cSld>
@@ -17203,7 +17440,7 @@
             <a:pPr lvl="0"/>
             <a:r>
               <a:rPr lang="en-GB" sz="4000" dirty="0"/>
-              <a:t>Challenges: sampled feedback</a:t>
+              <a:t>Challenges: tabular representation</a:t>
             </a:r>
             <a:endParaRPr sz="4000" dirty="0"/>
           </a:p>
@@ -17211,8 +17448,14 @@
       </p:sp>
       <p:sp>
         <p:nvSpPr>
-          <p:cNvPr id="84" name="Google Shape;84;p14"/>
-          <p:cNvSpPr txBox="1">
+          <p:cNvPr id="2" name="Segnaposto testo 1">
+            <a:extLst>
+              <a:ext uri="{FF2B5EF4-FFF2-40B4-BE49-F238E27FC236}">
+                <a16:creationId xmlns:a16="http://schemas.microsoft.com/office/drawing/2014/main" id="{C2446801-D956-614F-1A3E-B4A14E0E8098}"/>
+              </a:ext>
+            </a:extLst>
+          </p:cNvPr>
+          <p:cNvSpPr>
             <a:spLocks noGrp="1"/>
           </p:cNvSpPr>
           <p:nvPr>
@@ -17221,47 +17464,97 @@
         </p:nvSpPr>
         <p:spPr>
           <a:xfrm>
-            <a:off x="162750" y="1212537"/>
-            <a:ext cx="8818500" cy="5224230"/>
+            <a:off x="202700" y="1104349"/>
+            <a:ext cx="8818500" cy="5481645"/>
           </a:xfrm>
-          <a:prstGeom prst="rect">
-            <a:avLst/>
-          </a:prstGeom>
         </p:spPr>
         <p:txBody>
-          <a:bodyPr spcFirstLastPara="1" wrap="square" lIns="91425" tIns="91425" rIns="91425" bIns="91425" anchor="t" anchorCtr="0">
-            <a:noAutofit/>
-          </a:bodyPr>
+          <a:bodyPr/>
           <a:lstStyle/>
           <a:p>
-            <a:pPr lvl="0"/>
             <a:r>
               <a:rPr lang="en-GB" dirty="0"/>
-              <a:t>In real problems, agents are unlikely to sample all possible feedback exhaustively</a:t>
+              <a:t>The use of a table to represent value functions is </a:t>
+            </a:r>
+            <a:r>
+              <a:rPr lang="en-GB" b="1" dirty="0"/>
+              <a:t>no practical </a:t>
+            </a:r>
+            <a:r>
+              <a:rPr lang="en-GB" dirty="0"/>
+              <a:t>in complex problems</a:t>
             </a:r>
           </a:p>
           <a:p>
             <a:pPr lvl="1"/>
             <a:r>
               <a:rPr lang="en-GB" dirty="0"/>
-              <a:t>common assumptions "sampling every state-action pair infinitely often” are reasonable in small grid worlds with finite state and action spaces</a:t>
-            </a:r>
-          </a:p>
-          <a:p>
-            <a:pPr lvl="0"/>
+              <a:t>for example, Q-learning estimates the optimal action-value function by a matrix indexed by states and actions</a:t>
+            </a:r>
+          </a:p>
+          <a:p>
+            <a:endParaRPr lang="en-GB" dirty="0"/>
+          </a:p>
+          <a:p>
+            <a:endParaRPr lang="en-GB" dirty="0"/>
+          </a:p>
+          <a:p>
+            <a:endParaRPr lang="en-GB" dirty="0"/>
+          </a:p>
+          <a:p>
+            <a:endParaRPr lang="en-GB" dirty="0"/>
+          </a:p>
+          <a:p>
+            <a:endParaRPr lang="en-GB" dirty="0"/>
+          </a:p>
+          <a:p>
+            <a:endParaRPr lang="en-GB" dirty="0"/>
+          </a:p>
+          <a:p>
+            <a:endParaRPr lang="en-GB" dirty="0"/>
+          </a:p>
+          <a:p>
+            <a:endParaRPr lang="en-GB" dirty="0"/>
+          </a:p>
+          <a:p>
+            <a:endParaRPr lang="en-GB" dirty="0"/>
+          </a:p>
+          <a:p>
+            <a:pPr marL="120650" indent="0">
+              <a:buNone/>
+            </a:pPr>
+            <a:endParaRPr lang="en-GB" dirty="0"/>
+          </a:p>
+          <a:p>
             <a:r>
               <a:rPr lang="en-GB" dirty="0"/>
-              <a:t>The core of supervised learning is to learn from sampled feedback in order to be able to generalize to new samples</a:t>
+              <a:t>Environments can have </a:t>
+            </a:r>
+            <a:r>
+              <a:rPr lang="en-GB" b="1" dirty="0"/>
+              <a:t>high-dimensional state spaces </a:t>
+            </a:r>
+            <a:r>
+              <a:rPr lang="en-GB" dirty="0"/>
+              <a:t>(the number of variables that comprise a single state is vast) or can additionally have </a:t>
+            </a:r>
+            <a:r>
+              <a:rPr lang="en-GB" b="1" dirty="0"/>
+              <a:t>continuous variables</a:t>
+            </a:r>
+            <a:r>
+              <a:rPr lang="en-GB" dirty="0"/>
+              <a:t> (a single variable can take on an infinite number of values)</a:t>
             </a:r>
           </a:p>
         </p:txBody>
       </p:sp>
       <p:pic>
         <p:nvPicPr>
-          <p:cNvPr id="3" name="Immagine 2">
+          <p:cNvPr id="4" name="Immagine 3">
             <a:extLst>
               <a:ext uri="{FF2B5EF4-FFF2-40B4-BE49-F238E27FC236}">
-                <a16:creationId xmlns:a16="http://schemas.microsoft.com/office/drawing/2014/main" id="{3CBC2912-19DB-1B09-D929-5CE52DD3D8EB}"/>
+                <a16:creationId xmlns:a16="http://schemas.microsoft.com/office/drawing/2014/main" id="{6D46FDA4-0EB3-DF1D-0C41-1C1511C52036}"/>
               </a:ext>
             </a:extLst>
           </p:cNvPr>
@@ -17278,8 +17571,8 @@
         </p:blipFill>
         <p:spPr>
           <a:xfrm>
-            <a:off x="1211001" y="3027897"/>
-            <a:ext cx="6721997" cy="3577674"/>
+            <a:off x="878509" y="2381089"/>
+            <a:ext cx="7944365" cy="2885392"/>
           </a:xfrm>
           <a:prstGeom prst="rect">
             <a:avLst/>
@@ -17289,7 +17582,7 @@
     </p:spTree>
     <p:extLst>
       <p:ext uri="{BB962C8B-B14F-4D97-AF65-F5344CB8AC3E}">
-        <p14:creationId xmlns:p14="http://schemas.microsoft.com/office/powerpoint/2010/main" val="3815001471"/>
+        <p14:creationId xmlns:p14="http://schemas.microsoft.com/office/powerpoint/2010/main" val="2506133898"/>
       </p:ext>
     </p:extLst>
   </p:cSld>
@@ -17344,7 +17637,7 @@
             <a:pPr lvl="0"/>
             <a:r>
               <a:rPr lang="en-GB" sz="4000" dirty="0"/>
-              <a:t>Challenges: tabular representation</a:t>
+              <a:t>Generalization needs</a:t>
             </a:r>
             <a:endParaRPr sz="4000" dirty="0"/>
           </a:p>
@@ -17352,14 +17645,8 @@
       </p:sp>
       <p:sp>
         <p:nvSpPr>
-          <p:cNvPr id="2" name="Segnaposto testo 1">
-            <a:extLst>
-              <a:ext uri="{FF2B5EF4-FFF2-40B4-BE49-F238E27FC236}">
-                <a16:creationId xmlns:a16="http://schemas.microsoft.com/office/drawing/2014/main" id="{C2446801-D956-614F-1A3E-B4A14E0E8098}"/>
-              </a:ext>
-            </a:extLst>
-          </p:cNvPr>
-          <p:cNvSpPr>
+          <p:cNvPr id="84" name="Google Shape;84;p14"/>
+          <p:cNvSpPr txBox="1">
             <a:spLocks noGrp="1"/>
           </p:cNvSpPr>
           <p:nvPr>
@@ -17368,117 +17655,160 @@
         </p:nvSpPr>
         <p:spPr>
           <a:xfrm>
-            <a:off x="202700" y="1104349"/>
-            <a:ext cx="8818500" cy="5481645"/>
-          </a:xfrm>
-        </p:spPr>
-        <p:txBody>
-          <a:bodyPr/>
-          <a:lstStyle/>
-          <a:p>
-            <a:r>
-              <a:rPr lang="en-GB" dirty="0"/>
-              <a:t>The use of a table to represent value functions is no practical in complex problems</a:t>
-            </a:r>
-          </a:p>
-          <a:p>
-            <a:pPr lvl="1"/>
-            <a:r>
-              <a:rPr lang="en-GB" dirty="0"/>
-              <a:t>for example, Q-learning estimates the optimal action-value function by a matrix indexed by states and actions</a:t>
-            </a:r>
-          </a:p>
-          <a:p>
-            <a:endParaRPr lang="en-GB" dirty="0"/>
-          </a:p>
-          <a:p>
-            <a:endParaRPr lang="en-GB" dirty="0"/>
-          </a:p>
-          <a:p>
-            <a:endParaRPr lang="en-GB" dirty="0"/>
-          </a:p>
-          <a:p>
-            <a:endParaRPr lang="en-GB" dirty="0"/>
-          </a:p>
-          <a:p>
-            <a:endParaRPr lang="en-GB" dirty="0"/>
-          </a:p>
-          <a:p>
-            <a:endParaRPr lang="en-GB" dirty="0"/>
-          </a:p>
-          <a:p>
-            <a:endParaRPr lang="en-GB" dirty="0"/>
-          </a:p>
-          <a:p>
-            <a:endParaRPr lang="en-GB" dirty="0"/>
-          </a:p>
-          <a:p>
-            <a:endParaRPr lang="en-GB" dirty="0"/>
-          </a:p>
-          <a:p>
-            <a:pPr marL="120650" indent="0">
-              <a:buNone/>
-            </a:pPr>
-            <a:endParaRPr lang="en-GB" dirty="0"/>
-          </a:p>
-          <a:p>
-            <a:r>
-              <a:rPr lang="en-GB" dirty="0"/>
-              <a:t>Environments can have </a:t>
-            </a:r>
-            <a:r>
-              <a:rPr lang="en-GB" b="1" dirty="0"/>
-              <a:t>high-dimensional state spaces </a:t>
-            </a:r>
-            <a:r>
-              <a:rPr lang="en-GB" dirty="0"/>
-              <a:t>(the number of variables that comprise a single state is vast) or can additionally have </a:t>
-            </a:r>
-            <a:r>
-              <a:rPr lang="en-GB" b="1" dirty="0"/>
-              <a:t>continuous variables</a:t>
-            </a:r>
-            <a:r>
-              <a:rPr lang="en-GB" dirty="0"/>
-              <a:t> (a single variable can take on an infinite number of values)</a:t>
-            </a:r>
-          </a:p>
-        </p:txBody>
-      </p:sp>
-      <p:pic>
-        <p:nvPicPr>
-          <p:cNvPr id="4" name="Immagine 3">
-            <a:extLst>
-              <a:ext uri="{FF2B5EF4-FFF2-40B4-BE49-F238E27FC236}">
-                <a16:creationId xmlns:a16="http://schemas.microsoft.com/office/drawing/2014/main" id="{6D46FDA4-0EB3-DF1D-0C41-1C1511C52036}"/>
-              </a:ext>
-            </a:extLst>
-          </p:cNvPr>
-          <p:cNvPicPr>
-            <a:picLocks noChangeAspect="1"/>
-          </p:cNvPicPr>
-          <p:nvPr/>
-        </p:nvPicPr>
-        <p:blipFill>
-          <a:blip r:embed="rId3"/>
-          <a:stretch>
-            <a:fillRect/>
-          </a:stretch>
-        </p:blipFill>
-        <p:spPr>
-          <a:xfrm>
-            <a:off x="878509" y="2381089"/>
-            <a:ext cx="7944365" cy="2885392"/>
+            <a:off x="67815" y="1043733"/>
+            <a:ext cx="8958942" cy="5490232"/>
           </a:xfrm>
           <a:prstGeom prst="rect">
             <a:avLst/>
           </a:prstGeom>
         </p:spPr>
-      </p:pic>
+        <p:txBody>
+          <a:bodyPr spcFirstLastPara="1" wrap="square" lIns="91425" tIns="91425" rIns="91425" bIns="91425" anchor="t" anchorCtr="0">
+            <a:noAutofit/>
+          </a:bodyPr>
+          <a:lstStyle/>
+          <a:p>
+            <a:pPr lvl="0"/>
+            <a:r>
+              <a:rPr lang="en-GB" dirty="0"/>
+              <a:t>In real tasks the state space is combinatorial and </a:t>
+            </a:r>
+            <a:r>
+              <a:rPr lang="en-GB" b="1" dirty="0"/>
+              <a:t>enormous</a:t>
+            </a:r>
+            <a:r>
+              <a:rPr lang="en-GB" dirty="0"/>
+              <a:t> </a:t>
+            </a:r>
+          </a:p>
+          <a:p>
+            <a:pPr lvl="1"/>
+            <a:r>
+              <a:rPr lang="en-GB" dirty="0"/>
+              <a:t>we cannot expect to find an optimal policy</a:t>
+            </a:r>
+          </a:p>
+          <a:p>
+            <a:pPr lvl="1"/>
+            <a:r>
+              <a:rPr lang="en-GB" dirty="0"/>
+              <a:t>the goal instead is to find a </a:t>
+            </a:r>
+            <a:r>
+              <a:rPr lang="en-GB" b="1" dirty="0"/>
+              <a:t>good approximate solution </a:t>
+            </a:r>
+          </a:p>
+          <a:p>
+            <a:r>
+              <a:rPr lang="en-GB" dirty="0"/>
+              <a:t>One problem is the </a:t>
+            </a:r>
+            <a:r>
+              <a:rPr lang="en-GB" b="1" dirty="0"/>
+              <a:t>memory needed </a:t>
+            </a:r>
+            <a:r>
+              <a:rPr lang="en-GB" dirty="0"/>
+              <a:t>for large tables and  the </a:t>
+            </a:r>
+            <a:r>
+              <a:rPr lang="en-GB" b="1" dirty="0"/>
+              <a:t>time needed</a:t>
+            </a:r>
+            <a:r>
+              <a:rPr lang="en-GB" dirty="0"/>
+              <a:t> to fill them accurately</a:t>
+            </a:r>
+          </a:p>
+          <a:p>
+            <a:r>
+              <a:rPr lang="en-GB" dirty="0"/>
+              <a:t>Even worst, in real tasks, almost every state encountered </a:t>
+            </a:r>
+            <a:r>
+              <a:rPr lang="en-GB" b="1" dirty="0"/>
+              <a:t>will never have been seen before</a:t>
+            </a:r>
+          </a:p>
+          <a:p>
+            <a:pPr lvl="1"/>
+            <a:r>
+              <a:rPr lang="en-GB" dirty="0"/>
+              <a:t>it is necessary to </a:t>
+            </a:r>
+            <a:r>
+              <a:rPr lang="en-GB" b="1" dirty="0"/>
+              <a:t>generalize</a:t>
+            </a:r>
+            <a:r>
+              <a:rPr lang="en-GB" dirty="0"/>
+              <a:t> from previous experience with different (but in some sense similar) states</a:t>
+            </a:r>
+          </a:p>
+          <a:p>
+            <a:r>
+              <a:rPr lang="en-GB" dirty="0"/>
+              <a:t>How can experience with a limited subset of the state space be generalized to produce a good approximation over a much larger subset?</a:t>
+            </a:r>
+          </a:p>
+          <a:p>
+            <a:pPr lvl="1"/>
+            <a:r>
+              <a:rPr lang="en-GB" b="1" dirty="0"/>
+              <a:t>generalization from examples </a:t>
+            </a:r>
+            <a:r>
+              <a:rPr lang="en-GB" dirty="0"/>
+              <a:t>has been extensively studied in </a:t>
+            </a:r>
+            <a:r>
+              <a:rPr lang="en-GB" b="1" dirty="0"/>
+              <a:t>Machine Learning</a:t>
+            </a:r>
+          </a:p>
+          <a:p>
+            <a:pPr lvl="1"/>
+            <a:r>
+              <a:rPr lang="en-GB" dirty="0"/>
+              <a:t>we need to combine RL methods with existing generalization methods</a:t>
+            </a:r>
+          </a:p>
+          <a:p>
+            <a:pPr lvl="1"/>
+            <a:endParaRPr lang="en-GB" sz="100" dirty="0"/>
+          </a:p>
+          <a:p>
+            <a:r>
+              <a:rPr lang="en-GB" dirty="0"/>
+              <a:t>The kind of generalization is called </a:t>
+            </a:r>
+            <a:r>
+              <a:rPr lang="en-GB" b="1" dirty="0"/>
+              <a:t>function approximation </a:t>
+            </a:r>
+          </a:p>
+          <a:p>
+            <a:pPr lvl="1"/>
+            <a:r>
+              <a:rPr lang="en-GB" dirty="0"/>
+              <a:t>takes examples from a desired function (e.g. value function) </a:t>
+            </a:r>
+          </a:p>
+          <a:p>
+            <a:pPr lvl="1"/>
+            <a:r>
+              <a:rPr lang="en-GB" dirty="0"/>
+              <a:t>attempts to generalize from them to construct an approximation of the entire function </a:t>
+            </a:r>
+          </a:p>
+        </p:txBody>
+      </p:sp>
     </p:spTree>
     <p:extLst>
       <p:ext uri="{BB962C8B-B14F-4D97-AF65-F5344CB8AC3E}">
-        <p14:creationId xmlns:p14="http://schemas.microsoft.com/office/powerpoint/2010/main" val="2506133898"/>
+        <p14:creationId xmlns:p14="http://schemas.microsoft.com/office/powerpoint/2010/main" val="2056707301"/>
       </p:ext>
     </p:extLst>
   </p:cSld>
@@ -17746,12 +18076,72 @@
             <a:pPr lvl="0"/>
             <a:r>
               <a:rPr lang="en-GB" sz="4000" dirty="0"/>
-              <a:t>Select the neural architecture</a:t>
+              <a:t>Select the neural architecture (2)</a:t>
             </a:r>
             <a:endParaRPr sz="4000" dirty="0"/>
           </a:p>
         </p:txBody>
       </p:sp>
+      <p:pic>
+        <p:nvPicPr>
+          <p:cNvPr id="6" name="Immagine 5" descr="Immagine che contiene linea, diagramma, design&#10;&#10;Descrizione generata automaticamente">
+            <a:extLst>
+              <a:ext uri="{FF2B5EF4-FFF2-40B4-BE49-F238E27FC236}">
+                <a16:creationId xmlns:a16="http://schemas.microsoft.com/office/drawing/2014/main" id="{07A333E2-AA7A-872C-CAAE-BF7D148BEDC5}"/>
+              </a:ext>
+            </a:extLst>
+          </p:cNvPr>
+          <p:cNvPicPr>
+            <a:picLocks noChangeAspect="1"/>
+          </p:cNvPicPr>
+          <p:nvPr/>
+        </p:nvPicPr>
+        <p:blipFill>
+          <a:blip r:embed="rId3"/>
+          <a:stretch>
+            <a:fillRect/>
+          </a:stretch>
+        </p:blipFill>
+        <p:spPr>
+          <a:xfrm>
+            <a:off x="2650321" y="2139283"/>
+            <a:ext cx="6493679" cy="2579434"/>
+          </a:xfrm>
+          <a:prstGeom prst="rect">
+            <a:avLst/>
+          </a:prstGeom>
+        </p:spPr>
+      </p:pic>
+      <p:pic>
+        <p:nvPicPr>
+          <p:cNvPr id="4" name="Immagine 3">
+            <a:extLst>
+              <a:ext uri="{FF2B5EF4-FFF2-40B4-BE49-F238E27FC236}">
+                <a16:creationId xmlns:a16="http://schemas.microsoft.com/office/drawing/2014/main" id="{632C54DD-AEF7-7FEF-5CC9-1B226771639E}"/>
+              </a:ext>
+            </a:extLst>
+          </p:cNvPr>
+          <p:cNvPicPr>
+            <a:picLocks noChangeAspect="1"/>
+          </p:cNvPicPr>
+          <p:nvPr/>
+        </p:nvPicPr>
+        <p:blipFill>
+          <a:blip r:embed="rId4"/>
+          <a:stretch>
+            <a:fillRect/>
+          </a:stretch>
+        </p:blipFill>
+        <p:spPr>
+          <a:xfrm>
+            <a:off x="162750" y="4111914"/>
+            <a:ext cx="4938564" cy="2394040"/>
+          </a:xfrm>
+          <a:prstGeom prst="rect">
+            <a:avLst/>
+          </a:prstGeom>
+        </p:spPr>
+      </p:pic>
       <p:sp>
         <p:nvSpPr>
           <p:cNvPr id="84" name="Google Shape;84;p14"/>
@@ -17780,52 +18170,45 @@
             <a:pPr lvl="0"/>
             <a:r>
               <a:rPr lang="en-GB" dirty="0"/>
-              <a:t>Use a neural networks as a function approximation to approximate action-value function 𝑄(𝑠, 𝑎; 𝜃)</a:t>
+              <a:t>We refer to the </a:t>
+            </a:r>
+            <a:r>
+              <a:rPr lang="en-GB" b="1" dirty="0"/>
+              <a:t>approximate action-value function</a:t>
+            </a:r>
+            <a:r>
+              <a:rPr lang="en-GB" dirty="0"/>
+              <a:t> as Q(</a:t>
+            </a:r>
+            <a:r>
+              <a:rPr lang="en-GB" dirty="0" err="1"/>
+              <a:t>s,a</a:t>
+            </a:r>
+            <a:r>
+              <a:rPr lang="en-GB" dirty="0"/>
+              <a:t>; theta)</a:t>
             </a:r>
           </a:p>
           <a:p>
             <a:pPr lvl="1"/>
             <a:r>
               <a:rPr lang="en-GB" dirty="0"/>
-              <a:t>𝑄 estimate is parameterized by 𝜃 (the weights of a neural network), a state 𝑠 and an action 𝑎</a:t>
+              <a:t>Q estimate is parameterized by theta </a:t>
+            </a:r>
+          </a:p>
+          <a:p>
+            <a:pPr lvl="1"/>
+            <a:r>
+              <a:rPr lang="en-GB" dirty="0"/>
+              <a:t>the weights of a neural network</a:t>
             </a:r>
           </a:p>
         </p:txBody>
       </p:sp>
-      <p:pic>
-        <p:nvPicPr>
-          <p:cNvPr id="3" name="Immagine 2">
-            <a:extLst>
-              <a:ext uri="{FF2B5EF4-FFF2-40B4-BE49-F238E27FC236}">
-                <a16:creationId xmlns:a16="http://schemas.microsoft.com/office/drawing/2014/main" id="{FA52161C-69EC-F419-1FFD-E7D89DAE11BF}"/>
-              </a:ext>
-            </a:extLst>
-          </p:cNvPr>
-          <p:cNvPicPr>
-            <a:picLocks noChangeAspect="1"/>
-          </p:cNvPicPr>
-          <p:nvPr/>
-        </p:nvPicPr>
-        <p:blipFill>
-          <a:blip r:embed="rId3"/>
-          <a:stretch>
-            <a:fillRect/>
-          </a:stretch>
-        </p:blipFill>
-        <p:spPr>
-          <a:xfrm>
-            <a:off x="408050" y="2489924"/>
-            <a:ext cx="8500893" cy="3946843"/>
-          </a:xfrm>
-          <a:prstGeom prst="rect">
-            <a:avLst/>
-          </a:prstGeom>
-        </p:spPr>
-      </p:pic>
     </p:spTree>
     <p:extLst>
       <p:ext uri="{BB962C8B-B14F-4D97-AF65-F5344CB8AC3E}">
-        <p14:creationId xmlns:p14="http://schemas.microsoft.com/office/powerpoint/2010/main" val="1139223116"/>
+        <p14:creationId xmlns:p14="http://schemas.microsoft.com/office/powerpoint/2010/main" val="1217338129"/>
       </p:ext>
     </p:extLst>
   </p:cSld>
